--- a/doc/prezi/hw2/ztz-presentation.pptx
+++ b/doc/prezi/hw2/ztz-presentation.pptx
@@ -7,16 +7,17 @@
     <p:sldMasterId id="2147483655" r:id="rId3"/>
   </p:sldMasterIdLst>
   <p:notesMasterIdLst>
-    <p:notesMasterId r:id="rId8"/>
+    <p:notesMasterId r:id="rId9"/>
   </p:notesMasterIdLst>
   <p:handoutMasterIdLst>
-    <p:handoutMasterId r:id="rId9"/>
+    <p:handoutMasterId r:id="rId10"/>
   </p:handoutMasterIdLst>
   <p:sldIdLst>
     <p:sldId id="304" r:id="rId4"/>
     <p:sldId id="315" r:id="rId5"/>
-    <p:sldId id="313" r:id="rId6"/>
-    <p:sldId id="312" r:id="rId7"/>
+    <p:sldId id="316" r:id="rId6"/>
+    <p:sldId id="313" r:id="rId7"/>
+    <p:sldId id="312" r:id="rId8"/>
   </p:sldIdLst>
   <p:sldSz cx="9144000" cy="6858000" type="screen4x3"/>
   <p:notesSz cx="6858000" cy="9144000"/>
@@ -122,6 +123,7 @@
           <p14:sldIdLst>
             <p14:sldId id="304"/>
             <p14:sldId id="315"/>
+            <p14:sldId id="316"/>
             <p14:sldId id="313"/>
             <p14:sldId id="312"/>
           </p14:sldIdLst>
@@ -130,7 +132,7 @@
     </p:ext>
     <p:ext uri="{EFAFB233-063F-42B5-8137-9DF3F51BA10A}">
       <p15:sldGuideLst xmlns:p15="http://schemas.microsoft.com/office/powerpoint/2012/main">
-        <p15:guide id="1" orient="horz" pos="2136" userDrawn="1">
+        <p15:guide id="1" orient="horz" pos="2160" userDrawn="1">
           <p15:clr>
             <a:srgbClr val="A4A3A4"/>
           </p15:clr>
@@ -744,6 +746,115 @@
     <p:extLst>
       <p:ext uri="{BB962C8B-B14F-4D97-AF65-F5344CB8AC3E}">
         <p14:creationId xmlns:p14="http://schemas.microsoft.com/office/powerpoint/2010/main" val="4275767220"/>
+      </p:ext>
+    </p:extLst>
+  </p:cSld>
+  <p:clrMapOvr>
+    <a:masterClrMapping/>
+  </p:clrMapOvr>
+</p:notes>
+</file>
+
+<file path=ppt/notesSlides/notesSlide2.xml><?xml version="1.0" encoding="utf-8"?>
+<p:notes xmlns:a="http://schemas.openxmlformats.org/drawingml/2006/main" xmlns:r="http://schemas.openxmlformats.org/officeDocument/2006/relationships" xmlns:p="http://schemas.openxmlformats.org/presentationml/2006/main">
+  <p:cSld>
+    <p:spTree>
+      <p:nvGrpSpPr>
+        <p:cNvPr id="1" name=""/>
+        <p:cNvGrpSpPr/>
+        <p:nvPr/>
+      </p:nvGrpSpPr>
+      <p:grpSpPr>
+        <a:xfrm>
+          <a:off x="0" y="0"/>
+          <a:ext cx="0" cy="0"/>
+          <a:chOff x="0" y="0"/>
+          <a:chExt cx="0" cy="0"/>
+        </a:xfrm>
+      </p:grpSpPr>
+      <p:sp>
+        <p:nvSpPr>
+          <p:cNvPr id="2" name="Slide Image Placeholder 1"/>
+          <p:cNvSpPr>
+            <a:spLocks noGrp="1" noRot="1" noChangeAspect="1"/>
+          </p:cNvSpPr>
+          <p:nvPr>
+            <p:ph type="sldImg"/>
+          </p:nvPr>
+        </p:nvSpPr>
+        <p:spPr/>
+      </p:sp>
+      <p:sp>
+        <p:nvSpPr>
+          <p:cNvPr id="3" name="Notes Placeholder 2"/>
+          <p:cNvSpPr>
+            <a:spLocks noGrp="1"/>
+          </p:cNvSpPr>
+          <p:nvPr>
+            <p:ph type="body" idx="1"/>
+          </p:nvPr>
+        </p:nvSpPr>
+        <p:spPr/>
+        <p:txBody>
+          <a:bodyPr/>
+          <a:lstStyle/>
+          <a:p>
+            <a:r>
+              <a:rPr lang="hu-HU" dirty="0" smtClean="0"/>
+              <a:t>A nyelvtan a</a:t>
+            </a:r>
+            <a:r>
+              <a:rPr lang="hu-HU" baseline="0" dirty="0" smtClean="0"/>
+              <a:t> két </a:t>
+            </a:r>
+            <a:r>
+              <a:rPr lang="hu-HU" baseline="0" dirty="0" err="1" smtClean="0"/>
+              <a:t>metamodelt</a:t>
+            </a:r>
+            <a:r>
+              <a:rPr lang="hu-HU" baseline="0" dirty="0" smtClean="0"/>
+              <a:t> használja fel, tulajdonképpen importálja. A nyelvtan példánya egy létező strukturális példánymodellt importál, és </a:t>
+            </a:r>
+            <a:r>
+              <a:rPr lang="hu-HU" baseline="0" dirty="0" err="1" smtClean="0"/>
+              <a:t>runtime</a:t>
+            </a:r>
+            <a:r>
+              <a:rPr lang="hu-HU" baseline="0" dirty="0" smtClean="0"/>
+              <a:t> egy viselkedésit generál. Ez a viselkedési példány a strukturális példánymodellt egészíti ki. Tehát ami fontos, hogy létező strukturális példányokhoz vagyunk képesek viselkedést definiálni a nyelvtan segítségével, és viselkedési példányokat generálni, ami a strukturálisra referál.</a:t>
+            </a:r>
+            <a:endParaRPr lang="hu-HU" dirty="0"/>
+          </a:p>
+        </p:txBody>
+      </p:sp>
+      <p:sp>
+        <p:nvSpPr>
+          <p:cNvPr id="4" name="Slide Number Placeholder 3"/>
+          <p:cNvSpPr>
+            <a:spLocks noGrp="1"/>
+          </p:cNvSpPr>
+          <p:nvPr>
+            <p:ph type="sldNum" sz="quarter" idx="10"/>
+          </p:nvPr>
+        </p:nvSpPr>
+        <p:spPr/>
+        <p:txBody>
+          <a:bodyPr/>
+          <a:lstStyle/>
+          <a:p>
+            <a:fld id="{A70A3C59-3253-3B42-8BE0-F6D0BA6B0441}" type="slidenum">
+              <a:rPr lang="en-US" smtClean="0"/>
+              <a:pPr/>
+              <a:t>2</a:t>
+            </a:fld>
+            <a:endParaRPr lang="en-US"/>
+          </a:p>
+        </p:txBody>
+      </p:sp>
+    </p:spTree>
+    <p:extLst>
+      <p:ext uri="{BB962C8B-B14F-4D97-AF65-F5344CB8AC3E}">
+        <p14:creationId xmlns:p14="http://schemas.microsoft.com/office/powerpoint/2010/main" val="1342793944"/>
       </p:ext>
     </p:extLst>
   </p:cSld>
@@ -6959,26 +7070,11 @@
           <a:bodyPr/>
           <a:lstStyle/>
           <a:p>
+            <a:r>
+              <a:rPr lang="hu-HU" dirty="0" smtClean="0"/>
+              <a:t>Modellek kapcsolata</a:t>
+            </a:r>
             <a:endParaRPr lang="en-US" dirty="0"/>
-          </a:p>
-        </p:txBody>
-      </p:sp>
-      <p:sp>
-        <p:nvSpPr>
-          <p:cNvPr id="3" name="Tartalom helye 2"/>
-          <p:cNvSpPr>
-            <a:spLocks noGrp="1"/>
-          </p:cNvSpPr>
-          <p:nvPr>
-            <p:ph idx="1"/>
-          </p:nvPr>
-        </p:nvSpPr>
-        <p:spPr/>
-        <p:txBody>
-          <a:bodyPr/>
-          <a:lstStyle/>
-          <a:p>
-            <a:endParaRPr lang="hu-HU" dirty="0"/>
           </a:p>
         </p:txBody>
       </p:sp>
@@ -7006,6 +7102,1272 @@
           </a:p>
         </p:txBody>
       </p:sp>
+      <p:sp>
+        <p:nvSpPr>
+          <p:cNvPr id="5" name="Rectangle 4"/>
+          <p:cNvSpPr/>
+          <p:nvPr/>
+        </p:nvSpPr>
+        <p:spPr>
+          <a:xfrm>
+            <a:off x="144516" y="954958"/>
+            <a:ext cx="1911574" cy="1057603"/>
+          </a:xfrm>
+          <a:prstGeom prst="rect">
+            <a:avLst/>
+          </a:prstGeom>
+          <a:solidFill>
+            <a:schemeClr val="bg2"/>
+          </a:solidFill>
+          <a:ln w="38100">
+            <a:solidFill>
+              <a:schemeClr val="accent1"/>
+            </a:solidFill>
+          </a:ln>
+          <a:effectLst/>
+        </p:spPr>
+        <p:style>
+          <a:lnRef idx="2">
+            <a:schemeClr val="accent4">
+              <a:shade val="50000"/>
+            </a:schemeClr>
+          </a:lnRef>
+          <a:fillRef idx="1">
+            <a:schemeClr val="accent4"/>
+          </a:fillRef>
+          <a:effectRef idx="0">
+            <a:schemeClr val="accent4"/>
+          </a:effectRef>
+          <a:fontRef idx="minor">
+            <a:schemeClr val="lt1"/>
+          </a:fontRef>
+        </p:style>
+        <p:txBody>
+          <a:bodyPr rot="0" spcFirstLastPara="0" vertOverflow="overflow" horzOverflow="overflow" vert="horz" wrap="square" lIns="91440" tIns="45720" rIns="91440" bIns="45720" numCol="1" spcCol="0" rtlCol="0" fromWordArt="0" anchor="ctr" anchorCtr="0" forceAA="0" compatLnSpc="1">
+            <a:prstTxWarp prst="textNoShape">
+              <a:avLst/>
+            </a:prstTxWarp>
+            <a:noAutofit/>
+          </a:bodyPr>
+          <a:lstStyle/>
+          <a:p>
+            <a:pPr algn="ctr"/>
+            <a:r>
+              <a:rPr lang="hu-HU" sz="2400" dirty="0" smtClean="0">
+                <a:solidFill>
+                  <a:schemeClr val="tx2"/>
+                </a:solidFill>
+              </a:rPr>
+              <a:t>Strukturális </a:t>
+            </a:r>
+            <a:r>
+              <a:rPr lang="hu-HU" sz="2400" dirty="0" err="1" smtClean="0">
+                <a:solidFill>
+                  <a:schemeClr val="tx2"/>
+                </a:solidFill>
+              </a:rPr>
+              <a:t>metamodel</a:t>
+            </a:r>
+            <a:endParaRPr lang="hu-HU" sz="2400" dirty="0">
+              <a:solidFill>
+                <a:schemeClr val="tx2"/>
+              </a:solidFill>
+            </a:endParaRPr>
+          </a:p>
+        </p:txBody>
+      </p:sp>
+      <p:sp>
+        <p:nvSpPr>
+          <p:cNvPr id="6" name="Rectangle 5"/>
+          <p:cNvSpPr/>
+          <p:nvPr/>
+        </p:nvSpPr>
+        <p:spPr>
+          <a:xfrm>
+            <a:off x="6733188" y="954958"/>
+            <a:ext cx="1945731" cy="1057603"/>
+          </a:xfrm>
+          <a:prstGeom prst="rect">
+            <a:avLst/>
+          </a:prstGeom>
+          <a:solidFill>
+            <a:schemeClr val="bg2"/>
+          </a:solidFill>
+          <a:ln w="38100">
+            <a:solidFill>
+              <a:schemeClr val="accent1"/>
+            </a:solidFill>
+          </a:ln>
+          <a:effectLst/>
+        </p:spPr>
+        <p:style>
+          <a:lnRef idx="2">
+            <a:schemeClr val="accent4">
+              <a:shade val="50000"/>
+            </a:schemeClr>
+          </a:lnRef>
+          <a:fillRef idx="1">
+            <a:schemeClr val="accent4"/>
+          </a:fillRef>
+          <a:effectRef idx="0">
+            <a:schemeClr val="accent4"/>
+          </a:effectRef>
+          <a:fontRef idx="minor">
+            <a:schemeClr val="lt1"/>
+          </a:fontRef>
+        </p:style>
+        <p:txBody>
+          <a:bodyPr rot="0" spcFirstLastPara="0" vertOverflow="overflow" horzOverflow="overflow" vert="horz" wrap="square" lIns="91440" tIns="45720" rIns="91440" bIns="45720" numCol="1" spcCol="0" rtlCol="0" fromWordArt="0" anchor="ctr" anchorCtr="0" forceAA="0" compatLnSpc="1">
+            <a:prstTxWarp prst="textNoShape">
+              <a:avLst/>
+            </a:prstTxWarp>
+            <a:noAutofit/>
+          </a:bodyPr>
+          <a:lstStyle/>
+          <a:p>
+            <a:pPr algn="ctr"/>
+            <a:r>
+              <a:rPr lang="hu-HU" sz="2400" dirty="0" smtClean="0">
+                <a:solidFill>
+                  <a:schemeClr val="tx2"/>
+                </a:solidFill>
+              </a:rPr>
+              <a:t>Viselkedési </a:t>
+            </a:r>
+            <a:r>
+              <a:rPr lang="hu-HU" sz="2400" dirty="0" err="1" smtClean="0">
+                <a:solidFill>
+                  <a:schemeClr val="tx2"/>
+                </a:solidFill>
+              </a:rPr>
+              <a:t>metamodel</a:t>
+            </a:r>
+            <a:endParaRPr lang="hu-HU" sz="2400" dirty="0">
+              <a:solidFill>
+                <a:schemeClr val="tx2"/>
+              </a:solidFill>
+            </a:endParaRPr>
+          </a:p>
+        </p:txBody>
+      </p:sp>
+      <p:sp>
+        <p:nvSpPr>
+          <p:cNvPr id="7" name="Rectangle 6"/>
+          <p:cNvSpPr/>
+          <p:nvPr/>
+        </p:nvSpPr>
+        <p:spPr>
+          <a:xfrm>
+            <a:off x="144517" y="4050740"/>
+            <a:ext cx="1910918" cy="1057603"/>
+          </a:xfrm>
+          <a:prstGeom prst="rect">
+            <a:avLst/>
+          </a:prstGeom>
+          <a:ln/>
+        </p:spPr>
+        <p:style>
+          <a:lnRef idx="2">
+            <a:schemeClr val="accent4">
+              <a:shade val="50000"/>
+            </a:schemeClr>
+          </a:lnRef>
+          <a:fillRef idx="1">
+            <a:schemeClr val="accent4"/>
+          </a:fillRef>
+          <a:effectRef idx="0">
+            <a:schemeClr val="accent4"/>
+          </a:effectRef>
+          <a:fontRef idx="minor">
+            <a:schemeClr val="lt1"/>
+          </a:fontRef>
+        </p:style>
+        <p:txBody>
+          <a:bodyPr rot="0" spcFirstLastPara="0" vertOverflow="overflow" horzOverflow="overflow" vert="horz" wrap="square" lIns="91440" tIns="45720" rIns="91440" bIns="45720" numCol="1" spcCol="0" rtlCol="0" fromWordArt="0" anchor="ctr" anchorCtr="0" forceAA="0" compatLnSpc="1">
+            <a:prstTxWarp prst="textNoShape">
+              <a:avLst/>
+            </a:prstTxWarp>
+            <a:noAutofit/>
+          </a:bodyPr>
+          <a:lstStyle/>
+          <a:p>
+            <a:pPr algn="ctr"/>
+            <a:r>
+              <a:rPr lang="hu-HU" sz="2400" dirty="0" smtClean="0">
+                <a:solidFill>
+                  <a:schemeClr val="tx2"/>
+                </a:solidFill>
+              </a:rPr>
+              <a:t>Strukturális példány</a:t>
+            </a:r>
+            <a:endParaRPr lang="hu-HU" sz="2400" dirty="0">
+              <a:solidFill>
+                <a:schemeClr val="tx2"/>
+              </a:solidFill>
+            </a:endParaRPr>
+          </a:p>
+        </p:txBody>
+      </p:sp>
+      <p:sp>
+        <p:nvSpPr>
+          <p:cNvPr id="8" name="Rectangle 7"/>
+          <p:cNvSpPr/>
+          <p:nvPr/>
+        </p:nvSpPr>
+        <p:spPr>
+          <a:xfrm>
+            <a:off x="6733188" y="4050741"/>
+            <a:ext cx="1945731" cy="1057603"/>
+          </a:xfrm>
+          <a:prstGeom prst="rect">
+            <a:avLst/>
+          </a:prstGeom>
+          <a:ln/>
+        </p:spPr>
+        <p:style>
+          <a:lnRef idx="2">
+            <a:schemeClr val="accent4">
+              <a:shade val="50000"/>
+            </a:schemeClr>
+          </a:lnRef>
+          <a:fillRef idx="1">
+            <a:schemeClr val="accent4"/>
+          </a:fillRef>
+          <a:effectRef idx="0">
+            <a:schemeClr val="accent4"/>
+          </a:effectRef>
+          <a:fontRef idx="minor">
+            <a:schemeClr val="lt1"/>
+          </a:fontRef>
+        </p:style>
+        <p:txBody>
+          <a:bodyPr rot="0" spcFirstLastPara="0" vertOverflow="overflow" horzOverflow="overflow" vert="horz" wrap="square" lIns="91440" tIns="45720" rIns="91440" bIns="45720" numCol="1" spcCol="0" rtlCol="0" fromWordArt="0" anchor="ctr" anchorCtr="0" forceAA="0" compatLnSpc="1">
+            <a:prstTxWarp prst="textNoShape">
+              <a:avLst/>
+            </a:prstTxWarp>
+            <a:noAutofit/>
+          </a:bodyPr>
+          <a:lstStyle/>
+          <a:p>
+            <a:pPr algn="ctr"/>
+            <a:r>
+              <a:rPr lang="hu-HU" sz="2400" dirty="0" smtClean="0">
+                <a:solidFill>
+                  <a:schemeClr val="tx2"/>
+                </a:solidFill>
+              </a:rPr>
+              <a:t>Viselkedési példány</a:t>
+            </a:r>
+            <a:endParaRPr lang="hu-HU" sz="2400" dirty="0">
+              <a:solidFill>
+                <a:schemeClr val="tx2"/>
+              </a:solidFill>
+            </a:endParaRPr>
+          </a:p>
+        </p:txBody>
+      </p:sp>
+      <p:sp>
+        <p:nvSpPr>
+          <p:cNvPr id="9" name="Rectangle 8"/>
+          <p:cNvSpPr/>
+          <p:nvPr/>
+        </p:nvSpPr>
+        <p:spPr>
+          <a:xfrm>
+            <a:off x="3438524" y="954958"/>
+            <a:ext cx="1911574" cy="1057603"/>
+          </a:xfrm>
+          <a:prstGeom prst="rect">
+            <a:avLst/>
+          </a:prstGeom>
+          <a:solidFill>
+            <a:schemeClr val="bg2"/>
+          </a:solidFill>
+          <a:ln w="38100">
+            <a:solidFill>
+              <a:schemeClr val="accent1"/>
+            </a:solidFill>
+          </a:ln>
+          <a:effectLst/>
+        </p:spPr>
+        <p:style>
+          <a:lnRef idx="2">
+            <a:schemeClr val="accent4">
+              <a:shade val="50000"/>
+            </a:schemeClr>
+          </a:lnRef>
+          <a:fillRef idx="1">
+            <a:schemeClr val="accent4"/>
+          </a:fillRef>
+          <a:effectRef idx="0">
+            <a:schemeClr val="accent4"/>
+          </a:effectRef>
+          <a:fontRef idx="minor">
+            <a:schemeClr val="lt1"/>
+          </a:fontRef>
+        </p:style>
+        <p:txBody>
+          <a:bodyPr rot="0" spcFirstLastPara="0" vertOverflow="overflow" horzOverflow="overflow" vert="horz" wrap="square" lIns="91440" tIns="45720" rIns="91440" bIns="45720" numCol="1" spcCol="0" rtlCol="0" fromWordArt="0" anchor="ctr" anchorCtr="0" forceAA="0" compatLnSpc="1">
+            <a:prstTxWarp prst="textNoShape">
+              <a:avLst/>
+            </a:prstTxWarp>
+            <a:noAutofit/>
+          </a:bodyPr>
+          <a:lstStyle/>
+          <a:p>
+            <a:pPr algn="ctr"/>
+            <a:r>
+              <a:rPr lang="hu-HU" sz="2400" dirty="0">
+                <a:solidFill>
+                  <a:schemeClr val="tx2"/>
+                </a:solidFill>
+              </a:rPr>
+              <a:t>Nyelvtan</a:t>
+            </a:r>
+            <a:endParaRPr lang="hu-HU" sz="2400" dirty="0">
+              <a:solidFill>
+                <a:schemeClr val="tx2"/>
+              </a:solidFill>
+            </a:endParaRPr>
+          </a:p>
+        </p:txBody>
+      </p:sp>
+      <p:sp>
+        <p:nvSpPr>
+          <p:cNvPr id="10" name="Rectangle 9"/>
+          <p:cNvSpPr/>
+          <p:nvPr/>
+        </p:nvSpPr>
+        <p:spPr>
+          <a:xfrm>
+            <a:off x="3438524" y="4050742"/>
+            <a:ext cx="1911574" cy="1057603"/>
+          </a:xfrm>
+          <a:prstGeom prst="rect">
+            <a:avLst/>
+          </a:prstGeom>
+          <a:ln/>
+        </p:spPr>
+        <p:style>
+          <a:lnRef idx="2">
+            <a:schemeClr val="accent4">
+              <a:shade val="50000"/>
+            </a:schemeClr>
+          </a:lnRef>
+          <a:fillRef idx="1">
+            <a:schemeClr val="accent4"/>
+          </a:fillRef>
+          <a:effectRef idx="0">
+            <a:schemeClr val="accent4"/>
+          </a:effectRef>
+          <a:fontRef idx="minor">
+            <a:schemeClr val="lt1"/>
+          </a:fontRef>
+        </p:style>
+        <p:txBody>
+          <a:bodyPr rot="0" spcFirstLastPara="0" vertOverflow="overflow" horzOverflow="overflow" vert="horz" wrap="square" lIns="91440" tIns="45720" rIns="91440" bIns="45720" numCol="1" spcCol="0" rtlCol="0" fromWordArt="0" anchor="ctr" anchorCtr="0" forceAA="0" compatLnSpc="1">
+            <a:prstTxWarp prst="textNoShape">
+              <a:avLst/>
+            </a:prstTxWarp>
+            <a:noAutofit/>
+          </a:bodyPr>
+          <a:lstStyle/>
+          <a:p>
+            <a:pPr algn="ctr"/>
+            <a:r>
+              <a:rPr lang="hu-HU" sz="2400" dirty="0">
+                <a:solidFill>
+                  <a:schemeClr val="tx2"/>
+                </a:solidFill>
+              </a:rPr>
+              <a:t>Példány</a:t>
+            </a:r>
+            <a:endParaRPr lang="hu-HU" sz="2400" dirty="0">
+              <a:solidFill>
+                <a:schemeClr val="tx2"/>
+              </a:solidFill>
+            </a:endParaRPr>
+          </a:p>
+        </p:txBody>
+      </p:sp>
+      <p:cxnSp>
+        <p:nvCxnSpPr>
+          <p:cNvPr id="12" name="Straight Arrow Connector 11"/>
+          <p:cNvCxnSpPr>
+            <a:stCxn id="8" idx="0"/>
+            <a:endCxn id="6" idx="2"/>
+          </p:cNvCxnSpPr>
+          <p:nvPr/>
+        </p:nvCxnSpPr>
+        <p:spPr>
+          <a:xfrm flipV="1">
+            <a:off x="7706054" y="2012561"/>
+            <a:ext cx="0" cy="2038180"/>
+          </a:xfrm>
+          <a:prstGeom prst="straightConnector1">
+            <a:avLst/>
+          </a:prstGeom>
+          <a:ln w="57150">
+            <a:prstDash val="dash"/>
+            <a:tailEnd type="triangle"/>
+          </a:ln>
+        </p:spPr>
+        <p:style>
+          <a:lnRef idx="1">
+            <a:schemeClr val="accent1"/>
+          </a:lnRef>
+          <a:fillRef idx="0">
+            <a:schemeClr val="accent1"/>
+          </a:fillRef>
+          <a:effectRef idx="0">
+            <a:schemeClr val="accent1"/>
+          </a:effectRef>
+          <a:fontRef idx="minor">
+            <a:schemeClr val="tx1"/>
+          </a:fontRef>
+        </p:style>
+      </p:cxnSp>
+      <p:cxnSp>
+        <p:nvCxnSpPr>
+          <p:cNvPr id="17" name="Straight Arrow Connector 16"/>
+          <p:cNvCxnSpPr>
+            <a:stCxn id="9" idx="3"/>
+            <a:endCxn id="6" idx="1"/>
+          </p:cNvCxnSpPr>
+          <p:nvPr/>
+        </p:nvCxnSpPr>
+        <p:spPr>
+          <a:xfrm>
+            <a:off x="5350098" y="1483760"/>
+            <a:ext cx="1383090" cy="0"/>
+          </a:xfrm>
+          <a:prstGeom prst="straightConnector1">
+            <a:avLst/>
+          </a:prstGeom>
+          <a:ln w="57150">
+            <a:prstDash val="dash"/>
+            <a:tailEnd type="triangle"/>
+          </a:ln>
+        </p:spPr>
+        <p:style>
+          <a:lnRef idx="1">
+            <a:schemeClr val="accent1"/>
+          </a:lnRef>
+          <a:fillRef idx="0">
+            <a:schemeClr val="accent1"/>
+          </a:fillRef>
+          <a:effectRef idx="0">
+            <a:schemeClr val="accent1"/>
+          </a:effectRef>
+          <a:fontRef idx="minor">
+            <a:schemeClr val="tx1"/>
+          </a:fontRef>
+        </p:style>
+      </p:cxnSp>
+      <p:cxnSp>
+        <p:nvCxnSpPr>
+          <p:cNvPr id="18" name="Straight Arrow Connector 17"/>
+          <p:cNvCxnSpPr>
+            <a:stCxn id="10" idx="0"/>
+            <a:endCxn id="9" idx="2"/>
+          </p:cNvCxnSpPr>
+          <p:nvPr/>
+        </p:nvCxnSpPr>
+        <p:spPr>
+          <a:xfrm flipV="1">
+            <a:off x="4394311" y="2012561"/>
+            <a:ext cx="0" cy="2038181"/>
+          </a:xfrm>
+          <a:prstGeom prst="straightConnector1">
+            <a:avLst/>
+          </a:prstGeom>
+          <a:ln w="57150">
+            <a:prstDash val="dash"/>
+            <a:tailEnd type="triangle"/>
+          </a:ln>
+        </p:spPr>
+        <p:style>
+          <a:lnRef idx="1">
+            <a:schemeClr val="accent1"/>
+          </a:lnRef>
+          <a:fillRef idx="0">
+            <a:schemeClr val="accent1"/>
+          </a:fillRef>
+          <a:effectRef idx="0">
+            <a:schemeClr val="accent1"/>
+          </a:effectRef>
+          <a:fontRef idx="minor">
+            <a:schemeClr val="tx1"/>
+          </a:fontRef>
+        </p:style>
+      </p:cxnSp>
+      <p:cxnSp>
+        <p:nvCxnSpPr>
+          <p:cNvPr id="21" name="Straight Arrow Connector 20"/>
+          <p:cNvCxnSpPr>
+            <a:stCxn id="9" idx="1"/>
+            <a:endCxn id="5" idx="3"/>
+          </p:cNvCxnSpPr>
+          <p:nvPr/>
+        </p:nvCxnSpPr>
+        <p:spPr>
+          <a:xfrm flipH="1">
+            <a:off x="2056090" y="1483760"/>
+            <a:ext cx="1382434" cy="0"/>
+          </a:xfrm>
+          <a:prstGeom prst="straightConnector1">
+            <a:avLst/>
+          </a:prstGeom>
+          <a:ln w="57150">
+            <a:prstDash val="dash"/>
+            <a:tailEnd type="triangle"/>
+          </a:ln>
+        </p:spPr>
+        <p:style>
+          <a:lnRef idx="1">
+            <a:schemeClr val="accent1"/>
+          </a:lnRef>
+          <a:fillRef idx="0">
+            <a:schemeClr val="accent1"/>
+          </a:fillRef>
+          <a:effectRef idx="0">
+            <a:schemeClr val="accent1"/>
+          </a:effectRef>
+          <a:fontRef idx="minor">
+            <a:schemeClr val="tx1"/>
+          </a:fontRef>
+        </p:style>
+      </p:cxnSp>
+      <p:cxnSp>
+        <p:nvCxnSpPr>
+          <p:cNvPr id="24" name="Straight Arrow Connector 23"/>
+          <p:cNvCxnSpPr>
+            <a:stCxn id="7" idx="0"/>
+            <a:endCxn id="5" idx="2"/>
+          </p:cNvCxnSpPr>
+          <p:nvPr/>
+        </p:nvCxnSpPr>
+        <p:spPr>
+          <a:xfrm flipV="1">
+            <a:off x="1099976" y="2012561"/>
+            <a:ext cx="327" cy="2038179"/>
+          </a:xfrm>
+          <a:prstGeom prst="straightConnector1">
+            <a:avLst/>
+          </a:prstGeom>
+          <a:ln w="57150">
+            <a:prstDash val="dash"/>
+            <a:tailEnd type="triangle"/>
+          </a:ln>
+        </p:spPr>
+        <p:style>
+          <a:lnRef idx="1">
+            <a:schemeClr val="accent1"/>
+          </a:lnRef>
+          <a:fillRef idx="0">
+            <a:schemeClr val="accent1"/>
+          </a:fillRef>
+          <a:effectRef idx="0">
+            <a:schemeClr val="accent1"/>
+          </a:effectRef>
+          <a:fontRef idx="minor">
+            <a:schemeClr val="tx1"/>
+          </a:fontRef>
+        </p:style>
+      </p:cxnSp>
+      <p:cxnSp>
+        <p:nvCxnSpPr>
+          <p:cNvPr id="70" name="Straight Arrow Connector 69"/>
+          <p:cNvCxnSpPr>
+            <a:stCxn id="10" idx="1"/>
+            <a:endCxn id="7" idx="3"/>
+          </p:cNvCxnSpPr>
+          <p:nvPr/>
+        </p:nvCxnSpPr>
+        <p:spPr>
+          <a:xfrm flipH="1" flipV="1">
+            <a:off x="2055435" y="4579542"/>
+            <a:ext cx="1383089" cy="2"/>
+          </a:xfrm>
+          <a:prstGeom prst="straightConnector1">
+            <a:avLst/>
+          </a:prstGeom>
+          <a:ln w="57150">
+            <a:prstDash val="dash"/>
+            <a:tailEnd type="triangle"/>
+          </a:ln>
+        </p:spPr>
+        <p:style>
+          <a:lnRef idx="1">
+            <a:schemeClr val="accent1"/>
+          </a:lnRef>
+          <a:fillRef idx="0">
+            <a:schemeClr val="accent1"/>
+          </a:fillRef>
+          <a:effectRef idx="0">
+            <a:schemeClr val="accent1"/>
+          </a:effectRef>
+          <a:fontRef idx="minor">
+            <a:schemeClr val="tx1"/>
+          </a:fontRef>
+        </p:style>
+      </p:cxnSp>
+      <p:cxnSp>
+        <p:nvCxnSpPr>
+          <p:cNvPr id="73" name="Straight Arrow Connector 72"/>
+          <p:cNvCxnSpPr>
+            <a:stCxn id="10" idx="3"/>
+            <a:endCxn id="8" idx="1"/>
+          </p:cNvCxnSpPr>
+          <p:nvPr/>
+        </p:nvCxnSpPr>
+        <p:spPr>
+          <a:xfrm flipV="1">
+            <a:off x="5350098" y="4579543"/>
+            <a:ext cx="1383090" cy="1"/>
+          </a:xfrm>
+          <a:prstGeom prst="straightConnector1">
+            <a:avLst/>
+          </a:prstGeom>
+          <a:ln w="57150">
+            <a:solidFill>
+              <a:srgbClr val="FF0000"/>
+            </a:solidFill>
+            <a:prstDash val="dash"/>
+            <a:tailEnd type="triangle"/>
+          </a:ln>
+        </p:spPr>
+        <p:style>
+          <a:lnRef idx="1">
+            <a:schemeClr val="accent1"/>
+          </a:lnRef>
+          <a:fillRef idx="0">
+            <a:schemeClr val="accent1"/>
+          </a:fillRef>
+          <a:effectRef idx="0">
+            <a:schemeClr val="accent1"/>
+          </a:effectRef>
+          <a:fontRef idx="minor">
+            <a:schemeClr val="tx1"/>
+          </a:fontRef>
+        </p:style>
+      </p:cxnSp>
+      <p:grpSp>
+        <p:nvGrpSpPr>
+          <p:cNvPr id="100" name="Group 99"/>
+          <p:cNvGrpSpPr/>
+          <p:nvPr/>
+        </p:nvGrpSpPr>
+        <p:grpSpPr>
+          <a:xfrm>
+            <a:off x="1070745" y="5115190"/>
+            <a:ext cx="6635309" cy="541909"/>
+            <a:chOff x="1070745" y="5115190"/>
+            <a:chExt cx="6635309" cy="541909"/>
+          </a:xfrm>
+        </p:grpSpPr>
+        <p:cxnSp>
+          <p:nvCxnSpPr>
+            <p:cNvPr id="76" name="Straight Arrow Connector 75"/>
+            <p:cNvCxnSpPr/>
+            <p:nvPr/>
+          </p:nvCxnSpPr>
+          <p:spPr>
+            <a:xfrm>
+              <a:off x="1070745" y="5621678"/>
+              <a:ext cx="6635308" cy="0"/>
+            </a:xfrm>
+            <a:prstGeom prst="straightConnector1">
+              <a:avLst/>
+            </a:prstGeom>
+            <a:ln w="57150">
+              <a:solidFill>
+                <a:srgbClr val="FF0000"/>
+              </a:solidFill>
+              <a:prstDash val="dash"/>
+              <a:headEnd type="none" w="med" len="med"/>
+              <a:tailEnd type="none" w="med" len="med"/>
+            </a:ln>
+          </p:spPr>
+          <p:style>
+            <a:lnRef idx="1">
+              <a:schemeClr val="accent1"/>
+            </a:lnRef>
+            <a:fillRef idx="0">
+              <a:schemeClr val="accent1"/>
+            </a:fillRef>
+            <a:effectRef idx="0">
+              <a:schemeClr val="accent1"/>
+            </a:effectRef>
+            <a:fontRef idx="minor">
+              <a:schemeClr val="tx1"/>
+            </a:fontRef>
+          </p:style>
+        </p:cxnSp>
+        <p:cxnSp>
+          <p:nvCxnSpPr>
+            <p:cNvPr id="79" name="Straight Arrow Connector 78"/>
+            <p:cNvCxnSpPr/>
+            <p:nvPr/>
+          </p:nvCxnSpPr>
+          <p:spPr>
+            <a:xfrm flipV="1">
+              <a:off x="1099976" y="5122447"/>
+              <a:ext cx="0" cy="513335"/>
+            </a:xfrm>
+            <a:prstGeom prst="straightConnector1">
+              <a:avLst/>
+            </a:prstGeom>
+            <a:ln w="57150">
+              <a:solidFill>
+                <a:srgbClr val="FF0000"/>
+              </a:solidFill>
+              <a:prstDash val="dash"/>
+              <a:tailEnd type="triangle"/>
+            </a:ln>
+          </p:spPr>
+          <p:style>
+            <a:lnRef idx="1">
+              <a:schemeClr val="accent1"/>
+            </a:lnRef>
+            <a:fillRef idx="0">
+              <a:schemeClr val="accent1"/>
+            </a:fillRef>
+            <a:effectRef idx="0">
+              <a:schemeClr val="accent1"/>
+            </a:effectRef>
+            <a:fontRef idx="minor">
+              <a:schemeClr val="tx1"/>
+            </a:fontRef>
+          </p:style>
+        </p:cxnSp>
+        <p:cxnSp>
+          <p:nvCxnSpPr>
+            <p:cNvPr id="84" name="Straight Arrow Connector 83"/>
+            <p:cNvCxnSpPr/>
+            <p:nvPr/>
+          </p:nvCxnSpPr>
+          <p:spPr>
+            <a:xfrm>
+              <a:off x="7706054" y="5115190"/>
+              <a:ext cx="0" cy="541909"/>
+            </a:xfrm>
+            <a:prstGeom prst="straightConnector1">
+              <a:avLst/>
+            </a:prstGeom>
+            <a:ln w="57150">
+              <a:solidFill>
+                <a:srgbClr val="FF0000"/>
+              </a:solidFill>
+              <a:prstDash val="dash"/>
+              <a:headEnd type="none" w="med" len="med"/>
+              <a:tailEnd type="none" w="med" len="med"/>
+            </a:ln>
+          </p:spPr>
+          <p:style>
+            <a:lnRef idx="1">
+              <a:schemeClr val="accent1"/>
+            </a:lnRef>
+            <a:fillRef idx="0">
+              <a:schemeClr val="accent1"/>
+            </a:fillRef>
+            <a:effectRef idx="0">
+              <a:schemeClr val="accent1"/>
+            </a:effectRef>
+            <a:fontRef idx="minor">
+              <a:schemeClr val="tx1"/>
+            </a:fontRef>
+          </p:style>
+        </p:cxnSp>
+      </p:grpSp>
+      <p:sp>
+        <p:nvSpPr>
+          <p:cNvPr id="92" name="TextBox 91"/>
+          <p:cNvSpPr txBox="1"/>
+          <p:nvPr/>
+        </p:nvSpPr>
+        <p:spPr>
+          <a:xfrm>
+            <a:off x="2055434" y="1042427"/>
+            <a:ext cx="1348933" cy="369332"/>
+          </a:xfrm>
+          <a:prstGeom prst="rect">
+            <a:avLst/>
+          </a:prstGeom>
+          <a:noFill/>
+        </p:spPr>
+        <p:txBody>
+          <a:bodyPr wrap="square" rtlCol="0">
+            <a:spAutoFit/>
+          </a:bodyPr>
+          <a:lstStyle/>
+          <a:p>
+            <a:pPr algn="ctr"/>
+            <a:r>
+              <a:rPr lang="hu-HU" b="1" dirty="0" smtClean="0">
+                <a:solidFill>
+                  <a:schemeClr val="bg2">
+                    <a:lumMod val="75000"/>
+                  </a:schemeClr>
+                </a:solidFill>
+              </a:rPr>
+              <a:t>&lt;&lt;</a:t>
+            </a:r>
+            <a:r>
+              <a:rPr lang="hu-HU" b="1" dirty="0" err="1" smtClean="0">
+                <a:solidFill>
+                  <a:schemeClr val="bg2">
+                    <a:lumMod val="75000"/>
+                  </a:schemeClr>
+                </a:solidFill>
+              </a:rPr>
+              <a:t>uses</a:t>
+            </a:r>
+            <a:r>
+              <a:rPr lang="hu-HU" b="1" dirty="0" smtClean="0">
+                <a:solidFill>
+                  <a:schemeClr val="bg2">
+                    <a:lumMod val="75000"/>
+                  </a:schemeClr>
+                </a:solidFill>
+              </a:rPr>
+              <a:t>&gt;&gt;</a:t>
+            </a:r>
+            <a:endParaRPr lang="hu-HU" b="1" dirty="0">
+              <a:solidFill>
+                <a:schemeClr val="bg2">
+                  <a:lumMod val="75000"/>
+                </a:schemeClr>
+              </a:solidFill>
+            </a:endParaRPr>
+          </a:p>
+        </p:txBody>
+      </p:sp>
+      <p:sp>
+        <p:nvSpPr>
+          <p:cNvPr id="94" name="TextBox 93"/>
+          <p:cNvSpPr txBox="1"/>
+          <p:nvPr/>
+        </p:nvSpPr>
+        <p:spPr>
+          <a:xfrm rot="5400000">
+            <a:off x="3660325" y="2846988"/>
+            <a:ext cx="2038178" cy="369332"/>
+          </a:xfrm>
+          <a:prstGeom prst="rect">
+            <a:avLst/>
+          </a:prstGeom>
+          <a:noFill/>
+        </p:spPr>
+        <p:txBody>
+          <a:bodyPr wrap="square" rtlCol="0">
+            <a:spAutoFit/>
+          </a:bodyPr>
+          <a:lstStyle/>
+          <a:p>
+            <a:pPr algn="ctr"/>
+            <a:r>
+              <a:rPr lang="hu-HU" b="1" dirty="0" smtClean="0">
+                <a:solidFill>
+                  <a:schemeClr val="bg2">
+                    <a:lumMod val="75000"/>
+                  </a:schemeClr>
+                </a:solidFill>
+              </a:rPr>
+              <a:t>&lt;&lt;</a:t>
+            </a:r>
+            <a:r>
+              <a:rPr lang="hu-HU" b="1" dirty="0" err="1" smtClean="0">
+                <a:solidFill>
+                  <a:schemeClr val="bg2">
+                    <a:lumMod val="75000"/>
+                  </a:schemeClr>
+                </a:solidFill>
+              </a:rPr>
+              <a:t>instance</a:t>
+            </a:r>
+            <a:r>
+              <a:rPr lang="hu-HU" b="1" dirty="0" smtClean="0">
+                <a:solidFill>
+                  <a:schemeClr val="bg2">
+                    <a:lumMod val="75000"/>
+                  </a:schemeClr>
+                </a:solidFill>
+              </a:rPr>
+              <a:t> of&gt;&gt;</a:t>
+            </a:r>
+            <a:endParaRPr lang="hu-HU" b="1" dirty="0">
+              <a:solidFill>
+                <a:schemeClr val="bg2">
+                  <a:lumMod val="75000"/>
+                </a:schemeClr>
+              </a:solidFill>
+            </a:endParaRPr>
+          </a:p>
+        </p:txBody>
+      </p:sp>
+      <p:sp>
+        <p:nvSpPr>
+          <p:cNvPr id="95" name="TextBox 94"/>
+          <p:cNvSpPr txBox="1"/>
+          <p:nvPr/>
+        </p:nvSpPr>
+        <p:spPr>
+          <a:xfrm rot="5400000">
+            <a:off x="6952537" y="2846987"/>
+            <a:ext cx="2038178" cy="369332"/>
+          </a:xfrm>
+          <a:prstGeom prst="rect">
+            <a:avLst/>
+          </a:prstGeom>
+          <a:noFill/>
+        </p:spPr>
+        <p:txBody>
+          <a:bodyPr wrap="square" rtlCol="0">
+            <a:spAutoFit/>
+          </a:bodyPr>
+          <a:lstStyle/>
+          <a:p>
+            <a:pPr algn="ctr"/>
+            <a:r>
+              <a:rPr lang="hu-HU" b="1" dirty="0" smtClean="0">
+                <a:solidFill>
+                  <a:schemeClr val="bg2">
+                    <a:lumMod val="75000"/>
+                  </a:schemeClr>
+                </a:solidFill>
+              </a:rPr>
+              <a:t>&lt;&lt;</a:t>
+            </a:r>
+            <a:r>
+              <a:rPr lang="hu-HU" b="1" dirty="0" err="1" smtClean="0">
+                <a:solidFill>
+                  <a:schemeClr val="bg2">
+                    <a:lumMod val="75000"/>
+                  </a:schemeClr>
+                </a:solidFill>
+              </a:rPr>
+              <a:t>instance</a:t>
+            </a:r>
+            <a:r>
+              <a:rPr lang="hu-HU" b="1" dirty="0" smtClean="0">
+                <a:solidFill>
+                  <a:schemeClr val="bg2">
+                    <a:lumMod val="75000"/>
+                  </a:schemeClr>
+                </a:solidFill>
+              </a:rPr>
+              <a:t> of&gt;&gt;</a:t>
+            </a:r>
+            <a:endParaRPr lang="hu-HU" b="1" dirty="0">
+              <a:solidFill>
+                <a:schemeClr val="bg2">
+                  <a:lumMod val="75000"/>
+                </a:schemeClr>
+              </a:solidFill>
+            </a:endParaRPr>
+          </a:p>
+        </p:txBody>
+      </p:sp>
+      <p:sp>
+        <p:nvSpPr>
+          <p:cNvPr id="96" name="TextBox 95"/>
+          <p:cNvSpPr txBox="1"/>
+          <p:nvPr/>
+        </p:nvSpPr>
+        <p:spPr>
+          <a:xfrm rot="5400000">
+            <a:off x="355311" y="2846985"/>
+            <a:ext cx="2038179" cy="369332"/>
+          </a:xfrm>
+          <a:prstGeom prst="rect">
+            <a:avLst/>
+          </a:prstGeom>
+          <a:noFill/>
+        </p:spPr>
+        <p:txBody>
+          <a:bodyPr wrap="square" rtlCol="0">
+            <a:spAutoFit/>
+          </a:bodyPr>
+          <a:lstStyle/>
+          <a:p>
+            <a:pPr algn="ctr"/>
+            <a:r>
+              <a:rPr lang="hu-HU" b="1" dirty="0" smtClean="0">
+                <a:solidFill>
+                  <a:schemeClr val="bg2">
+                    <a:lumMod val="75000"/>
+                  </a:schemeClr>
+                </a:solidFill>
+              </a:rPr>
+              <a:t>&lt;&lt;</a:t>
+            </a:r>
+            <a:r>
+              <a:rPr lang="hu-HU" b="1" dirty="0" err="1" smtClean="0">
+                <a:solidFill>
+                  <a:schemeClr val="bg2">
+                    <a:lumMod val="75000"/>
+                  </a:schemeClr>
+                </a:solidFill>
+              </a:rPr>
+              <a:t>instance</a:t>
+            </a:r>
+            <a:r>
+              <a:rPr lang="hu-HU" b="1" dirty="0" smtClean="0">
+                <a:solidFill>
+                  <a:schemeClr val="bg2">
+                    <a:lumMod val="75000"/>
+                  </a:schemeClr>
+                </a:solidFill>
+              </a:rPr>
+              <a:t> of&gt;&gt;</a:t>
+            </a:r>
+            <a:endParaRPr lang="hu-HU" b="1" dirty="0">
+              <a:solidFill>
+                <a:schemeClr val="bg2">
+                  <a:lumMod val="75000"/>
+                </a:schemeClr>
+              </a:solidFill>
+            </a:endParaRPr>
+          </a:p>
+        </p:txBody>
+      </p:sp>
+      <p:sp>
+        <p:nvSpPr>
+          <p:cNvPr id="97" name="TextBox 96"/>
+          <p:cNvSpPr txBox="1"/>
+          <p:nvPr/>
+        </p:nvSpPr>
+        <p:spPr>
+          <a:xfrm>
+            <a:off x="5315285" y="997312"/>
+            <a:ext cx="1348933" cy="369332"/>
+          </a:xfrm>
+          <a:prstGeom prst="rect">
+            <a:avLst/>
+          </a:prstGeom>
+          <a:noFill/>
+        </p:spPr>
+        <p:txBody>
+          <a:bodyPr wrap="square" rtlCol="0">
+            <a:spAutoFit/>
+          </a:bodyPr>
+          <a:lstStyle/>
+          <a:p>
+            <a:pPr algn="ctr"/>
+            <a:r>
+              <a:rPr lang="hu-HU" b="1" dirty="0" smtClean="0">
+                <a:solidFill>
+                  <a:schemeClr val="bg2">
+                    <a:lumMod val="75000"/>
+                  </a:schemeClr>
+                </a:solidFill>
+              </a:rPr>
+              <a:t>&lt;&lt;</a:t>
+            </a:r>
+            <a:r>
+              <a:rPr lang="hu-HU" b="1" dirty="0" err="1" smtClean="0">
+                <a:solidFill>
+                  <a:schemeClr val="bg2">
+                    <a:lumMod val="75000"/>
+                  </a:schemeClr>
+                </a:solidFill>
+              </a:rPr>
+              <a:t>uses</a:t>
+            </a:r>
+            <a:r>
+              <a:rPr lang="hu-HU" b="1" dirty="0" smtClean="0">
+                <a:solidFill>
+                  <a:schemeClr val="bg2">
+                    <a:lumMod val="75000"/>
+                  </a:schemeClr>
+                </a:solidFill>
+              </a:rPr>
+              <a:t>&gt;&gt;</a:t>
+            </a:r>
+            <a:endParaRPr lang="hu-HU" b="1" dirty="0">
+              <a:solidFill>
+                <a:schemeClr val="bg2">
+                  <a:lumMod val="75000"/>
+                </a:schemeClr>
+              </a:solidFill>
+            </a:endParaRPr>
+          </a:p>
+        </p:txBody>
+      </p:sp>
+      <p:sp>
+        <p:nvSpPr>
+          <p:cNvPr id="98" name="TextBox 97"/>
+          <p:cNvSpPr txBox="1"/>
+          <p:nvPr/>
+        </p:nvSpPr>
+        <p:spPr>
+          <a:xfrm>
+            <a:off x="2055434" y="4099961"/>
+            <a:ext cx="1348933" cy="369332"/>
+          </a:xfrm>
+          <a:prstGeom prst="rect">
+            <a:avLst/>
+          </a:prstGeom>
+          <a:noFill/>
+        </p:spPr>
+        <p:txBody>
+          <a:bodyPr wrap="square" rtlCol="0">
+            <a:spAutoFit/>
+          </a:bodyPr>
+          <a:lstStyle/>
+          <a:p>
+            <a:pPr algn="ctr"/>
+            <a:r>
+              <a:rPr lang="hu-HU" b="1" dirty="0" smtClean="0">
+                <a:solidFill>
+                  <a:schemeClr val="bg2">
+                    <a:lumMod val="75000"/>
+                  </a:schemeClr>
+                </a:solidFill>
+              </a:rPr>
+              <a:t>&lt;&lt;</a:t>
+            </a:r>
+            <a:r>
+              <a:rPr lang="hu-HU" b="1" dirty="0" err="1" smtClean="0">
+                <a:solidFill>
+                  <a:schemeClr val="bg2">
+                    <a:lumMod val="75000"/>
+                  </a:schemeClr>
+                </a:solidFill>
+              </a:rPr>
+              <a:t>uses</a:t>
+            </a:r>
+            <a:r>
+              <a:rPr lang="hu-HU" b="1" dirty="0" smtClean="0">
+                <a:solidFill>
+                  <a:schemeClr val="bg2">
+                    <a:lumMod val="75000"/>
+                  </a:schemeClr>
+                </a:solidFill>
+              </a:rPr>
+              <a:t>&gt;&gt;</a:t>
+            </a:r>
+            <a:endParaRPr lang="hu-HU" b="1" dirty="0">
+              <a:solidFill>
+                <a:schemeClr val="bg2">
+                  <a:lumMod val="75000"/>
+                </a:schemeClr>
+              </a:solidFill>
+            </a:endParaRPr>
+          </a:p>
+        </p:txBody>
+      </p:sp>
+      <p:sp>
+        <p:nvSpPr>
+          <p:cNvPr id="99" name="TextBox 98"/>
+          <p:cNvSpPr txBox="1"/>
+          <p:nvPr/>
+        </p:nvSpPr>
+        <p:spPr>
+          <a:xfrm>
+            <a:off x="5273475" y="4130476"/>
+            <a:ext cx="1577268" cy="369332"/>
+          </a:xfrm>
+          <a:prstGeom prst="rect">
+            <a:avLst/>
+          </a:prstGeom>
+          <a:noFill/>
+        </p:spPr>
+        <p:txBody>
+          <a:bodyPr wrap="square" rtlCol="0">
+            <a:spAutoFit/>
+          </a:bodyPr>
+          <a:lstStyle/>
+          <a:p>
+            <a:pPr algn="ctr"/>
+            <a:r>
+              <a:rPr lang="hu-HU" b="1" dirty="0" smtClean="0">
+                <a:solidFill>
+                  <a:srgbClr val="FF0000"/>
+                </a:solidFill>
+              </a:rPr>
+              <a:t>&lt;&lt;</a:t>
+            </a:r>
+            <a:r>
+              <a:rPr lang="hu-HU" b="1" dirty="0" err="1" smtClean="0">
+                <a:solidFill>
+                  <a:srgbClr val="FF0000"/>
+                </a:solidFill>
+              </a:rPr>
+              <a:t>generate</a:t>
+            </a:r>
+            <a:r>
+              <a:rPr lang="hu-HU" b="1" dirty="0" smtClean="0">
+                <a:solidFill>
+                  <a:srgbClr val="FF0000"/>
+                </a:solidFill>
+              </a:rPr>
+              <a:t>&gt;&gt;</a:t>
+            </a:r>
+            <a:endParaRPr lang="hu-HU" b="1" dirty="0">
+              <a:solidFill>
+                <a:srgbClr val="FF0000"/>
+              </a:solidFill>
+            </a:endParaRPr>
+          </a:p>
+        </p:txBody>
+      </p:sp>
+      <p:sp>
+        <p:nvSpPr>
+          <p:cNvPr id="101" name="TextBox 100"/>
+          <p:cNvSpPr txBox="1"/>
+          <p:nvPr/>
+        </p:nvSpPr>
+        <p:spPr>
+          <a:xfrm>
+            <a:off x="1099976" y="5635612"/>
+            <a:ext cx="6606077" cy="369332"/>
+          </a:xfrm>
+          <a:prstGeom prst="rect">
+            <a:avLst/>
+          </a:prstGeom>
+          <a:noFill/>
+        </p:spPr>
+        <p:txBody>
+          <a:bodyPr wrap="square" rtlCol="0">
+            <a:spAutoFit/>
+          </a:bodyPr>
+          <a:lstStyle/>
+          <a:p>
+            <a:pPr algn="ctr"/>
+            <a:r>
+              <a:rPr lang="hu-HU" b="1" dirty="0" smtClean="0">
+                <a:solidFill>
+                  <a:srgbClr val="FF0000"/>
+                </a:solidFill>
+              </a:rPr>
+              <a:t>&lt;&lt;</a:t>
+            </a:r>
+            <a:r>
+              <a:rPr lang="hu-HU" b="1" dirty="0" err="1" smtClean="0">
+                <a:solidFill>
+                  <a:srgbClr val="FF0000"/>
+                </a:solidFill>
+              </a:rPr>
+              <a:t>extends</a:t>
+            </a:r>
+            <a:r>
+              <a:rPr lang="hu-HU" b="1" dirty="0" smtClean="0">
+                <a:solidFill>
+                  <a:srgbClr val="FF0000"/>
+                </a:solidFill>
+              </a:rPr>
+              <a:t>&gt;&gt;</a:t>
+            </a:r>
+            <a:endParaRPr lang="hu-HU" b="1" dirty="0">
+              <a:solidFill>
+                <a:srgbClr val="FF0000"/>
+              </a:solidFill>
+            </a:endParaRPr>
+          </a:p>
+        </p:txBody>
+      </p:sp>
     </p:spTree>
     <p:extLst>
       <p:ext uri="{BB962C8B-B14F-4D97-AF65-F5344CB8AC3E}">
@@ -7016,20 +8378,764 @@
   <p:clrMapOvr>
     <a:masterClrMapping/>
   </p:clrMapOvr>
-  <mc:AlternateContent xmlns:mc="http://schemas.openxmlformats.org/markup-compatibility/2006">
-    <mc:Choice xmlns:p14="http://schemas.microsoft.com/office/powerpoint/2010/main" Requires="p14">
+  <mc:AlternateContent xmlns:mc="http://schemas.openxmlformats.org/markup-compatibility/2006" xmlns:p14="http://schemas.microsoft.com/office/powerpoint/2010/main">
+    <mc:Choice Requires="p14">
       <p:transition p14:dur="0" advClick="0"/>
     </mc:Choice>
-    <mc:Fallback>
+    <mc:Fallback xmlns="">
       <p:transition advClick="0"/>
     </mc:Fallback>
   </mc:AlternateContent>
   <p:timing>
     <p:tnLst>
       <p:par>
-        <p:cTn id="1" dur="indefinite" restart="never" nodeType="tmRoot"/>
+        <p:cTn id="1" dur="indefinite" restart="never" nodeType="tmRoot">
+          <p:childTnLst>
+            <p:seq concurrent="1" nextAc="seek">
+              <p:cTn id="2" dur="indefinite" nodeType="mainSeq">
+                <p:childTnLst>
+                  <p:par>
+                    <p:cTn id="3" fill="hold">
+                      <p:stCondLst>
+                        <p:cond delay="indefinite"/>
+                        <p:cond evt="onBegin" delay="0">
+                          <p:tn val="2"/>
+                        </p:cond>
+                      </p:stCondLst>
+                      <p:childTnLst>
+                        <p:par>
+                          <p:cTn id="4" fill="hold">
+                            <p:stCondLst>
+                              <p:cond delay="0"/>
+                            </p:stCondLst>
+                            <p:childTnLst>
+                              <p:par>
+                                <p:cTn id="5" presetID="1" presetClass="entr" presetSubtype="0" fill="hold" grpId="0" nodeType="withEffect">
+                                  <p:stCondLst>
+                                    <p:cond delay="0"/>
+                                  </p:stCondLst>
+                                  <p:childTnLst>
+                                    <p:set>
+                                      <p:cBhvr>
+                                        <p:cTn id="6" dur="1" fill="hold">
+                                          <p:stCondLst>
+                                            <p:cond delay="0"/>
+                                          </p:stCondLst>
+                                        </p:cTn>
+                                        <p:tgtEl>
+                                          <p:spTgt spid="9"/>
+                                        </p:tgtEl>
+                                        <p:attrNameLst>
+                                          <p:attrName>style.visibility</p:attrName>
+                                        </p:attrNameLst>
+                                      </p:cBhvr>
+                                      <p:to>
+                                        <p:strVal val="visible"/>
+                                      </p:to>
+                                    </p:set>
+                                  </p:childTnLst>
+                                </p:cTn>
+                              </p:par>
+                            </p:childTnLst>
+                          </p:cTn>
+                        </p:par>
+                      </p:childTnLst>
+                    </p:cTn>
+                  </p:par>
+                  <p:par>
+                    <p:cTn id="7" fill="hold">
+                      <p:stCondLst>
+                        <p:cond delay="indefinite"/>
+                      </p:stCondLst>
+                      <p:childTnLst>
+                        <p:par>
+                          <p:cTn id="8" fill="hold">
+                            <p:stCondLst>
+                              <p:cond delay="0"/>
+                            </p:stCondLst>
+                            <p:childTnLst>
+                              <p:par>
+                                <p:cTn id="9" presetID="1" presetClass="entr" presetSubtype="0" fill="hold" grpId="0" nodeType="clickEffect">
+                                  <p:stCondLst>
+                                    <p:cond delay="0"/>
+                                  </p:stCondLst>
+                                  <p:childTnLst>
+                                    <p:set>
+                                      <p:cBhvr>
+                                        <p:cTn id="10" dur="1" fill="hold">
+                                          <p:stCondLst>
+                                            <p:cond delay="0"/>
+                                          </p:stCondLst>
+                                        </p:cTn>
+                                        <p:tgtEl>
+                                          <p:spTgt spid="92"/>
+                                        </p:tgtEl>
+                                        <p:attrNameLst>
+                                          <p:attrName>style.visibility</p:attrName>
+                                        </p:attrNameLst>
+                                      </p:cBhvr>
+                                      <p:to>
+                                        <p:strVal val="visible"/>
+                                      </p:to>
+                                    </p:set>
+                                  </p:childTnLst>
+                                </p:cTn>
+                              </p:par>
+                              <p:par>
+                                <p:cTn id="11" presetID="1" presetClass="entr" presetSubtype="0" fill="hold" nodeType="withEffect">
+                                  <p:stCondLst>
+                                    <p:cond delay="0"/>
+                                  </p:stCondLst>
+                                  <p:childTnLst>
+                                    <p:set>
+                                      <p:cBhvr>
+                                        <p:cTn id="12" dur="1" fill="hold">
+                                          <p:stCondLst>
+                                            <p:cond delay="0"/>
+                                          </p:stCondLst>
+                                        </p:cTn>
+                                        <p:tgtEl>
+                                          <p:spTgt spid="21"/>
+                                        </p:tgtEl>
+                                        <p:attrNameLst>
+                                          <p:attrName>style.visibility</p:attrName>
+                                        </p:attrNameLst>
+                                      </p:cBhvr>
+                                      <p:to>
+                                        <p:strVal val="visible"/>
+                                      </p:to>
+                                    </p:set>
+                                  </p:childTnLst>
+                                </p:cTn>
+                              </p:par>
+                              <p:par>
+                                <p:cTn id="13" presetID="1" presetClass="entr" presetSubtype="0" fill="hold" grpId="0" nodeType="withEffect">
+                                  <p:stCondLst>
+                                    <p:cond delay="0"/>
+                                  </p:stCondLst>
+                                  <p:childTnLst>
+                                    <p:set>
+                                      <p:cBhvr>
+                                        <p:cTn id="14" dur="1" fill="hold">
+                                          <p:stCondLst>
+                                            <p:cond delay="0"/>
+                                          </p:stCondLst>
+                                        </p:cTn>
+                                        <p:tgtEl>
+                                          <p:spTgt spid="5"/>
+                                        </p:tgtEl>
+                                        <p:attrNameLst>
+                                          <p:attrName>style.visibility</p:attrName>
+                                        </p:attrNameLst>
+                                      </p:cBhvr>
+                                      <p:to>
+                                        <p:strVal val="visible"/>
+                                      </p:to>
+                                    </p:set>
+                                  </p:childTnLst>
+                                </p:cTn>
+                              </p:par>
+                              <p:par>
+                                <p:cTn id="15" presetID="1" presetClass="entr" presetSubtype="0" fill="hold" nodeType="withEffect">
+                                  <p:stCondLst>
+                                    <p:cond delay="0"/>
+                                  </p:stCondLst>
+                                  <p:childTnLst>
+                                    <p:set>
+                                      <p:cBhvr>
+                                        <p:cTn id="16" dur="1" fill="hold">
+                                          <p:stCondLst>
+                                            <p:cond delay="0"/>
+                                          </p:stCondLst>
+                                        </p:cTn>
+                                        <p:tgtEl>
+                                          <p:spTgt spid="17"/>
+                                        </p:tgtEl>
+                                        <p:attrNameLst>
+                                          <p:attrName>style.visibility</p:attrName>
+                                        </p:attrNameLst>
+                                      </p:cBhvr>
+                                      <p:to>
+                                        <p:strVal val="visible"/>
+                                      </p:to>
+                                    </p:set>
+                                  </p:childTnLst>
+                                </p:cTn>
+                              </p:par>
+                              <p:par>
+                                <p:cTn id="17" presetID="1" presetClass="entr" presetSubtype="0" fill="hold" grpId="0" nodeType="withEffect">
+                                  <p:stCondLst>
+                                    <p:cond delay="0"/>
+                                  </p:stCondLst>
+                                  <p:childTnLst>
+                                    <p:set>
+                                      <p:cBhvr>
+                                        <p:cTn id="18" dur="1" fill="hold">
+                                          <p:stCondLst>
+                                            <p:cond delay="0"/>
+                                          </p:stCondLst>
+                                        </p:cTn>
+                                        <p:tgtEl>
+                                          <p:spTgt spid="97"/>
+                                        </p:tgtEl>
+                                        <p:attrNameLst>
+                                          <p:attrName>style.visibility</p:attrName>
+                                        </p:attrNameLst>
+                                      </p:cBhvr>
+                                      <p:to>
+                                        <p:strVal val="visible"/>
+                                      </p:to>
+                                    </p:set>
+                                  </p:childTnLst>
+                                </p:cTn>
+                              </p:par>
+                              <p:par>
+                                <p:cTn id="19" presetID="1" presetClass="entr" presetSubtype="0" fill="hold" grpId="0" nodeType="withEffect">
+                                  <p:stCondLst>
+                                    <p:cond delay="0"/>
+                                  </p:stCondLst>
+                                  <p:childTnLst>
+                                    <p:set>
+                                      <p:cBhvr>
+                                        <p:cTn id="20" dur="1" fill="hold">
+                                          <p:stCondLst>
+                                            <p:cond delay="0"/>
+                                          </p:stCondLst>
+                                        </p:cTn>
+                                        <p:tgtEl>
+                                          <p:spTgt spid="6"/>
+                                        </p:tgtEl>
+                                        <p:attrNameLst>
+                                          <p:attrName>style.visibility</p:attrName>
+                                        </p:attrNameLst>
+                                      </p:cBhvr>
+                                      <p:to>
+                                        <p:strVal val="visible"/>
+                                      </p:to>
+                                    </p:set>
+                                  </p:childTnLst>
+                                </p:cTn>
+                              </p:par>
+                            </p:childTnLst>
+                          </p:cTn>
+                        </p:par>
+                      </p:childTnLst>
+                    </p:cTn>
+                  </p:par>
+                  <p:par>
+                    <p:cTn id="21" fill="hold">
+                      <p:stCondLst>
+                        <p:cond delay="indefinite"/>
+                      </p:stCondLst>
+                      <p:childTnLst>
+                        <p:par>
+                          <p:cTn id="22" fill="hold">
+                            <p:stCondLst>
+                              <p:cond delay="0"/>
+                            </p:stCondLst>
+                            <p:childTnLst>
+                              <p:par>
+                                <p:cTn id="23" presetID="1" presetClass="entr" presetSubtype="0" fill="hold" grpId="0" nodeType="clickEffect">
+                                  <p:stCondLst>
+                                    <p:cond delay="0"/>
+                                  </p:stCondLst>
+                                  <p:childTnLst>
+                                    <p:set>
+                                      <p:cBhvr>
+                                        <p:cTn id="24" dur="1" fill="hold">
+                                          <p:stCondLst>
+                                            <p:cond delay="0"/>
+                                          </p:stCondLst>
+                                        </p:cTn>
+                                        <p:tgtEl>
+                                          <p:spTgt spid="10"/>
+                                        </p:tgtEl>
+                                        <p:attrNameLst>
+                                          <p:attrName>style.visibility</p:attrName>
+                                        </p:attrNameLst>
+                                      </p:cBhvr>
+                                      <p:to>
+                                        <p:strVal val="visible"/>
+                                      </p:to>
+                                    </p:set>
+                                  </p:childTnLst>
+                                </p:cTn>
+                              </p:par>
+                              <p:par>
+                                <p:cTn id="25" presetID="1" presetClass="entr" presetSubtype="0" fill="hold" nodeType="withEffect">
+                                  <p:stCondLst>
+                                    <p:cond delay="0"/>
+                                  </p:stCondLst>
+                                  <p:childTnLst>
+                                    <p:set>
+                                      <p:cBhvr>
+                                        <p:cTn id="26" dur="1" fill="hold">
+                                          <p:stCondLst>
+                                            <p:cond delay="0"/>
+                                          </p:stCondLst>
+                                        </p:cTn>
+                                        <p:tgtEl>
+                                          <p:spTgt spid="18"/>
+                                        </p:tgtEl>
+                                        <p:attrNameLst>
+                                          <p:attrName>style.visibility</p:attrName>
+                                        </p:attrNameLst>
+                                      </p:cBhvr>
+                                      <p:to>
+                                        <p:strVal val="visible"/>
+                                      </p:to>
+                                    </p:set>
+                                  </p:childTnLst>
+                                </p:cTn>
+                              </p:par>
+                              <p:par>
+                                <p:cTn id="27" presetID="1" presetClass="entr" presetSubtype="0" fill="hold" grpId="0" nodeType="withEffect">
+                                  <p:stCondLst>
+                                    <p:cond delay="0"/>
+                                  </p:stCondLst>
+                                  <p:childTnLst>
+                                    <p:set>
+                                      <p:cBhvr>
+                                        <p:cTn id="28" dur="1" fill="hold">
+                                          <p:stCondLst>
+                                            <p:cond delay="0"/>
+                                          </p:stCondLst>
+                                        </p:cTn>
+                                        <p:tgtEl>
+                                          <p:spTgt spid="94"/>
+                                        </p:tgtEl>
+                                        <p:attrNameLst>
+                                          <p:attrName>style.visibility</p:attrName>
+                                        </p:attrNameLst>
+                                      </p:cBhvr>
+                                      <p:to>
+                                        <p:strVal val="visible"/>
+                                      </p:to>
+                                    </p:set>
+                                  </p:childTnLst>
+                                </p:cTn>
+                              </p:par>
+                            </p:childTnLst>
+                          </p:cTn>
+                        </p:par>
+                      </p:childTnLst>
+                    </p:cTn>
+                  </p:par>
+                  <p:par>
+                    <p:cTn id="29" fill="hold">
+                      <p:stCondLst>
+                        <p:cond delay="indefinite"/>
+                      </p:stCondLst>
+                      <p:childTnLst>
+                        <p:par>
+                          <p:cTn id="30" fill="hold">
+                            <p:stCondLst>
+                              <p:cond delay="0"/>
+                            </p:stCondLst>
+                            <p:childTnLst>
+                              <p:par>
+                                <p:cTn id="31" presetID="1" presetClass="entr" presetSubtype="0" fill="hold" nodeType="clickEffect">
+                                  <p:stCondLst>
+                                    <p:cond delay="0"/>
+                                  </p:stCondLst>
+                                  <p:childTnLst>
+                                    <p:set>
+                                      <p:cBhvr>
+                                        <p:cTn id="32" dur="1" fill="hold">
+                                          <p:stCondLst>
+                                            <p:cond delay="0"/>
+                                          </p:stCondLst>
+                                        </p:cTn>
+                                        <p:tgtEl>
+                                          <p:spTgt spid="70"/>
+                                        </p:tgtEl>
+                                        <p:attrNameLst>
+                                          <p:attrName>style.visibility</p:attrName>
+                                        </p:attrNameLst>
+                                      </p:cBhvr>
+                                      <p:to>
+                                        <p:strVal val="visible"/>
+                                      </p:to>
+                                    </p:set>
+                                  </p:childTnLst>
+                                </p:cTn>
+                              </p:par>
+                              <p:par>
+                                <p:cTn id="33" presetID="1" presetClass="entr" presetSubtype="0" fill="hold" grpId="0" nodeType="withEffect">
+                                  <p:stCondLst>
+                                    <p:cond delay="0"/>
+                                  </p:stCondLst>
+                                  <p:childTnLst>
+                                    <p:set>
+                                      <p:cBhvr>
+                                        <p:cTn id="34" dur="1" fill="hold">
+                                          <p:stCondLst>
+                                            <p:cond delay="0"/>
+                                          </p:stCondLst>
+                                        </p:cTn>
+                                        <p:tgtEl>
+                                          <p:spTgt spid="98"/>
+                                        </p:tgtEl>
+                                        <p:attrNameLst>
+                                          <p:attrName>style.visibility</p:attrName>
+                                        </p:attrNameLst>
+                                      </p:cBhvr>
+                                      <p:to>
+                                        <p:strVal val="visible"/>
+                                      </p:to>
+                                    </p:set>
+                                  </p:childTnLst>
+                                </p:cTn>
+                              </p:par>
+                              <p:par>
+                                <p:cTn id="35" presetID="1" presetClass="entr" presetSubtype="0" fill="hold" grpId="0" nodeType="withEffect">
+                                  <p:stCondLst>
+                                    <p:cond delay="0"/>
+                                  </p:stCondLst>
+                                  <p:childTnLst>
+                                    <p:set>
+                                      <p:cBhvr>
+                                        <p:cTn id="36" dur="1" fill="hold">
+                                          <p:stCondLst>
+                                            <p:cond delay="0"/>
+                                          </p:stCondLst>
+                                        </p:cTn>
+                                        <p:tgtEl>
+                                          <p:spTgt spid="7"/>
+                                        </p:tgtEl>
+                                        <p:attrNameLst>
+                                          <p:attrName>style.visibility</p:attrName>
+                                        </p:attrNameLst>
+                                      </p:cBhvr>
+                                      <p:to>
+                                        <p:strVal val="visible"/>
+                                      </p:to>
+                                    </p:set>
+                                  </p:childTnLst>
+                                </p:cTn>
+                              </p:par>
+                              <p:par>
+                                <p:cTn id="37" presetID="1" presetClass="entr" presetSubtype="0" fill="hold" grpId="0" nodeType="withEffect">
+                                  <p:stCondLst>
+                                    <p:cond delay="0"/>
+                                  </p:stCondLst>
+                                  <p:childTnLst>
+                                    <p:set>
+                                      <p:cBhvr>
+                                        <p:cTn id="38" dur="1" fill="hold">
+                                          <p:stCondLst>
+                                            <p:cond delay="0"/>
+                                          </p:stCondLst>
+                                        </p:cTn>
+                                        <p:tgtEl>
+                                          <p:spTgt spid="96"/>
+                                        </p:tgtEl>
+                                        <p:attrNameLst>
+                                          <p:attrName>style.visibility</p:attrName>
+                                        </p:attrNameLst>
+                                      </p:cBhvr>
+                                      <p:to>
+                                        <p:strVal val="visible"/>
+                                      </p:to>
+                                    </p:set>
+                                  </p:childTnLst>
+                                </p:cTn>
+                              </p:par>
+                              <p:par>
+                                <p:cTn id="39" presetID="1" presetClass="entr" presetSubtype="0" fill="hold" nodeType="withEffect">
+                                  <p:stCondLst>
+                                    <p:cond delay="0"/>
+                                  </p:stCondLst>
+                                  <p:childTnLst>
+                                    <p:set>
+                                      <p:cBhvr>
+                                        <p:cTn id="40" dur="1" fill="hold">
+                                          <p:stCondLst>
+                                            <p:cond delay="0"/>
+                                          </p:stCondLst>
+                                        </p:cTn>
+                                        <p:tgtEl>
+                                          <p:spTgt spid="24"/>
+                                        </p:tgtEl>
+                                        <p:attrNameLst>
+                                          <p:attrName>style.visibility</p:attrName>
+                                        </p:attrNameLst>
+                                      </p:cBhvr>
+                                      <p:to>
+                                        <p:strVal val="visible"/>
+                                      </p:to>
+                                    </p:set>
+                                  </p:childTnLst>
+                                </p:cTn>
+                              </p:par>
+                            </p:childTnLst>
+                          </p:cTn>
+                        </p:par>
+                      </p:childTnLst>
+                    </p:cTn>
+                  </p:par>
+                  <p:par>
+                    <p:cTn id="41" fill="hold">
+                      <p:stCondLst>
+                        <p:cond delay="indefinite"/>
+                      </p:stCondLst>
+                      <p:childTnLst>
+                        <p:par>
+                          <p:cTn id="42" fill="hold">
+                            <p:stCondLst>
+                              <p:cond delay="0"/>
+                            </p:stCondLst>
+                            <p:childTnLst>
+                              <p:par>
+                                <p:cTn id="43" presetID="1" presetClass="entr" presetSubtype="0" fill="hold" nodeType="clickEffect">
+                                  <p:stCondLst>
+                                    <p:cond delay="0"/>
+                                  </p:stCondLst>
+                                  <p:childTnLst>
+                                    <p:set>
+                                      <p:cBhvr>
+                                        <p:cTn id="44" dur="1" fill="hold">
+                                          <p:stCondLst>
+                                            <p:cond delay="0"/>
+                                          </p:stCondLst>
+                                        </p:cTn>
+                                        <p:tgtEl>
+                                          <p:spTgt spid="73"/>
+                                        </p:tgtEl>
+                                        <p:attrNameLst>
+                                          <p:attrName>style.visibility</p:attrName>
+                                        </p:attrNameLst>
+                                      </p:cBhvr>
+                                      <p:to>
+                                        <p:strVal val="visible"/>
+                                      </p:to>
+                                    </p:set>
+                                  </p:childTnLst>
+                                </p:cTn>
+                              </p:par>
+                              <p:par>
+                                <p:cTn id="45" presetID="1" presetClass="entr" presetSubtype="0" fill="hold" grpId="0" nodeType="withEffect">
+                                  <p:stCondLst>
+                                    <p:cond delay="0"/>
+                                  </p:stCondLst>
+                                  <p:childTnLst>
+                                    <p:set>
+                                      <p:cBhvr>
+                                        <p:cTn id="46" dur="1" fill="hold">
+                                          <p:stCondLst>
+                                            <p:cond delay="0"/>
+                                          </p:stCondLst>
+                                        </p:cTn>
+                                        <p:tgtEl>
+                                          <p:spTgt spid="99"/>
+                                        </p:tgtEl>
+                                        <p:attrNameLst>
+                                          <p:attrName>style.visibility</p:attrName>
+                                        </p:attrNameLst>
+                                      </p:cBhvr>
+                                      <p:to>
+                                        <p:strVal val="visible"/>
+                                      </p:to>
+                                    </p:set>
+                                  </p:childTnLst>
+                                </p:cTn>
+                              </p:par>
+                              <p:par>
+                                <p:cTn id="47" presetID="1" presetClass="entr" presetSubtype="0" fill="hold" grpId="0" nodeType="withEffect">
+                                  <p:stCondLst>
+                                    <p:cond delay="0"/>
+                                  </p:stCondLst>
+                                  <p:childTnLst>
+                                    <p:set>
+                                      <p:cBhvr>
+                                        <p:cTn id="48" dur="1" fill="hold">
+                                          <p:stCondLst>
+                                            <p:cond delay="0"/>
+                                          </p:stCondLst>
+                                        </p:cTn>
+                                        <p:tgtEl>
+                                          <p:spTgt spid="8"/>
+                                        </p:tgtEl>
+                                        <p:attrNameLst>
+                                          <p:attrName>style.visibility</p:attrName>
+                                        </p:attrNameLst>
+                                      </p:cBhvr>
+                                      <p:to>
+                                        <p:strVal val="visible"/>
+                                      </p:to>
+                                    </p:set>
+                                  </p:childTnLst>
+                                </p:cTn>
+                              </p:par>
+                              <p:par>
+                                <p:cTn id="49" presetID="1" presetClass="entr" presetSubtype="0" fill="hold" nodeType="withEffect">
+                                  <p:stCondLst>
+                                    <p:cond delay="0"/>
+                                  </p:stCondLst>
+                                  <p:childTnLst>
+                                    <p:set>
+                                      <p:cBhvr>
+                                        <p:cTn id="50" dur="1" fill="hold">
+                                          <p:stCondLst>
+                                            <p:cond delay="0"/>
+                                          </p:stCondLst>
+                                        </p:cTn>
+                                        <p:tgtEl>
+                                          <p:spTgt spid="12"/>
+                                        </p:tgtEl>
+                                        <p:attrNameLst>
+                                          <p:attrName>style.visibility</p:attrName>
+                                        </p:attrNameLst>
+                                      </p:cBhvr>
+                                      <p:to>
+                                        <p:strVal val="visible"/>
+                                      </p:to>
+                                    </p:set>
+                                  </p:childTnLst>
+                                </p:cTn>
+                              </p:par>
+                              <p:par>
+                                <p:cTn id="51" presetID="1" presetClass="entr" presetSubtype="0" fill="hold" grpId="0" nodeType="withEffect">
+                                  <p:stCondLst>
+                                    <p:cond delay="0"/>
+                                  </p:stCondLst>
+                                  <p:childTnLst>
+                                    <p:set>
+                                      <p:cBhvr>
+                                        <p:cTn id="52" dur="1" fill="hold">
+                                          <p:stCondLst>
+                                            <p:cond delay="0"/>
+                                          </p:stCondLst>
+                                        </p:cTn>
+                                        <p:tgtEl>
+                                          <p:spTgt spid="95"/>
+                                        </p:tgtEl>
+                                        <p:attrNameLst>
+                                          <p:attrName>style.visibility</p:attrName>
+                                        </p:attrNameLst>
+                                      </p:cBhvr>
+                                      <p:to>
+                                        <p:strVal val="visible"/>
+                                      </p:to>
+                                    </p:set>
+                                  </p:childTnLst>
+                                </p:cTn>
+                              </p:par>
+                            </p:childTnLst>
+                          </p:cTn>
+                        </p:par>
+                      </p:childTnLst>
+                    </p:cTn>
+                  </p:par>
+                  <p:par>
+                    <p:cTn id="53" fill="hold">
+                      <p:stCondLst>
+                        <p:cond delay="indefinite"/>
+                      </p:stCondLst>
+                      <p:childTnLst>
+                        <p:par>
+                          <p:cTn id="54" fill="hold">
+                            <p:stCondLst>
+                              <p:cond delay="0"/>
+                            </p:stCondLst>
+                            <p:childTnLst>
+                              <p:par>
+                                <p:cTn id="55" presetID="1" presetClass="entr" presetSubtype="0" fill="hold" nodeType="clickEffect">
+                                  <p:stCondLst>
+                                    <p:cond delay="0"/>
+                                  </p:stCondLst>
+                                  <p:childTnLst>
+                                    <p:set>
+                                      <p:cBhvr>
+                                        <p:cTn id="56" dur="1" fill="hold">
+                                          <p:stCondLst>
+                                            <p:cond delay="0"/>
+                                          </p:stCondLst>
+                                        </p:cTn>
+                                        <p:tgtEl>
+                                          <p:spTgt spid="100"/>
+                                        </p:tgtEl>
+                                        <p:attrNameLst>
+                                          <p:attrName>style.visibility</p:attrName>
+                                        </p:attrNameLst>
+                                      </p:cBhvr>
+                                      <p:to>
+                                        <p:strVal val="visible"/>
+                                      </p:to>
+                                    </p:set>
+                                  </p:childTnLst>
+                                </p:cTn>
+                              </p:par>
+                              <p:par>
+                                <p:cTn id="57" presetID="1" presetClass="entr" presetSubtype="0" fill="hold" grpId="0" nodeType="withEffect">
+                                  <p:stCondLst>
+                                    <p:cond delay="0"/>
+                                  </p:stCondLst>
+                                  <p:childTnLst>
+                                    <p:set>
+                                      <p:cBhvr>
+                                        <p:cTn id="58" dur="1" fill="hold">
+                                          <p:stCondLst>
+                                            <p:cond delay="0"/>
+                                          </p:stCondLst>
+                                        </p:cTn>
+                                        <p:tgtEl>
+                                          <p:spTgt spid="101"/>
+                                        </p:tgtEl>
+                                        <p:attrNameLst>
+                                          <p:attrName>style.visibility</p:attrName>
+                                        </p:attrNameLst>
+                                      </p:cBhvr>
+                                      <p:to>
+                                        <p:strVal val="visible"/>
+                                      </p:to>
+                                    </p:set>
+                                  </p:childTnLst>
+                                </p:cTn>
+                              </p:par>
+                            </p:childTnLst>
+                          </p:cTn>
+                        </p:par>
+                      </p:childTnLst>
+                    </p:cTn>
+                  </p:par>
+                </p:childTnLst>
+              </p:cTn>
+              <p:prevCondLst>
+                <p:cond evt="onPrev" delay="0">
+                  <p:tgtEl>
+                    <p:sldTgt/>
+                  </p:tgtEl>
+                </p:cond>
+              </p:prevCondLst>
+              <p:nextCondLst>
+                <p:cond evt="onNext" delay="0">
+                  <p:tgtEl>
+                    <p:sldTgt/>
+                  </p:tgtEl>
+                </p:cond>
+              </p:nextCondLst>
+            </p:seq>
+          </p:childTnLst>
+        </p:cTn>
       </p:par>
     </p:tnLst>
+    <p:bldLst>
+      <p:bldP spid="5" grpId="0" animBg="1"/>
+      <p:bldP spid="6" grpId="0" animBg="1"/>
+      <p:bldP spid="7" grpId="0" animBg="1"/>
+      <p:bldP spid="8" grpId="0" animBg="1"/>
+      <p:bldP spid="9" grpId="0" animBg="1"/>
+      <p:bldP spid="10" grpId="0" animBg="1"/>
+      <p:bldP spid="92" grpId="0"/>
+      <p:bldP spid="94" grpId="0"/>
+      <p:bldP spid="95" grpId="0"/>
+      <p:bldP spid="96" grpId="0"/>
+      <p:bldP spid="97" grpId="0"/>
+      <p:bldP spid="98" grpId="0"/>
+      <p:bldP spid="99" grpId="0"/>
+      <p:bldP spid="101" grpId="0"/>
+    </p:bldLst>
   </p:timing>
 </p:sld>
 </file>
@@ -7053,7 +9159,7 @@
       </p:grpSpPr>
       <p:sp>
         <p:nvSpPr>
-          <p:cNvPr id="2" name="Cím 1"/>
+          <p:cNvPr id="2" name="Title 1"/>
           <p:cNvSpPr>
             <a:spLocks noGrp="1"/>
           </p:cNvSpPr>
@@ -7066,17 +9172,13 @@
           <a:bodyPr/>
           <a:lstStyle/>
           <a:p>
-            <a:r>
-              <a:rPr lang="hu-HU" dirty="0" smtClean="0"/>
-              <a:t>Statisztika</a:t>
-            </a:r>
-            <a:endParaRPr lang="en-US" dirty="0"/>
+            <a:endParaRPr lang="hu-HU"/>
           </a:p>
         </p:txBody>
       </p:sp>
       <p:sp>
         <p:nvSpPr>
-          <p:cNvPr id="3" name="Tartalom helye 2"/>
+          <p:cNvPr id="3" name="Content Placeholder 2"/>
           <p:cNvSpPr>
             <a:spLocks noGrp="1"/>
           </p:cNvSpPr>
@@ -7089,13 +9191,13 @@
           <a:bodyPr/>
           <a:lstStyle/>
           <a:p>
-            <a:endParaRPr lang="hu-HU" dirty="0"/>
+            <a:endParaRPr lang="hu-HU"/>
           </a:p>
         </p:txBody>
       </p:sp>
       <p:sp>
         <p:nvSpPr>
-          <p:cNvPr id="4" name="Dia számának helye 3"/>
+          <p:cNvPr id="4" name="Slide Number Placeholder 3"/>
           <p:cNvSpPr>
             <a:spLocks noGrp="1"/>
           </p:cNvSpPr>
@@ -7120,18 +9222,18 @@
     </p:spTree>
     <p:extLst>
       <p:ext uri="{BB962C8B-B14F-4D97-AF65-F5344CB8AC3E}">
-        <p14:creationId xmlns:p14="http://schemas.microsoft.com/office/powerpoint/2010/main" val="3325116921"/>
+        <p14:creationId xmlns:p14="http://schemas.microsoft.com/office/powerpoint/2010/main" val="1027800957"/>
       </p:ext>
     </p:extLst>
   </p:cSld>
   <p:clrMapOvr>
     <a:masterClrMapping/>
   </p:clrMapOvr>
-  <mc:AlternateContent xmlns:mc="http://schemas.openxmlformats.org/markup-compatibility/2006" xmlns:p14="http://schemas.microsoft.com/office/powerpoint/2010/main">
-    <mc:Choice Requires="p14">
+  <mc:AlternateContent xmlns:mc="http://schemas.openxmlformats.org/markup-compatibility/2006">
+    <mc:Choice xmlns:p14="http://schemas.microsoft.com/office/powerpoint/2010/main" Requires="p14">
       <p:transition p14:dur="0" advClick="0"/>
     </mc:Choice>
-    <mc:Fallback xmlns="">
+    <mc:Fallback>
       <p:transition advClick="0"/>
     </mc:Fallback>
   </mc:AlternateContent>
@@ -7164,6 +9266,117 @@
       </p:grpSpPr>
       <p:sp>
         <p:nvSpPr>
+          <p:cNvPr id="2" name="Cím 1"/>
+          <p:cNvSpPr>
+            <a:spLocks noGrp="1"/>
+          </p:cNvSpPr>
+          <p:nvPr>
+            <p:ph type="title"/>
+          </p:nvPr>
+        </p:nvSpPr>
+        <p:spPr/>
+        <p:txBody>
+          <a:bodyPr/>
+          <a:lstStyle/>
+          <a:p>
+            <a:r>
+              <a:rPr lang="hu-HU" dirty="0" smtClean="0"/>
+              <a:t>Statisztika</a:t>
+            </a:r>
+            <a:endParaRPr lang="en-US" dirty="0"/>
+          </a:p>
+        </p:txBody>
+      </p:sp>
+      <p:sp>
+        <p:nvSpPr>
+          <p:cNvPr id="3" name="Tartalom helye 2"/>
+          <p:cNvSpPr>
+            <a:spLocks noGrp="1"/>
+          </p:cNvSpPr>
+          <p:nvPr>
+            <p:ph idx="1"/>
+          </p:nvPr>
+        </p:nvSpPr>
+        <p:spPr/>
+        <p:txBody>
+          <a:bodyPr/>
+          <a:lstStyle/>
+          <a:p>
+            <a:endParaRPr lang="hu-HU" dirty="0"/>
+          </a:p>
+        </p:txBody>
+      </p:sp>
+      <p:sp>
+        <p:nvSpPr>
+          <p:cNvPr id="4" name="Dia számának helye 3"/>
+          <p:cNvSpPr>
+            <a:spLocks noGrp="1"/>
+          </p:cNvSpPr>
+          <p:nvPr>
+            <p:ph type="sldNum" sz="quarter" idx="10"/>
+          </p:nvPr>
+        </p:nvSpPr>
+        <p:spPr/>
+        <p:txBody>
+          <a:bodyPr/>
+          <a:lstStyle/>
+          <a:p>
+            <a:fld id="{A7C85712-A09B-4560-9D1E-08050AA835BB}" type="slidenum">
+              <a:rPr lang="hu-HU" smtClean="0"/>
+              <a:pPr/>
+              <a:t>4</a:t>
+            </a:fld>
+            <a:endParaRPr lang="hu-HU" dirty="0"/>
+          </a:p>
+        </p:txBody>
+      </p:sp>
+    </p:spTree>
+    <p:extLst>
+      <p:ext uri="{BB962C8B-B14F-4D97-AF65-F5344CB8AC3E}">
+        <p14:creationId xmlns:p14="http://schemas.microsoft.com/office/powerpoint/2010/main" val="3325116921"/>
+      </p:ext>
+    </p:extLst>
+  </p:cSld>
+  <p:clrMapOvr>
+    <a:masterClrMapping/>
+  </p:clrMapOvr>
+  <mc:AlternateContent xmlns:mc="http://schemas.openxmlformats.org/markup-compatibility/2006" xmlns:p14="http://schemas.microsoft.com/office/powerpoint/2010/main">
+    <mc:Choice Requires="p14">
+      <p:transition p14:dur="0" advClick="0"/>
+    </mc:Choice>
+    <mc:Fallback xmlns="">
+      <p:transition advClick="0"/>
+    </mc:Fallback>
+  </mc:AlternateContent>
+  <p:timing>
+    <p:tnLst>
+      <p:par>
+        <p:cTn id="1" dur="indefinite" restart="never" nodeType="tmRoot"/>
+      </p:par>
+    </p:tnLst>
+  </p:timing>
+</p:sld>
+</file>
+
+<file path=ppt/slides/slide5.xml><?xml version="1.0" encoding="utf-8"?>
+<p:sld xmlns:a="http://schemas.openxmlformats.org/drawingml/2006/main" xmlns:r="http://schemas.openxmlformats.org/officeDocument/2006/relationships" xmlns:p="http://schemas.openxmlformats.org/presentationml/2006/main">
+  <p:cSld>
+    <p:spTree>
+      <p:nvGrpSpPr>
+        <p:cNvPr id="1" name=""/>
+        <p:cNvGrpSpPr/>
+        <p:nvPr/>
+      </p:nvGrpSpPr>
+      <p:grpSpPr>
+        <a:xfrm>
+          <a:off x="0" y="0"/>
+          <a:ext cx="0" cy="0"/>
+          <a:chOff x="0" y="0"/>
+          <a:chExt cx="0" cy="0"/>
+        </a:xfrm>
+      </p:grpSpPr>
+      <p:sp>
+        <p:nvSpPr>
           <p:cNvPr id="5" name="Cím 4"/>
           <p:cNvSpPr>
             <a:spLocks noGrp="1"/>
@@ -7234,7 +9447,7 @@
             <a:fld id="{A7C85712-A09B-4560-9D1E-08050AA835BB}" type="slidenum">
               <a:rPr lang="hu-HU" smtClean="0"/>
               <a:pPr/>
-              <a:t>4</a:t>
+              <a:t>5</a:t>
             </a:fld>
             <a:endParaRPr lang="hu-HU" dirty="0"/>
           </a:p>

--- a/doc/prezi/hw2/ztz-presentation.pptx
+++ b/doc/prezi/hw2/ztz-presentation.pptx
@@ -7,17 +7,23 @@
     <p:sldMasterId id="2147483655" r:id="rId3"/>
   </p:sldMasterIdLst>
   <p:notesMasterIdLst>
-    <p:notesMasterId r:id="rId9"/>
+    <p:notesMasterId r:id="rId15"/>
   </p:notesMasterIdLst>
   <p:handoutMasterIdLst>
-    <p:handoutMasterId r:id="rId10"/>
+    <p:handoutMasterId r:id="rId16"/>
   </p:handoutMasterIdLst>
   <p:sldIdLst>
     <p:sldId id="304" r:id="rId4"/>
     <p:sldId id="315" r:id="rId5"/>
     <p:sldId id="316" r:id="rId6"/>
-    <p:sldId id="313" r:id="rId7"/>
-    <p:sldId id="312" r:id="rId8"/>
+    <p:sldId id="317" r:id="rId7"/>
+    <p:sldId id="319" r:id="rId8"/>
+    <p:sldId id="318" r:id="rId9"/>
+    <p:sldId id="320" r:id="rId10"/>
+    <p:sldId id="321" r:id="rId11"/>
+    <p:sldId id="313" r:id="rId12"/>
+    <p:sldId id="322" r:id="rId13"/>
+    <p:sldId id="312" r:id="rId14"/>
   </p:sldIdLst>
   <p:sldSz cx="9144000" cy="6858000" type="screen4x3"/>
   <p:notesSz cx="6858000" cy="9144000"/>
@@ -124,7 +130,13 @@
             <p14:sldId id="304"/>
             <p14:sldId id="315"/>
             <p14:sldId id="316"/>
+            <p14:sldId id="317"/>
+            <p14:sldId id="319"/>
+            <p14:sldId id="318"/>
+            <p14:sldId id="320"/>
+            <p14:sldId id="321"/>
             <p14:sldId id="313"/>
+            <p14:sldId id="322"/>
             <p14:sldId id="312"/>
           </p14:sldIdLst>
         </p14:section>
@@ -855,6 +867,720 @@
     <p:extLst>
       <p:ext uri="{BB962C8B-B14F-4D97-AF65-F5344CB8AC3E}">
         <p14:creationId xmlns:p14="http://schemas.microsoft.com/office/powerpoint/2010/main" val="1342793944"/>
+      </p:ext>
+    </p:extLst>
+  </p:cSld>
+  <p:clrMapOvr>
+    <a:masterClrMapping/>
+  </p:clrMapOvr>
+</p:notes>
+</file>
+
+<file path=ppt/notesSlides/notesSlide3.xml><?xml version="1.0" encoding="utf-8"?>
+<p:notes xmlns:a="http://schemas.openxmlformats.org/drawingml/2006/main" xmlns:r="http://schemas.openxmlformats.org/officeDocument/2006/relationships" xmlns:p="http://schemas.openxmlformats.org/presentationml/2006/main">
+  <p:cSld>
+    <p:spTree>
+      <p:nvGrpSpPr>
+        <p:cNvPr id="1" name=""/>
+        <p:cNvGrpSpPr/>
+        <p:nvPr/>
+      </p:nvGrpSpPr>
+      <p:grpSpPr>
+        <a:xfrm>
+          <a:off x="0" y="0"/>
+          <a:ext cx="0" cy="0"/>
+          <a:chOff x="0" y="0"/>
+          <a:chExt cx="0" cy="0"/>
+        </a:xfrm>
+      </p:grpSpPr>
+      <p:sp>
+        <p:nvSpPr>
+          <p:cNvPr id="2" name="Slide Image Placeholder 1"/>
+          <p:cNvSpPr>
+            <a:spLocks noGrp="1" noRot="1" noChangeAspect="1"/>
+          </p:cNvSpPr>
+          <p:nvPr>
+            <p:ph type="sldImg"/>
+          </p:nvPr>
+        </p:nvSpPr>
+        <p:spPr/>
+      </p:sp>
+      <p:sp>
+        <p:nvSpPr>
+          <p:cNvPr id="3" name="Notes Placeholder 2"/>
+          <p:cNvSpPr>
+            <a:spLocks noGrp="1"/>
+          </p:cNvSpPr>
+          <p:nvPr>
+            <p:ph type="body" idx="1"/>
+          </p:nvPr>
+        </p:nvSpPr>
+        <p:spPr/>
+        <p:txBody>
+          <a:bodyPr/>
+          <a:lstStyle/>
+          <a:p>
+            <a:r>
+              <a:rPr lang="hu-HU" dirty="0" smtClean="0"/>
+              <a:t>Itt az</a:t>
+            </a:r>
+            <a:r>
+              <a:rPr lang="hu-HU" baseline="0" dirty="0" smtClean="0"/>
+              <a:t> a lényeg, hogy minden hivatkozás a strukturális példányra történik. Automatikus kiegészítés, </a:t>
+            </a:r>
+            <a:r>
+              <a:rPr lang="hu-HU" baseline="0" dirty="0" err="1" smtClean="0"/>
+              <a:t>scope</a:t>
+            </a:r>
+            <a:r>
+              <a:rPr lang="hu-HU" baseline="0" dirty="0" smtClean="0"/>
+              <a:t> </a:t>
+            </a:r>
+            <a:r>
+              <a:rPr lang="hu-HU" baseline="0" dirty="0" err="1" smtClean="0"/>
+              <a:t>provider</a:t>
+            </a:r>
+            <a:r>
+              <a:rPr lang="hu-HU" baseline="0" dirty="0" smtClean="0"/>
+              <a:t> átírása.</a:t>
+            </a:r>
+            <a:endParaRPr lang="hu-HU" dirty="0"/>
+          </a:p>
+        </p:txBody>
+      </p:sp>
+      <p:sp>
+        <p:nvSpPr>
+          <p:cNvPr id="4" name="Slide Number Placeholder 3"/>
+          <p:cNvSpPr>
+            <a:spLocks noGrp="1"/>
+          </p:cNvSpPr>
+          <p:nvPr>
+            <p:ph type="sldNum" sz="quarter" idx="10"/>
+          </p:nvPr>
+        </p:nvSpPr>
+        <p:spPr/>
+        <p:txBody>
+          <a:bodyPr/>
+          <a:lstStyle/>
+          <a:p>
+            <a:fld id="{A70A3C59-3253-3B42-8BE0-F6D0BA6B0441}" type="slidenum">
+              <a:rPr lang="en-US" smtClean="0"/>
+              <a:pPr/>
+              <a:t>3</a:t>
+            </a:fld>
+            <a:endParaRPr lang="en-US"/>
+          </a:p>
+        </p:txBody>
+      </p:sp>
+    </p:spTree>
+    <p:extLst>
+      <p:ext uri="{BB962C8B-B14F-4D97-AF65-F5344CB8AC3E}">
+        <p14:creationId xmlns:p14="http://schemas.microsoft.com/office/powerpoint/2010/main" val="1060893340"/>
+      </p:ext>
+    </p:extLst>
+  </p:cSld>
+  <p:clrMapOvr>
+    <a:masterClrMapping/>
+  </p:clrMapOvr>
+</p:notes>
+</file>
+
+<file path=ppt/notesSlides/notesSlide4.xml><?xml version="1.0" encoding="utf-8"?>
+<p:notes xmlns:a="http://schemas.openxmlformats.org/drawingml/2006/main" xmlns:r="http://schemas.openxmlformats.org/officeDocument/2006/relationships" xmlns:p="http://schemas.openxmlformats.org/presentationml/2006/main">
+  <p:cSld>
+    <p:spTree>
+      <p:nvGrpSpPr>
+        <p:cNvPr id="1" name=""/>
+        <p:cNvGrpSpPr/>
+        <p:nvPr/>
+      </p:nvGrpSpPr>
+      <p:grpSpPr>
+        <a:xfrm>
+          <a:off x="0" y="0"/>
+          <a:ext cx="0" cy="0"/>
+          <a:chOff x="0" y="0"/>
+          <a:chExt cx="0" cy="0"/>
+        </a:xfrm>
+      </p:grpSpPr>
+      <p:sp>
+        <p:nvSpPr>
+          <p:cNvPr id="2" name="Slide Image Placeholder 1"/>
+          <p:cNvSpPr>
+            <a:spLocks noGrp="1" noRot="1" noChangeAspect="1"/>
+          </p:cNvSpPr>
+          <p:nvPr>
+            <p:ph type="sldImg"/>
+          </p:nvPr>
+        </p:nvSpPr>
+        <p:spPr/>
+      </p:sp>
+      <p:sp>
+        <p:nvSpPr>
+          <p:cNvPr id="3" name="Notes Placeholder 2"/>
+          <p:cNvSpPr>
+            <a:spLocks noGrp="1"/>
+          </p:cNvSpPr>
+          <p:nvPr>
+            <p:ph type="body" idx="1"/>
+          </p:nvPr>
+        </p:nvSpPr>
+        <p:spPr/>
+        <p:txBody>
+          <a:bodyPr/>
+          <a:lstStyle/>
+          <a:p>
+            <a:endParaRPr lang="hu-HU" dirty="0"/>
+          </a:p>
+        </p:txBody>
+      </p:sp>
+      <p:sp>
+        <p:nvSpPr>
+          <p:cNvPr id="4" name="Slide Number Placeholder 3"/>
+          <p:cNvSpPr>
+            <a:spLocks noGrp="1"/>
+          </p:cNvSpPr>
+          <p:nvPr>
+            <p:ph type="sldNum" sz="quarter" idx="10"/>
+          </p:nvPr>
+        </p:nvSpPr>
+        <p:spPr/>
+        <p:txBody>
+          <a:bodyPr/>
+          <a:lstStyle/>
+          <a:p>
+            <a:fld id="{A70A3C59-3253-3B42-8BE0-F6D0BA6B0441}" type="slidenum">
+              <a:rPr lang="en-US" smtClean="0"/>
+              <a:pPr/>
+              <a:t>4</a:t>
+            </a:fld>
+            <a:endParaRPr lang="en-US"/>
+          </a:p>
+        </p:txBody>
+      </p:sp>
+    </p:spTree>
+    <p:extLst>
+      <p:ext uri="{BB962C8B-B14F-4D97-AF65-F5344CB8AC3E}">
+        <p14:creationId xmlns:p14="http://schemas.microsoft.com/office/powerpoint/2010/main" val="4209156100"/>
+      </p:ext>
+    </p:extLst>
+  </p:cSld>
+  <p:clrMapOvr>
+    <a:masterClrMapping/>
+  </p:clrMapOvr>
+</p:notes>
+</file>
+
+<file path=ppt/notesSlides/notesSlide5.xml><?xml version="1.0" encoding="utf-8"?>
+<p:notes xmlns:a="http://schemas.openxmlformats.org/drawingml/2006/main" xmlns:r="http://schemas.openxmlformats.org/officeDocument/2006/relationships" xmlns:p="http://schemas.openxmlformats.org/presentationml/2006/main">
+  <p:cSld>
+    <p:spTree>
+      <p:nvGrpSpPr>
+        <p:cNvPr id="1" name=""/>
+        <p:cNvGrpSpPr/>
+        <p:nvPr/>
+      </p:nvGrpSpPr>
+      <p:grpSpPr>
+        <a:xfrm>
+          <a:off x="0" y="0"/>
+          <a:ext cx="0" cy="0"/>
+          <a:chOff x="0" y="0"/>
+          <a:chExt cx="0" cy="0"/>
+        </a:xfrm>
+      </p:grpSpPr>
+      <p:sp>
+        <p:nvSpPr>
+          <p:cNvPr id="2" name="Slide Image Placeholder 1"/>
+          <p:cNvSpPr>
+            <a:spLocks noGrp="1" noRot="1" noChangeAspect="1"/>
+          </p:cNvSpPr>
+          <p:nvPr>
+            <p:ph type="sldImg"/>
+          </p:nvPr>
+        </p:nvSpPr>
+        <p:spPr/>
+      </p:sp>
+      <p:sp>
+        <p:nvSpPr>
+          <p:cNvPr id="3" name="Notes Placeholder 2"/>
+          <p:cNvSpPr>
+            <a:spLocks noGrp="1"/>
+          </p:cNvSpPr>
+          <p:nvPr>
+            <p:ph type="body" idx="1"/>
+          </p:nvPr>
+        </p:nvSpPr>
+        <p:spPr/>
+        <p:txBody>
+          <a:bodyPr/>
+          <a:lstStyle/>
+          <a:p>
+            <a:r>
+              <a:rPr lang="hu-HU" dirty="0" smtClean="0"/>
+              <a:t>Mindent cselekményt ehhez hasonló utasításokkal írunk le. </a:t>
+            </a:r>
+            <a:r>
+              <a:rPr lang="hu-HU" dirty="0" err="1" smtClean="0"/>
+              <a:t>Know</a:t>
+            </a:r>
+            <a:r>
+              <a:rPr lang="hu-HU" dirty="0" smtClean="0"/>
+              <a:t>: kapcsolat kiépítése oda-vissza. Ha van kapcsolat, akkor már tudnak kommunikálni is, de addig</a:t>
+            </a:r>
+            <a:r>
+              <a:rPr lang="hu-HU" baseline="0" dirty="0" smtClean="0"/>
+              <a:t> nem. </a:t>
+            </a:r>
+            <a:r>
+              <a:rPr lang="hu-HU" baseline="0" dirty="0" err="1" smtClean="0"/>
+              <a:t>Exec</a:t>
+            </a:r>
+            <a:r>
+              <a:rPr lang="hu-HU" baseline="0" dirty="0" smtClean="0"/>
+              <a:t>: </a:t>
+            </a:r>
+            <a:r>
+              <a:rPr lang="hu-HU" baseline="0" dirty="0" err="1" smtClean="0"/>
+              <a:t>taskra</a:t>
+            </a:r>
+            <a:r>
+              <a:rPr lang="hu-HU" baseline="0" dirty="0" smtClean="0"/>
+              <a:t> feliratkozás. </a:t>
+            </a:r>
+            <a:r>
+              <a:rPr lang="hu-HU" baseline="0" dirty="0" err="1" smtClean="0"/>
+              <a:t>Do</a:t>
+            </a:r>
+            <a:r>
+              <a:rPr lang="hu-HU" baseline="0" dirty="0" smtClean="0"/>
+              <a:t>: konkrét akció. -&gt; jellel utasítások egy sorozatát lehet megadni. </a:t>
+            </a:r>
+            <a:r>
+              <a:rPr lang="hu-HU" baseline="0" dirty="0" err="1" smtClean="0"/>
+              <a:t>Send</a:t>
+            </a:r>
+            <a:r>
+              <a:rPr lang="hu-HU" baseline="0" dirty="0" smtClean="0"/>
+              <a:t>: üzenetek küldése, lehet egy célpont, több, de akár </a:t>
+            </a:r>
+            <a:r>
+              <a:rPr lang="hu-HU" baseline="0" dirty="0" err="1" smtClean="0"/>
+              <a:t>broadcast</a:t>
+            </a:r>
+            <a:r>
+              <a:rPr lang="hu-HU" baseline="0" dirty="0" smtClean="0"/>
+              <a:t> is (*), ekkor azoknak küld üzenetet, akikkel kapcsolatban van (volt </a:t>
+            </a:r>
+            <a:r>
+              <a:rPr lang="hu-HU" baseline="0" dirty="0" err="1" smtClean="0"/>
+              <a:t>know</a:t>
+            </a:r>
+            <a:r>
+              <a:rPr lang="hu-HU" baseline="0" dirty="0" smtClean="0"/>
+              <a:t> utasítás közöttük). Üzenetek egymásra épülhetnek, lásd </a:t>
+            </a:r>
+            <a:r>
+              <a:rPr lang="hu-HU" baseline="0" dirty="0" err="1" smtClean="0"/>
+              <a:t>Follows</a:t>
+            </a:r>
+            <a:r>
+              <a:rPr lang="hu-HU" baseline="0" dirty="0" smtClean="0"/>
+              <a:t> paraméter.</a:t>
+            </a:r>
+            <a:endParaRPr lang="hu-HU" dirty="0"/>
+          </a:p>
+        </p:txBody>
+      </p:sp>
+      <p:sp>
+        <p:nvSpPr>
+          <p:cNvPr id="4" name="Slide Number Placeholder 3"/>
+          <p:cNvSpPr>
+            <a:spLocks noGrp="1"/>
+          </p:cNvSpPr>
+          <p:nvPr>
+            <p:ph type="sldNum" sz="quarter" idx="10"/>
+          </p:nvPr>
+        </p:nvSpPr>
+        <p:spPr/>
+        <p:txBody>
+          <a:bodyPr/>
+          <a:lstStyle/>
+          <a:p>
+            <a:fld id="{A70A3C59-3253-3B42-8BE0-F6D0BA6B0441}" type="slidenum">
+              <a:rPr lang="en-US" smtClean="0"/>
+              <a:pPr/>
+              <a:t>5</a:t>
+            </a:fld>
+            <a:endParaRPr lang="en-US"/>
+          </a:p>
+        </p:txBody>
+      </p:sp>
+    </p:spTree>
+    <p:extLst>
+      <p:ext uri="{BB962C8B-B14F-4D97-AF65-F5344CB8AC3E}">
+        <p14:creationId xmlns:p14="http://schemas.microsoft.com/office/powerpoint/2010/main" val="157591865"/>
+      </p:ext>
+    </p:extLst>
+  </p:cSld>
+  <p:clrMapOvr>
+    <a:masterClrMapping/>
+  </p:clrMapOvr>
+</p:notes>
+</file>
+
+<file path=ppt/notesSlides/notesSlide6.xml><?xml version="1.0" encoding="utf-8"?>
+<p:notes xmlns:a="http://schemas.openxmlformats.org/drawingml/2006/main" xmlns:r="http://schemas.openxmlformats.org/officeDocument/2006/relationships" xmlns:p="http://schemas.openxmlformats.org/presentationml/2006/main">
+  <p:cSld>
+    <p:spTree>
+      <p:nvGrpSpPr>
+        <p:cNvPr id="1" name=""/>
+        <p:cNvGrpSpPr/>
+        <p:nvPr/>
+      </p:nvGrpSpPr>
+      <p:grpSpPr>
+        <a:xfrm>
+          <a:off x="0" y="0"/>
+          <a:ext cx="0" cy="0"/>
+          <a:chOff x="0" y="0"/>
+          <a:chExt cx="0" cy="0"/>
+        </a:xfrm>
+      </p:grpSpPr>
+      <p:sp>
+        <p:nvSpPr>
+          <p:cNvPr id="2" name="Slide Image Placeholder 1"/>
+          <p:cNvSpPr>
+            <a:spLocks noGrp="1" noRot="1" noChangeAspect="1"/>
+          </p:cNvSpPr>
+          <p:nvPr>
+            <p:ph type="sldImg"/>
+          </p:nvPr>
+        </p:nvSpPr>
+        <p:spPr/>
+      </p:sp>
+      <p:sp>
+        <p:nvSpPr>
+          <p:cNvPr id="3" name="Notes Placeholder 2"/>
+          <p:cNvSpPr>
+            <a:spLocks noGrp="1"/>
+          </p:cNvSpPr>
+          <p:nvPr>
+            <p:ph type="body" idx="1"/>
+          </p:nvPr>
+        </p:nvSpPr>
+        <p:spPr/>
+        <p:txBody>
+          <a:bodyPr/>
+          <a:lstStyle/>
+          <a:p>
+            <a:r>
+              <a:rPr lang="hu-HU" dirty="0" err="1" smtClean="0"/>
+              <a:t>Know</a:t>
+            </a:r>
+            <a:r>
+              <a:rPr lang="hu-HU" dirty="0" smtClean="0"/>
+              <a:t> hatására</a:t>
+            </a:r>
+            <a:r>
+              <a:rPr lang="hu-HU" baseline="0" dirty="0" smtClean="0"/>
+              <a:t> megjelennek a kollaborációk.</a:t>
+            </a:r>
+          </a:p>
+          <a:p>
+            <a:endParaRPr lang="hu-HU" dirty="0"/>
+          </a:p>
+        </p:txBody>
+      </p:sp>
+      <p:sp>
+        <p:nvSpPr>
+          <p:cNvPr id="4" name="Slide Number Placeholder 3"/>
+          <p:cNvSpPr>
+            <a:spLocks noGrp="1"/>
+          </p:cNvSpPr>
+          <p:nvPr>
+            <p:ph type="sldNum" sz="quarter" idx="10"/>
+          </p:nvPr>
+        </p:nvSpPr>
+        <p:spPr/>
+        <p:txBody>
+          <a:bodyPr/>
+          <a:lstStyle/>
+          <a:p>
+            <a:fld id="{A70A3C59-3253-3B42-8BE0-F6D0BA6B0441}" type="slidenum">
+              <a:rPr lang="en-US" smtClean="0"/>
+              <a:pPr/>
+              <a:t>6</a:t>
+            </a:fld>
+            <a:endParaRPr lang="en-US"/>
+          </a:p>
+        </p:txBody>
+      </p:sp>
+    </p:spTree>
+    <p:extLst>
+      <p:ext uri="{BB962C8B-B14F-4D97-AF65-F5344CB8AC3E}">
+        <p14:creationId xmlns:p14="http://schemas.microsoft.com/office/powerpoint/2010/main" val="2978420757"/>
+      </p:ext>
+    </p:extLst>
+  </p:cSld>
+  <p:clrMapOvr>
+    <a:masterClrMapping/>
+  </p:clrMapOvr>
+</p:notes>
+</file>
+
+<file path=ppt/notesSlides/notesSlide7.xml><?xml version="1.0" encoding="utf-8"?>
+<p:notes xmlns:a="http://schemas.openxmlformats.org/drawingml/2006/main" xmlns:r="http://schemas.openxmlformats.org/officeDocument/2006/relationships" xmlns:p="http://schemas.openxmlformats.org/presentationml/2006/main">
+  <p:cSld>
+    <p:spTree>
+      <p:nvGrpSpPr>
+        <p:cNvPr id="1" name=""/>
+        <p:cNvGrpSpPr/>
+        <p:nvPr/>
+      </p:nvGrpSpPr>
+      <p:grpSpPr>
+        <a:xfrm>
+          <a:off x="0" y="0"/>
+          <a:ext cx="0" cy="0"/>
+          <a:chOff x="0" y="0"/>
+          <a:chExt cx="0" cy="0"/>
+        </a:xfrm>
+      </p:grpSpPr>
+      <p:sp>
+        <p:nvSpPr>
+          <p:cNvPr id="2" name="Slide Image Placeholder 1"/>
+          <p:cNvSpPr>
+            <a:spLocks noGrp="1" noRot="1" noChangeAspect="1"/>
+          </p:cNvSpPr>
+          <p:nvPr>
+            <p:ph type="sldImg"/>
+          </p:nvPr>
+        </p:nvSpPr>
+        <p:spPr/>
+      </p:sp>
+      <p:sp>
+        <p:nvSpPr>
+          <p:cNvPr id="3" name="Notes Placeholder 2"/>
+          <p:cNvSpPr>
+            <a:spLocks noGrp="1"/>
+          </p:cNvSpPr>
+          <p:nvPr>
+            <p:ph type="body" idx="1"/>
+          </p:nvPr>
+        </p:nvSpPr>
+        <p:spPr/>
+        <p:txBody>
+          <a:bodyPr/>
+          <a:lstStyle/>
+          <a:p>
+            <a:r>
+              <a:rPr lang="hu-HU" dirty="0" err="1" smtClean="0"/>
+              <a:t>Know</a:t>
+            </a:r>
+            <a:r>
+              <a:rPr lang="hu-HU" dirty="0" smtClean="0"/>
+              <a:t> hatására</a:t>
+            </a:r>
+            <a:r>
+              <a:rPr lang="hu-HU" baseline="0" dirty="0" smtClean="0"/>
+              <a:t> megjelennek a kollaborációk.</a:t>
+            </a:r>
+          </a:p>
+          <a:p>
+            <a:endParaRPr lang="hu-HU" dirty="0" smtClean="0"/>
+          </a:p>
+          <a:p>
+            <a:r>
+              <a:rPr lang="hu-HU" dirty="0" err="1" smtClean="0"/>
+              <a:t>Do</a:t>
+            </a:r>
+            <a:r>
+              <a:rPr lang="hu-HU" dirty="0" smtClean="0"/>
+              <a:t> hatására ott lesznek az akciók.</a:t>
+            </a:r>
+            <a:endParaRPr lang="hu-HU" dirty="0"/>
+          </a:p>
+        </p:txBody>
+      </p:sp>
+      <p:sp>
+        <p:nvSpPr>
+          <p:cNvPr id="4" name="Slide Number Placeholder 3"/>
+          <p:cNvSpPr>
+            <a:spLocks noGrp="1"/>
+          </p:cNvSpPr>
+          <p:nvPr>
+            <p:ph type="sldNum" sz="quarter" idx="10"/>
+          </p:nvPr>
+        </p:nvSpPr>
+        <p:spPr/>
+        <p:txBody>
+          <a:bodyPr/>
+          <a:lstStyle/>
+          <a:p>
+            <a:fld id="{A70A3C59-3253-3B42-8BE0-F6D0BA6B0441}" type="slidenum">
+              <a:rPr lang="en-US" smtClean="0"/>
+              <a:pPr/>
+              <a:t>7</a:t>
+            </a:fld>
+            <a:endParaRPr lang="en-US"/>
+          </a:p>
+        </p:txBody>
+      </p:sp>
+    </p:spTree>
+    <p:extLst>
+      <p:ext uri="{BB962C8B-B14F-4D97-AF65-F5344CB8AC3E}">
+        <p14:creationId xmlns:p14="http://schemas.microsoft.com/office/powerpoint/2010/main" val="1302752707"/>
+      </p:ext>
+    </p:extLst>
+  </p:cSld>
+  <p:clrMapOvr>
+    <a:masterClrMapping/>
+  </p:clrMapOvr>
+</p:notes>
+</file>
+
+<file path=ppt/notesSlides/notesSlide8.xml><?xml version="1.0" encoding="utf-8"?>
+<p:notes xmlns:a="http://schemas.openxmlformats.org/drawingml/2006/main" xmlns:r="http://schemas.openxmlformats.org/officeDocument/2006/relationships" xmlns:p="http://schemas.openxmlformats.org/presentationml/2006/main">
+  <p:cSld>
+    <p:spTree>
+      <p:nvGrpSpPr>
+        <p:cNvPr id="1" name=""/>
+        <p:cNvGrpSpPr/>
+        <p:nvPr/>
+      </p:nvGrpSpPr>
+      <p:grpSpPr>
+        <a:xfrm>
+          <a:off x="0" y="0"/>
+          <a:ext cx="0" cy="0"/>
+          <a:chOff x="0" y="0"/>
+          <a:chExt cx="0" cy="0"/>
+        </a:xfrm>
+      </p:grpSpPr>
+      <p:sp>
+        <p:nvSpPr>
+          <p:cNvPr id="2" name="Slide Image Placeholder 1"/>
+          <p:cNvSpPr>
+            <a:spLocks noGrp="1" noRot="1" noChangeAspect="1"/>
+          </p:cNvSpPr>
+          <p:nvPr>
+            <p:ph type="sldImg"/>
+          </p:nvPr>
+        </p:nvSpPr>
+        <p:spPr/>
+      </p:sp>
+      <p:sp>
+        <p:nvSpPr>
+          <p:cNvPr id="3" name="Notes Placeholder 2"/>
+          <p:cNvSpPr>
+            <a:spLocks noGrp="1"/>
+          </p:cNvSpPr>
+          <p:nvPr>
+            <p:ph type="body" idx="1"/>
+          </p:nvPr>
+        </p:nvSpPr>
+        <p:spPr/>
+        <p:txBody>
+          <a:bodyPr/>
+          <a:lstStyle/>
+          <a:p>
+            <a:r>
+              <a:rPr lang="hu-HU" dirty="0" err="1" smtClean="0"/>
+              <a:t>Know</a:t>
+            </a:r>
+            <a:r>
+              <a:rPr lang="hu-HU" dirty="0" smtClean="0"/>
+              <a:t> hatására</a:t>
+            </a:r>
+            <a:r>
+              <a:rPr lang="hu-HU" baseline="0" dirty="0" smtClean="0"/>
+              <a:t> megjelennek a kollaborációk.</a:t>
+            </a:r>
+            <a:endParaRPr lang="hu-HU" dirty="0" smtClean="0"/>
+          </a:p>
+          <a:p>
+            <a:r>
+              <a:rPr lang="hu-HU" dirty="0" err="1" smtClean="0"/>
+              <a:t>Do</a:t>
+            </a:r>
+            <a:r>
+              <a:rPr lang="hu-HU" dirty="0" smtClean="0"/>
+              <a:t> hatására ott lesznek az akciók.</a:t>
+            </a:r>
+          </a:p>
+          <a:p>
+            <a:r>
+              <a:rPr lang="hu-HU" dirty="0" err="1" smtClean="0"/>
+              <a:t>Send</a:t>
+            </a:r>
+            <a:r>
+              <a:rPr lang="hu-HU" dirty="0" smtClean="0"/>
+              <a:t>: itt</a:t>
+            </a:r>
+            <a:r>
+              <a:rPr lang="hu-HU" baseline="0" dirty="0" smtClean="0"/>
+              <a:t> több minden generálódik: </a:t>
+            </a:r>
+            <a:r>
+              <a:rPr lang="hu-HU" baseline="0" dirty="0" err="1" smtClean="0"/>
+              <a:t>messagerepository</a:t>
+            </a:r>
+            <a:r>
+              <a:rPr lang="hu-HU" baseline="0" dirty="0" smtClean="0"/>
+              <a:t>, </a:t>
+            </a:r>
+            <a:r>
+              <a:rPr lang="hu-HU" baseline="0" dirty="0" err="1" smtClean="0"/>
+              <a:t>message</a:t>
+            </a:r>
+            <a:r>
+              <a:rPr lang="hu-HU" baseline="0" dirty="0" smtClean="0"/>
+              <a:t> és </a:t>
+            </a:r>
+            <a:r>
+              <a:rPr lang="hu-HU" baseline="0" dirty="0" err="1" smtClean="0"/>
+              <a:t>unicast</a:t>
+            </a:r>
+            <a:r>
+              <a:rPr lang="hu-HU" baseline="0" dirty="0" smtClean="0"/>
+              <a:t> </a:t>
+            </a:r>
+            <a:r>
+              <a:rPr lang="hu-HU" baseline="0" dirty="0" err="1" smtClean="0"/>
+              <a:t>action</a:t>
+            </a:r>
+            <a:r>
+              <a:rPr lang="hu-HU" baseline="0" dirty="0" smtClean="0"/>
+              <a:t> is.</a:t>
+            </a:r>
+            <a:endParaRPr lang="hu-HU" dirty="0"/>
+          </a:p>
+        </p:txBody>
+      </p:sp>
+      <p:sp>
+        <p:nvSpPr>
+          <p:cNvPr id="4" name="Slide Number Placeholder 3"/>
+          <p:cNvSpPr>
+            <a:spLocks noGrp="1"/>
+          </p:cNvSpPr>
+          <p:nvPr>
+            <p:ph type="sldNum" sz="quarter" idx="10"/>
+          </p:nvPr>
+        </p:nvSpPr>
+        <p:spPr/>
+        <p:txBody>
+          <a:bodyPr/>
+          <a:lstStyle/>
+          <a:p>
+            <a:fld id="{A70A3C59-3253-3B42-8BE0-F6D0BA6B0441}" type="slidenum">
+              <a:rPr lang="en-US" smtClean="0"/>
+              <a:pPr/>
+              <a:t>8</a:t>
+            </a:fld>
+            <a:endParaRPr lang="en-US"/>
+          </a:p>
+        </p:txBody>
+      </p:sp>
+    </p:spTree>
+    <p:extLst>
+      <p:ext uri="{BB962C8B-B14F-4D97-AF65-F5344CB8AC3E}">
+        <p14:creationId xmlns:p14="http://schemas.microsoft.com/office/powerpoint/2010/main" val="1444879531"/>
       </p:ext>
     </p:extLst>
   </p:cSld>
@@ -7038,6 +7764,412 @@
 </p:sld>
 </file>
 
+<file path=ppt/slides/slide10.xml><?xml version="1.0" encoding="utf-8"?>
+<p:sld xmlns:a="http://schemas.openxmlformats.org/drawingml/2006/main" xmlns:r="http://schemas.openxmlformats.org/officeDocument/2006/relationships" xmlns:p="http://schemas.openxmlformats.org/presentationml/2006/main">
+  <p:cSld>
+    <p:spTree>
+      <p:nvGrpSpPr>
+        <p:cNvPr id="1" name=""/>
+        <p:cNvGrpSpPr/>
+        <p:nvPr/>
+      </p:nvGrpSpPr>
+      <p:grpSpPr>
+        <a:xfrm>
+          <a:off x="0" y="0"/>
+          <a:ext cx="0" cy="0"/>
+          <a:chOff x="0" y="0"/>
+          <a:chExt cx="0" cy="0"/>
+        </a:xfrm>
+      </p:grpSpPr>
+      <p:sp>
+        <p:nvSpPr>
+          <p:cNvPr id="2" name="Cím 1"/>
+          <p:cNvSpPr>
+            <a:spLocks noGrp="1"/>
+          </p:cNvSpPr>
+          <p:nvPr>
+            <p:ph type="title"/>
+          </p:nvPr>
+        </p:nvSpPr>
+        <p:spPr/>
+        <p:txBody>
+          <a:bodyPr/>
+          <a:lstStyle/>
+          <a:p>
+            <a:r>
+              <a:rPr lang="hu-HU" dirty="0" smtClean="0"/>
+              <a:t>Statisztika</a:t>
+            </a:r>
+            <a:endParaRPr lang="en-US" dirty="0"/>
+          </a:p>
+        </p:txBody>
+      </p:sp>
+      <p:sp>
+        <p:nvSpPr>
+          <p:cNvPr id="4" name="Dia számának helye 3"/>
+          <p:cNvSpPr>
+            <a:spLocks noGrp="1"/>
+          </p:cNvSpPr>
+          <p:nvPr>
+            <p:ph type="sldNum" sz="quarter" idx="10"/>
+          </p:nvPr>
+        </p:nvSpPr>
+        <p:spPr/>
+        <p:txBody>
+          <a:bodyPr/>
+          <a:lstStyle/>
+          <a:p>
+            <a:fld id="{A7C85712-A09B-4560-9D1E-08050AA835BB}" type="slidenum">
+              <a:rPr lang="hu-HU" smtClean="0"/>
+              <a:pPr/>
+              <a:t>10</a:t>
+            </a:fld>
+            <a:endParaRPr lang="hu-HU" dirty="0"/>
+          </a:p>
+        </p:txBody>
+      </p:sp>
+      <p:pic>
+        <p:nvPicPr>
+          <p:cNvPr id="5" name="Picture 4"/>
+          <p:cNvPicPr>
+            <a:picLocks noChangeAspect="1"/>
+          </p:cNvPicPr>
+          <p:nvPr/>
+        </p:nvPicPr>
+        <p:blipFill>
+          <a:blip r:embed="rId2"/>
+          <a:stretch>
+            <a:fillRect/>
+          </a:stretch>
+        </p:blipFill>
+        <p:spPr>
+          <a:xfrm>
+            <a:off x="149924" y="720725"/>
+            <a:ext cx="4422076" cy="2588532"/>
+          </a:xfrm>
+          <a:prstGeom prst="rect">
+            <a:avLst/>
+          </a:prstGeom>
+        </p:spPr>
+      </p:pic>
+      <p:pic>
+        <p:nvPicPr>
+          <p:cNvPr id="3" name="Picture 2"/>
+          <p:cNvPicPr>
+            <a:picLocks noChangeAspect="1"/>
+          </p:cNvPicPr>
+          <p:nvPr/>
+        </p:nvPicPr>
+        <p:blipFill>
+          <a:blip r:embed="rId3"/>
+          <a:stretch>
+            <a:fillRect/>
+          </a:stretch>
+        </p:blipFill>
+        <p:spPr>
+          <a:xfrm>
+            <a:off x="3051081" y="2883353"/>
+            <a:ext cx="5883697" cy="3436209"/>
+          </a:xfrm>
+          <a:prstGeom prst="rect">
+            <a:avLst/>
+          </a:prstGeom>
+          <a:ln>
+            <a:solidFill>
+              <a:schemeClr val="tx1">
+                <a:lumMod val="95000"/>
+                <a:lumOff val="5000"/>
+              </a:schemeClr>
+            </a:solidFill>
+          </a:ln>
+        </p:spPr>
+      </p:pic>
+      <p:sp>
+        <p:nvSpPr>
+          <p:cNvPr id="9" name="Rectangular Callout 8"/>
+          <p:cNvSpPr/>
+          <p:nvPr/>
+        </p:nvSpPr>
+        <p:spPr>
+          <a:xfrm>
+            <a:off x="0" y="4212191"/>
+            <a:ext cx="3373821" cy="778531"/>
+          </a:xfrm>
+          <a:prstGeom prst="wedgeRectCallout">
+            <a:avLst>
+              <a:gd name="adj1" fmla="val 52073"/>
+              <a:gd name="adj2" fmla="val -89860"/>
+            </a:avLst>
+          </a:prstGeom>
+          <a:solidFill>
+            <a:schemeClr val="bg2"/>
+          </a:solidFill>
+          <a:ln w="38100">
+            <a:solidFill>
+              <a:schemeClr val="accent1"/>
+            </a:solidFill>
+          </a:ln>
+          <a:effectLst/>
+        </p:spPr>
+        <p:style>
+          <a:lnRef idx="2">
+            <a:schemeClr val="accent4">
+              <a:shade val="50000"/>
+            </a:schemeClr>
+          </a:lnRef>
+          <a:fillRef idx="1">
+            <a:schemeClr val="accent4"/>
+          </a:fillRef>
+          <a:effectRef idx="0">
+            <a:schemeClr val="accent4"/>
+          </a:effectRef>
+          <a:fontRef idx="minor">
+            <a:schemeClr val="lt1"/>
+          </a:fontRef>
+        </p:style>
+        <p:txBody>
+          <a:bodyPr rot="0" spcFirstLastPara="0" vertOverflow="overflow" horzOverflow="overflow" vert="horz" wrap="square" lIns="91440" tIns="45720" rIns="91440" bIns="45720" numCol="1" spcCol="0" rtlCol="0" fromWordArt="0" anchor="ctr" anchorCtr="0" forceAA="0" compatLnSpc="1">
+            <a:prstTxWarp prst="textNoShape">
+              <a:avLst/>
+            </a:prstTxWarp>
+            <a:noAutofit/>
+          </a:bodyPr>
+          <a:lstStyle/>
+          <a:p>
+            <a:pPr algn="ctr"/>
+            <a:r>
+              <a:rPr lang="hu-HU" sz="2400" dirty="0" smtClean="0">
+                <a:solidFill>
+                  <a:schemeClr val="tx2"/>
+                </a:solidFill>
+              </a:rPr>
+              <a:t>Első feltétel volt igaz</a:t>
+            </a:r>
+          </a:p>
+        </p:txBody>
+      </p:sp>
+    </p:spTree>
+    <p:extLst>
+      <p:ext uri="{BB962C8B-B14F-4D97-AF65-F5344CB8AC3E}">
+        <p14:creationId xmlns:p14="http://schemas.microsoft.com/office/powerpoint/2010/main" val="1442631403"/>
+      </p:ext>
+    </p:extLst>
+  </p:cSld>
+  <p:clrMapOvr>
+    <a:masterClrMapping/>
+  </p:clrMapOvr>
+  <mc:AlternateContent xmlns:mc="http://schemas.openxmlformats.org/markup-compatibility/2006">
+    <mc:Choice xmlns:p14="http://schemas.microsoft.com/office/powerpoint/2010/main" Requires="p14">
+      <p:transition p14:dur="0" advClick="0"/>
+    </mc:Choice>
+    <mc:Fallback>
+      <p:transition advClick="0"/>
+    </mc:Fallback>
+  </mc:AlternateContent>
+  <p:timing>
+    <p:tnLst>
+      <p:par>
+        <p:cTn id="1" dur="indefinite" restart="never" nodeType="tmRoot">
+          <p:childTnLst>
+            <p:seq concurrent="1" nextAc="seek">
+              <p:cTn id="2" dur="indefinite" nodeType="mainSeq">
+                <p:childTnLst>
+                  <p:par>
+                    <p:cTn id="3" fill="hold">
+                      <p:stCondLst>
+                        <p:cond delay="indefinite"/>
+                      </p:stCondLst>
+                      <p:childTnLst>
+                        <p:par>
+                          <p:cTn id="4" fill="hold">
+                            <p:stCondLst>
+                              <p:cond delay="0"/>
+                            </p:stCondLst>
+                            <p:childTnLst>
+                              <p:par>
+                                <p:cTn id="5" presetID="1" presetClass="entr" presetSubtype="0" fill="hold" grpId="0" nodeType="clickEffect">
+                                  <p:stCondLst>
+                                    <p:cond delay="0"/>
+                                  </p:stCondLst>
+                                  <p:childTnLst>
+                                    <p:set>
+                                      <p:cBhvr>
+                                        <p:cTn id="6" dur="1" fill="hold">
+                                          <p:stCondLst>
+                                            <p:cond delay="0"/>
+                                          </p:stCondLst>
+                                        </p:cTn>
+                                        <p:tgtEl>
+                                          <p:spTgt spid="9"/>
+                                        </p:tgtEl>
+                                        <p:attrNameLst>
+                                          <p:attrName>style.visibility</p:attrName>
+                                        </p:attrNameLst>
+                                      </p:cBhvr>
+                                      <p:to>
+                                        <p:strVal val="visible"/>
+                                      </p:to>
+                                    </p:set>
+                                  </p:childTnLst>
+                                </p:cTn>
+                              </p:par>
+                            </p:childTnLst>
+                          </p:cTn>
+                        </p:par>
+                      </p:childTnLst>
+                    </p:cTn>
+                  </p:par>
+                </p:childTnLst>
+              </p:cTn>
+              <p:prevCondLst>
+                <p:cond evt="onPrev" delay="0">
+                  <p:tgtEl>
+                    <p:sldTgt/>
+                  </p:tgtEl>
+                </p:cond>
+              </p:prevCondLst>
+              <p:nextCondLst>
+                <p:cond evt="onNext" delay="0">
+                  <p:tgtEl>
+                    <p:sldTgt/>
+                  </p:tgtEl>
+                </p:cond>
+              </p:nextCondLst>
+            </p:seq>
+          </p:childTnLst>
+        </p:cTn>
+      </p:par>
+    </p:tnLst>
+    <p:bldLst>
+      <p:bldP spid="9" grpId="0" animBg="1"/>
+    </p:bldLst>
+  </p:timing>
+</p:sld>
+</file>
+
+<file path=ppt/slides/slide11.xml><?xml version="1.0" encoding="utf-8"?>
+<p:sld xmlns:a="http://schemas.openxmlformats.org/drawingml/2006/main" xmlns:r="http://schemas.openxmlformats.org/officeDocument/2006/relationships" xmlns:p="http://schemas.openxmlformats.org/presentationml/2006/main">
+  <p:cSld>
+    <p:spTree>
+      <p:nvGrpSpPr>
+        <p:cNvPr id="1" name=""/>
+        <p:cNvGrpSpPr/>
+        <p:nvPr/>
+      </p:nvGrpSpPr>
+      <p:grpSpPr>
+        <a:xfrm>
+          <a:off x="0" y="0"/>
+          <a:ext cx="0" cy="0"/>
+          <a:chOff x="0" y="0"/>
+          <a:chExt cx="0" cy="0"/>
+        </a:xfrm>
+      </p:grpSpPr>
+      <p:sp>
+        <p:nvSpPr>
+          <p:cNvPr id="5" name="Cím 4"/>
+          <p:cNvSpPr>
+            <a:spLocks noGrp="1"/>
+          </p:cNvSpPr>
+          <p:nvPr>
+            <p:ph type="ctrTitle"/>
+          </p:nvPr>
+        </p:nvSpPr>
+        <p:spPr/>
+        <p:txBody>
+          <a:bodyPr/>
+          <a:lstStyle/>
+          <a:p>
+            <a:r>
+              <a:rPr lang="en-US" dirty="0" err="1" smtClean="0"/>
+              <a:t>Köszönjük</a:t>
+            </a:r>
+            <a:r>
+              <a:rPr lang="en-US" dirty="0" smtClean="0"/>
+              <a:t> a </a:t>
+            </a:r>
+            <a:r>
+              <a:rPr lang="en-US" dirty="0" err="1" smtClean="0"/>
+              <a:t>figyelmet</a:t>
+            </a:r>
+            <a:r>
+              <a:rPr lang="en-US" dirty="0" smtClean="0"/>
+              <a:t>!</a:t>
+            </a:r>
+            <a:endParaRPr lang="en-US" dirty="0"/>
+          </a:p>
+        </p:txBody>
+      </p:sp>
+      <p:sp>
+        <p:nvSpPr>
+          <p:cNvPr id="7" name="Alcím 6"/>
+          <p:cNvSpPr>
+            <a:spLocks noGrp="1"/>
+          </p:cNvSpPr>
+          <p:nvPr>
+            <p:ph type="subTitle" idx="1"/>
+          </p:nvPr>
+        </p:nvSpPr>
+        <p:spPr/>
+        <p:txBody>
+          <a:bodyPr/>
+          <a:lstStyle/>
+          <a:p>
+            <a:endParaRPr lang="en-US"/>
+          </a:p>
+        </p:txBody>
+      </p:sp>
+      <p:sp>
+        <p:nvSpPr>
+          <p:cNvPr id="4" name="Dia számának helye 3"/>
+          <p:cNvSpPr>
+            <a:spLocks noGrp="1"/>
+          </p:cNvSpPr>
+          <p:nvPr>
+            <p:ph type="sldNum" sz="quarter" idx="10"/>
+          </p:nvPr>
+        </p:nvSpPr>
+        <p:spPr/>
+        <p:txBody>
+          <a:bodyPr/>
+          <a:lstStyle/>
+          <a:p>
+            <a:fld id="{A7C85712-A09B-4560-9D1E-08050AA835BB}" type="slidenum">
+              <a:rPr lang="hu-HU" smtClean="0"/>
+              <a:pPr/>
+              <a:t>11</a:t>
+            </a:fld>
+            <a:endParaRPr lang="hu-HU" dirty="0"/>
+          </a:p>
+        </p:txBody>
+      </p:sp>
+    </p:spTree>
+    <p:extLst>
+      <p:ext uri="{BB962C8B-B14F-4D97-AF65-F5344CB8AC3E}">
+        <p14:creationId xmlns:p14="http://schemas.microsoft.com/office/powerpoint/2010/main" val="497278178"/>
+      </p:ext>
+    </p:extLst>
+  </p:cSld>
+  <p:clrMapOvr>
+    <a:masterClrMapping/>
+  </p:clrMapOvr>
+  <mc:AlternateContent xmlns:mc="http://schemas.openxmlformats.org/markup-compatibility/2006" xmlns:p14="http://schemas.microsoft.com/office/powerpoint/2010/main">
+    <mc:Choice Requires="p14">
+      <p:transition p14:dur="0" advClick="0"/>
+    </mc:Choice>
+    <mc:Fallback xmlns="">
+      <p:transition advClick="0"/>
+    </mc:Fallback>
+  </mc:AlternateContent>
+  <p:timing>
+    <p:tnLst>
+      <p:par>
+        <p:cTn id="1" dur="indefinite" restart="never" nodeType="tmRoot"/>
+      </p:par>
+    </p:tnLst>
+  </p:timing>
+</p:sld>
+</file>
+
 <file path=ppt/slides/slide2.xml><?xml version="1.0" encoding="utf-8"?>
 <p:sld xmlns:a="http://schemas.openxmlformats.org/drawingml/2006/main" xmlns:r="http://schemas.openxmlformats.org/officeDocument/2006/relationships" xmlns:p="http://schemas.openxmlformats.org/presentationml/2006/main">
   <p:cSld>
@@ -7424,11 +8556,6 @@
               </a:rPr>
               <a:t>Nyelvtan</a:t>
             </a:r>
-            <a:endParaRPr lang="hu-HU" sz="2400" dirty="0">
-              <a:solidFill>
-                <a:schemeClr val="tx2"/>
-              </a:solidFill>
-            </a:endParaRPr>
           </a:p>
         </p:txBody>
       </p:sp>
@@ -7482,11 +8609,6 @@
               </a:rPr>
               <a:t>Példány</a:t>
             </a:r>
-            <a:endParaRPr lang="hu-HU" sz="2400" dirty="0">
-              <a:solidFill>
-                <a:schemeClr val="tx2"/>
-              </a:solidFill>
-            </a:endParaRPr>
           </a:p>
         </p:txBody>
       </p:sp>
@@ -9172,26 +10294,11 @@
           <a:bodyPr/>
           <a:lstStyle/>
           <a:p>
-            <a:endParaRPr lang="hu-HU"/>
-          </a:p>
-        </p:txBody>
-      </p:sp>
-      <p:sp>
-        <p:nvSpPr>
-          <p:cNvPr id="3" name="Content Placeholder 2"/>
-          <p:cNvSpPr>
-            <a:spLocks noGrp="1"/>
-          </p:cNvSpPr>
-          <p:nvPr>
-            <p:ph idx="1"/>
-          </p:nvPr>
-        </p:nvSpPr>
-        <p:spPr/>
-        <p:txBody>
-          <a:bodyPr/>
-          <a:lstStyle/>
-          <a:p>
-            <a:endParaRPr lang="hu-HU"/>
+            <a:r>
+              <a:rPr lang="hu-HU" dirty="0" smtClean="0"/>
+              <a:t>Nyelvtan</a:t>
+            </a:r>
+            <a:endParaRPr lang="hu-HU" dirty="0"/>
           </a:p>
         </p:txBody>
       </p:sp>
@@ -9216,6 +10323,338 @@
               <a:t>3</a:t>
             </a:fld>
             <a:endParaRPr lang="hu-HU" dirty="0"/>
+          </a:p>
+        </p:txBody>
+      </p:sp>
+      <p:pic>
+        <p:nvPicPr>
+          <p:cNvPr id="7" name="Picture 6"/>
+          <p:cNvPicPr>
+            <a:picLocks noChangeAspect="1"/>
+          </p:cNvPicPr>
+          <p:nvPr/>
+        </p:nvPicPr>
+        <p:blipFill>
+          <a:blip r:embed="rId3"/>
+          <a:stretch>
+            <a:fillRect/>
+          </a:stretch>
+        </p:blipFill>
+        <p:spPr>
+          <a:xfrm>
+            <a:off x="-83757" y="783789"/>
+            <a:ext cx="7433983" cy="5506654"/>
+          </a:xfrm>
+          <a:prstGeom prst="rect">
+            <a:avLst/>
+          </a:prstGeom>
+        </p:spPr>
+      </p:pic>
+      <p:sp>
+        <p:nvSpPr>
+          <p:cNvPr id="8" name="Rectangular Callout 7"/>
+          <p:cNvSpPr/>
+          <p:nvPr/>
+        </p:nvSpPr>
+        <p:spPr>
+          <a:xfrm>
+            <a:off x="5411514" y="899977"/>
+            <a:ext cx="2297824" cy="898635"/>
+          </a:xfrm>
+          <a:prstGeom prst="wedgeRectCallout">
+            <a:avLst>
+              <a:gd name="adj1" fmla="val -154623"/>
+              <a:gd name="adj2" fmla="val -30482"/>
+            </a:avLst>
+          </a:prstGeom>
+          <a:solidFill>
+            <a:schemeClr val="bg2"/>
+          </a:solidFill>
+          <a:ln w="38100">
+            <a:solidFill>
+              <a:schemeClr val="accent1"/>
+            </a:solidFill>
+          </a:ln>
+          <a:effectLst>
+            <a:outerShdw blurRad="50800" dist="38100" dir="5400000" algn="t" rotWithShape="0">
+              <a:prstClr val="black">
+                <a:alpha val="40000"/>
+              </a:prstClr>
+            </a:outerShdw>
+          </a:effectLst>
+        </p:spPr>
+        <p:style>
+          <a:lnRef idx="2">
+            <a:schemeClr val="accent4">
+              <a:shade val="50000"/>
+            </a:schemeClr>
+          </a:lnRef>
+          <a:fillRef idx="1">
+            <a:schemeClr val="accent4"/>
+          </a:fillRef>
+          <a:effectRef idx="0">
+            <a:schemeClr val="accent4"/>
+          </a:effectRef>
+          <a:fontRef idx="minor">
+            <a:schemeClr val="lt1"/>
+          </a:fontRef>
+        </p:style>
+        <p:txBody>
+          <a:bodyPr rot="0" spcFirstLastPara="0" vertOverflow="overflow" horzOverflow="overflow" vert="horz" wrap="square" lIns="91440" tIns="45720" rIns="91440" bIns="45720" numCol="1" spcCol="0" rtlCol="0" fromWordArt="0" anchor="ctr" anchorCtr="0" forceAA="0" compatLnSpc="1">
+            <a:prstTxWarp prst="textNoShape">
+              <a:avLst/>
+            </a:prstTxWarp>
+            <a:noAutofit/>
+          </a:bodyPr>
+          <a:lstStyle/>
+          <a:p>
+            <a:pPr algn="ctr"/>
+            <a:r>
+              <a:rPr lang="hu-HU" sz="2400" dirty="0" smtClean="0">
+                <a:solidFill>
+                  <a:schemeClr val="tx2"/>
+                </a:solidFill>
+              </a:rPr>
+              <a:t>Strukturális példány importja</a:t>
+            </a:r>
+            <a:endParaRPr lang="hu-HU" sz="2400" dirty="0">
+              <a:solidFill>
+                <a:schemeClr val="tx2"/>
+              </a:solidFill>
+            </a:endParaRPr>
+          </a:p>
+        </p:txBody>
+      </p:sp>
+      <p:sp>
+        <p:nvSpPr>
+          <p:cNvPr id="9" name="Rectangular Callout 8"/>
+          <p:cNvSpPr/>
+          <p:nvPr/>
+        </p:nvSpPr>
+        <p:spPr>
+          <a:xfrm>
+            <a:off x="5231958" y="2068005"/>
+            <a:ext cx="2297824" cy="898635"/>
+          </a:xfrm>
+          <a:prstGeom prst="wedgeRectCallout">
+            <a:avLst>
+              <a:gd name="adj1" fmla="val -154623"/>
+              <a:gd name="adj2" fmla="val -30482"/>
+            </a:avLst>
+          </a:prstGeom>
+          <a:solidFill>
+            <a:schemeClr val="bg2"/>
+          </a:solidFill>
+          <a:ln w="38100">
+            <a:solidFill>
+              <a:schemeClr val="accent1"/>
+            </a:solidFill>
+          </a:ln>
+          <a:effectLst>
+            <a:outerShdw blurRad="50800" dist="38100" dir="5400000" algn="t" rotWithShape="0">
+              <a:prstClr val="black">
+                <a:alpha val="40000"/>
+              </a:prstClr>
+            </a:outerShdw>
+          </a:effectLst>
+        </p:spPr>
+        <p:style>
+          <a:lnRef idx="2">
+            <a:schemeClr val="accent4">
+              <a:shade val="50000"/>
+            </a:schemeClr>
+          </a:lnRef>
+          <a:fillRef idx="1">
+            <a:schemeClr val="accent4"/>
+          </a:fillRef>
+          <a:effectRef idx="0">
+            <a:schemeClr val="accent4"/>
+          </a:effectRef>
+          <a:fontRef idx="minor">
+            <a:schemeClr val="lt1"/>
+          </a:fontRef>
+        </p:style>
+        <p:txBody>
+          <a:bodyPr rot="0" spcFirstLastPara="0" vertOverflow="overflow" horzOverflow="overflow" vert="horz" wrap="square" lIns="91440" tIns="45720" rIns="91440" bIns="45720" numCol="1" spcCol="0" rtlCol="0" fromWordArt="0" anchor="ctr" anchorCtr="0" forceAA="0" compatLnSpc="1">
+            <a:prstTxWarp prst="textNoShape">
+              <a:avLst/>
+            </a:prstTxWarp>
+            <a:noAutofit/>
+          </a:bodyPr>
+          <a:lstStyle/>
+          <a:p>
+            <a:pPr algn="ctr"/>
+            <a:r>
+              <a:rPr lang="hu-HU" sz="2400" dirty="0" smtClean="0">
+                <a:solidFill>
+                  <a:schemeClr val="tx2"/>
+                </a:solidFill>
+              </a:rPr>
+              <a:t>Hivatkozás a robotokra</a:t>
+            </a:r>
+            <a:endParaRPr lang="hu-HU" sz="2400" dirty="0">
+              <a:solidFill>
+                <a:schemeClr val="tx2"/>
+              </a:solidFill>
+            </a:endParaRPr>
+          </a:p>
+        </p:txBody>
+      </p:sp>
+      <p:sp>
+        <p:nvSpPr>
+          <p:cNvPr id="10" name="Rectangular Callout 9"/>
+          <p:cNvSpPr/>
+          <p:nvPr/>
+        </p:nvSpPr>
+        <p:spPr>
+          <a:xfrm>
+            <a:off x="5231958" y="3352221"/>
+            <a:ext cx="2297824" cy="898635"/>
+          </a:xfrm>
+          <a:prstGeom prst="wedgeRectCallout">
+            <a:avLst>
+              <a:gd name="adj1" fmla="val -153251"/>
+              <a:gd name="adj2" fmla="val -44517"/>
+            </a:avLst>
+          </a:prstGeom>
+          <a:solidFill>
+            <a:schemeClr val="bg2"/>
+          </a:solidFill>
+          <a:ln w="38100">
+            <a:solidFill>
+              <a:schemeClr val="accent1"/>
+            </a:solidFill>
+          </a:ln>
+          <a:effectLst>
+            <a:outerShdw blurRad="50800" dist="38100" dir="5400000" algn="t" rotWithShape="0">
+              <a:prstClr val="black">
+                <a:alpha val="40000"/>
+              </a:prstClr>
+            </a:outerShdw>
+          </a:effectLst>
+        </p:spPr>
+        <p:style>
+          <a:lnRef idx="2">
+            <a:schemeClr val="accent4">
+              <a:shade val="50000"/>
+            </a:schemeClr>
+          </a:lnRef>
+          <a:fillRef idx="1">
+            <a:schemeClr val="accent4"/>
+          </a:fillRef>
+          <a:effectRef idx="0">
+            <a:schemeClr val="accent4"/>
+          </a:effectRef>
+          <a:fontRef idx="minor">
+            <a:schemeClr val="lt1"/>
+          </a:fontRef>
+        </p:style>
+        <p:txBody>
+          <a:bodyPr rot="0" spcFirstLastPara="0" vertOverflow="overflow" horzOverflow="overflow" vert="horz" wrap="square" lIns="91440" tIns="45720" rIns="91440" bIns="45720" numCol="1" spcCol="0" rtlCol="0" fromWordArt="0" anchor="ctr" anchorCtr="0" forceAA="0" compatLnSpc="1">
+            <a:prstTxWarp prst="textNoShape">
+              <a:avLst/>
+            </a:prstTxWarp>
+            <a:noAutofit/>
+          </a:bodyPr>
+          <a:lstStyle/>
+          <a:p>
+            <a:pPr algn="ctr"/>
+            <a:r>
+              <a:rPr lang="hu-HU" sz="2400" dirty="0" smtClean="0">
+                <a:solidFill>
+                  <a:schemeClr val="tx2"/>
+                </a:solidFill>
+              </a:rPr>
+              <a:t>Hivatkozás a </a:t>
+            </a:r>
+            <a:r>
+              <a:rPr lang="hu-HU" sz="2400" dirty="0" err="1" smtClean="0">
+                <a:solidFill>
+                  <a:schemeClr val="tx2"/>
+                </a:solidFill>
+              </a:rPr>
+              <a:t>taskokra</a:t>
+            </a:r>
+            <a:endParaRPr lang="hu-HU" sz="2400" dirty="0">
+              <a:solidFill>
+                <a:schemeClr val="tx2"/>
+              </a:solidFill>
+            </a:endParaRPr>
+          </a:p>
+        </p:txBody>
+      </p:sp>
+      <p:sp>
+        <p:nvSpPr>
+          <p:cNvPr id="11" name="Rectangular Callout 10"/>
+          <p:cNvSpPr/>
+          <p:nvPr/>
+        </p:nvSpPr>
+        <p:spPr>
+          <a:xfrm>
+            <a:off x="5231957" y="5391808"/>
+            <a:ext cx="3029173" cy="898635"/>
+          </a:xfrm>
+          <a:prstGeom prst="wedgeRectCallout">
+            <a:avLst>
+              <a:gd name="adj1" fmla="val -59941"/>
+              <a:gd name="adj2" fmla="val -58552"/>
+            </a:avLst>
+          </a:prstGeom>
+          <a:solidFill>
+            <a:schemeClr val="bg2"/>
+          </a:solidFill>
+          <a:ln w="38100">
+            <a:solidFill>
+              <a:schemeClr val="accent1"/>
+            </a:solidFill>
+          </a:ln>
+          <a:effectLst>
+            <a:outerShdw blurRad="50800" dist="38100" dir="5400000" algn="t" rotWithShape="0">
+              <a:prstClr val="black">
+                <a:alpha val="40000"/>
+              </a:prstClr>
+            </a:outerShdw>
+          </a:effectLst>
+        </p:spPr>
+        <p:style>
+          <a:lnRef idx="2">
+            <a:schemeClr val="accent4">
+              <a:shade val="50000"/>
+            </a:schemeClr>
+          </a:lnRef>
+          <a:fillRef idx="1">
+            <a:schemeClr val="accent4"/>
+          </a:fillRef>
+          <a:effectRef idx="0">
+            <a:schemeClr val="accent4"/>
+          </a:effectRef>
+          <a:fontRef idx="minor">
+            <a:schemeClr val="lt1"/>
+          </a:fontRef>
+        </p:style>
+        <p:txBody>
+          <a:bodyPr rot="0" spcFirstLastPara="0" vertOverflow="overflow" horzOverflow="overflow" vert="horz" wrap="square" lIns="91440" tIns="45720" rIns="91440" bIns="45720" numCol="1" spcCol="0" rtlCol="0" fromWordArt="0" anchor="ctr" anchorCtr="0" forceAA="0" compatLnSpc="1">
+            <a:prstTxWarp prst="textNoShape">
+              <a:avLst/>
+            </a:prstTxWarp>
+            <a:noAutofit/>
+          </a:bodyPr>
+          <a:lstStyle/>
+          <a:p>
+            <a:pPr algn="ctr"/>
+            <a:r>
+              <a:rPr lang="hu-HU" sz="2400" dirty="0" smtClean="0">
+                <a:solidFill>
+                  <a:schemeClr val="tx2"/>
+                </a:solidFill>
+              </a:rPr>
+              <a:t>Képességek a strukturális példányból</a:t>
+            </a:r>
+            <a:endParaRPr lang="hu-HU" sz="2400" dirty="0">
+              <a:solidFill>
+                <a:schemeClr val="tx2"/>
+              </a:solidFill>
+            </a:endParaRPr>
           </a:p>
         </p:txBody>
       </p:sp>
@@ -9229,20 +10668,229 @@
   <p:clrMapOvr>
     <a:masterClrMapping/>
   </p:clrMapOvr>
-  <mc:AlternateContent xmlns:mc="http://schemas.openxmlformats.org/markup-compatibility/2006">
-    <mc:Choice xmlns:p14="http://schemas.microsoft.com/office/powerpoint/2010/main" Requires="p14">
+  <mc:AlternateContent xmlns:mc="http://schemas.openxmlformats.org/markup-compatibility/2006" xmlns:p14="http://schemas.microsoft.com/office/powerpoint/2010/main">
+    <mc:Choice Requires="p14">
       <p:transition p14:dur="0" advClick="0"/>
     </mc:Choice>
-    <mc:Fallback>
+    <mc:Fallback xmlns="">
       <p:transition advClick="0"/>
     </mc:Fallback>
   </mc:AlternateContent>
   <p:timing>
     <p:tnLst>
       <p:par>
-        <p:cTn id="1" dur="indefinite" restart="never" nodeType="tmRoot"/>
+        <p:cTn id="1" dur="indefinite" restart="never" nodeType="tmRoot">
+          <p:childTnLst>
+            <p:seq concurrent="1" nextAc="seek">
+              <p:cTn id="2" dur="indefinite" nodeType="mainSeq">
+                <p:childTnLst>
+                  <p:par>
+                    <p:cTn id="3" fill="hold">
+                      <p:stCondLst>
+                        <p:cond delay="indefinite"/>
+                      </p:stCondLst>
+                      <p:childTnLst>
+                        <p:par>
+                          <p:cTn id="4" fill="hold">
+                            <p:stCondLst>
+                              <p:cond delay="0"/>
+                            </p:stCondLst>
+                            <p:childTnLst>
+                              <p:par>
+                                <p:cTn id="5" presetID="1" presetClass="entr" presetSubtype="0" fill="hold" grpId="0" nodeType="clickEffect">
+                                  <p:stCondLst>
+                                    <p:cond delay="0"/>
+                                  </p:stCondLst>
+                                  <p:childTnLst>
+                                    <p:set>
+                                      <p:cBhvr>
+                                        <p:cTn id="6" dur="1" fill="hold">
+                                          <p:stCondLst>
+                                            <p:cond delay="0"/>
+                                          </p:stCondLst>
+                                        </p:cTn>
+                                        <p:tgtEl>
+                                          <p:spTgt spid="8"/>
+                                        </p:tgtEl>
+                                        <p:attrNameLst>
+                                          <p:attrName>style.visibility</p:attrName>
+                                        </p:attrNameLst>
+                                      </p:cBhvr>
+                                      <p:to>
+                                        <p:strVal val="visible"/>
+                                      </p:to>
+                                    </p:set>
+                                  </p:childTnLst>
+                                </p:cTn>
+                              </p:par>
+                            </p:childTnLst>
+                          </p:cTn>
+                        </p:par>
+                      </p:childTnLst>
+                    </p:cTn>
+                  </p:par>
+                  <p:par>
+                    <p:cTn id="7" fill="hold">
+                      <p:stCondLst>
+                        <p:cond delay="indefinite"/>
+                      </p:stCondLst>
+                      <p:childTnLst>
+                        <p:par>
+                          <p:cTn id="8" fill="hold">
+                            <p:stCondLst>
+                              <p:cond delay="0"/>
+                            </p:stCondLst>
+                            <p:childTnLst>
+                              <p:par>
+                                <p:cTn id="9" presetID="1" presetClass="entr" presetSubtype="0" fill="hold" grpId="0" nodeType="clickEffect">
+                                  <p:stCondLst>
+                                    <p:cond delay="0"/>
+                                  </p:stCondLst>
+                                  <p:childTnLst>
+                                    <p:set>
+                                      <p:cBhvr>
+                                        <p:cTn id="10" dur="1" fill="hold">
+                                          <p:stCondLst>
+                                            <p:cond delay="0"/>
+                                          </p:stCondLst>
+                                        </p:cTn>
+                                        <p:tgtEl>
+                                          <p:spTgt spid="9"/>
+                                        </p:tgtEl>
+                                        <p:attrNameLst>
+                                          <p:attrName>style.visibility</p:attrName>
+                                        </p:attrNameLst>
+                                      </p:cBhvr>
+                                      <p:to>
+                                        <p:strVal val="visible"/>
+                                      </p:to>
+                                    </p:set>
+                                  </p:childTnLst>
+                                </p:cTn>
+                              </p:par>
+                            </p:childTnLst>
+                          </p:cTn>
+                        </p:par>
+                      </p:childTnLst>
+                    </p:cTn>
+                  </p:par>
+                  <p:par>
+                    <p:cTn id="11" fill="hold">
+                      <p:stCondLst>
+                        <p:cond delay="indefinite"/>
+                      </p:stCondLst>
+                      <p:childTnLst>
+                        <p:par>
+                          <p:cTn id="12" fill="hold">
+                            <p:stCondLst>
+                              <p:cond delay="0"/>
+                            </p:stCondLst>
+                            <p:childTnLst>
+                              <p:par>
+                                <p:cTn id="13" presetID="1" presetClass="entr" presetSubtype="0" fill="hold" grpId="0" nodeType="clickEffect">
+                                  <p:stCondLst>
+                                    <p:cond delay="0"/>
+                                  </p:stCondLst>
+                                  <p:childTnLst>
+                                    <p:set>
+                                      <p:cBhvr>
+                                        <p:cTn id="14" dur="1" fill="hold">
+                                          <p:stCondLst>
+                                            <p:cond delay="0"/>
+                                          </p:stCondLst>
+                                        </p:cTn>
+                                        <p:tgtEl>
+                                          <p:spTgt spid="10"/>
+                                        </p:tgtEl>
+                                        <p:attrNameLst>
+                                          <p:attrName>style.visibility</p:attrName>
+                                        </p:attrNameLst>
+                                      </p:cBhvr>
+                                      <p:to>
+                                        <p:strVal val="visible"/>
+                                      </p:to>
+                                    </p:set>
+                                  </p:childTnLst>
+                                </p:cTn>
+                              </p:par>
+                            </p:childTnLst>
+                          </p:cTn>
+                        </p:par>
+                      </p:childTnLst>
+                    </p:cTn>
+                  </p:par>
+                  <p:par>
+                    <p:cTn id="15" fill="hold">
+                      <p:stCondLst>
+                        <p:cond delay="indefinite"/>
+                      </p:stCondLst>
+                      <p:childTnLst>
+                        <p:par>
+                          <p:cTn id="16" fill="hold">
+                            <p:stCondLst>
+                              <p:cond delay="0"/>
+                            </p:stCondLst>
+                            <p:childTnLst>
+                              <p:par>
+                                <p:cTn id="17" presetID="1" presetClass="entr" presetSubtype="0" fill="hold" grpId="0" nodeType="clickEffect">
+                                  <p:stCondLst>
+                                    <p:cond delay="0"/>
+                                  </p:stCondLst>
+                                  <p:childTnLst>
+                                    <p:set>
+                                      <p:cBhvr>
+                                        <p:cTn id="18" dur="1" fill="hold">
+                                          <p:stCondLst>
+                                            <p:cond delay="0"/>
+                                          </p:stCondLst>
+                                        </p:cTn>
+                                        <p:tgtEl>
+                                          <p:spTgt spid="11"/>
+                                        </p:tgtEl>
+                                        <p:attrNameLst>
+                                          <p:attrName>style.visibility</p:attrName>
+                                        </p:attrNameLst>
+                                      </p:cBhvr>
+                                      <p:to>
+                                        <p:strVal val="visible"/>
+                                      </p:to>
+                                    </p:set>
+                                  </p:childTnLst>
+                                </p:cTn>
+                              </p:par>
+                            </p:childTnLst>
+                          </p:cTn>
+                        </p:par>
+                      </p:childTnLst>
+                    </p:cTn>
+                  </p:par>
+                </p:childTnLst>
+              </p:cTn>
+              <p:prevCondLst>
+                <p:cond evt="onPrev" delay="0">
+                  <p:tgtEl>
+                    <p:sldTgt/>
+                  </p:tgtEl>
+                </p:cond>
+              </p:prevCondLst>
+              <p:nextCondLst>
+                <p:cond evt="onNext" delay="0">
+                  <p:tgtEl>
+                    <p:sldTgt/>
+                  </p:tgtEl>
+                </p:cond>
+              </p:nextCondLst>
+            </p:seq>
+          </p:childTnLst>
+        </p:cTn>
       </p:par>
     </p:tnLst>
+    <p:bldLst>
+      <p:bldP spid="8" grpId="0" animBg="1"/>
+      <p:bldP spid="9" grpId="0" animBg="1"/>
+      <p:bldP spid="10" grpId="0" animBg="1"/>
+      <p:bldP spid="11" grpId="0" animBg="1"/>
+    </p:bldLst>
   </p:timing>
 </p:sld>
 </file>
@@ -9266,6 +10914,2321 @@
       </p:grpSpPr>
       <p:sp>
         <p:nvSpPr>
+          <p:cNvPr id="2" name="Title 1"/>
+          <p:cNvSpPr>
+            <a:spLocks noGrp="1"/>
+          </p:cNvSpPr>
+          <p:nvPr>
+            <p:ph type="title"/>
+          </p:nvPr>
+        </p:nvSpPr>
+        <p:spPr/>
+        <p:txBody>
+          <a:bodyPr/>
+          <a:lstStyle/>
+          <a:p>
+            <a:r>
+              <a:rPr lang="hu-HU" dirty="0" smtClean="0"/>
+              <a:t>Nyelvtan - deklarálás</a:t>
+            </a:r>
+            <a:endParaRPr lang="hu-HU" dirty="0"/>
+          </a:p>
+        </p:txBody>
+      </p:sp>
+      <p:sp>
+        <p:nvSpPr>
+          <p:cNvPr id="4" name="Slide Number Placeholder 3"/>
+          <p:cNvSpPr>
+            <a:spLocks noGrp="1"/>
+          </p:cNvSpPr>
+          <p:nvPr>
+            <p:ph type="sldNum" sz="quarter" idx="10"/>
+          </p:nvPr>
+        </p:nvSpPr>
+        <p:spPr/>
+        <p:txBody>
+          <a:bodyPr/>
+          <a:lstStyle/>
+          <a:p>
+            <a:fld id="{A7C85712-A09B-4560-9D1E-08050AA835BB}" type="slidenum">
+              <a:rPr lang="hu-HU" smtClean="0"/>
+              <a:pPr/>
+              <a:t>4</a:t>
+            </a:fld>
+            <a:endParaRPr lang="hu-HU" dirty="0"/>
+          </a:p>
+        </p:txBody>
+      </p:sp>
+      <p:pic>
+        <p:nvPicPr>
+          <p:cNvPr id="7" name="Picture 6"/>
+          <p:cNvPicPr>
+            <a:picLocks noChangeAspect="1"/>
+          </p:cNvPicPr>
+          <p:nvPr/>
+        </p:nvPicPr>
+        <p:blipFill>
+          <a:blip r:embed="rId3"/>
+          <a:stretch>
+            <a:fillRect/>
+          </a:stretch>
+        </p:blipFill>
+        <p:spPr>
+          <a:xfrm>
+            <a:off x="-83757" y="783789"/>
+            <a:ext cx="7433983" cy="5506654"/>
+          </a:xfrm>
+          <a:prstGeom prst="rect">
+            <a:avLst/>
+          </a:prstGeom>
+        </p:spPr>
+      </p:pic>
+      <p:pic>
+        <p:nvPicPr>
+          <p:cNvPr id="3" name="Picture 2"/>
+          <p:cNvPicPr>
+            <a:picLocks noChangeAspect="1"/>
+          </p:cNvPicPr>
+          <p:nvPr/>
+        </p:nvPicPr>
+        <p:blipFill>
+          <a:blip r:embed="rId4"/>
+          <a:stretch>
+            <a:fillRect/>
+          </a:stretch>
+        </p:blipFill>
+        <p:spPr>
+          <a:xfrm>
+            <a:off x="3633235" y="783789"/>
+            <a:ext cx="5510766" cy="3246543"/>
+          </a:xfrm>
+          <a:prstGeom prst="rect">
+            <a:avLst/>
+          </a:prstGeom>
+          <a:ln>
+            <a:solidFill>
+              <a:schemeClr val="tx1">
+                <a:lumMod val="95000"/>
+                <a:lumOff val="5000"/>
+              </a:schemeClr>
+            </a:solidFill>
+          </a:ln>
+        </p:spPr>
+      </p:pic>
+      <p:sp>
+        <p:nvSpPr>
+          <p:cNvPr id="12" name="Rectangular Callout 11"/>
+          <p:cNvSpPr/>
+          <p:nvPr/>
+        </p:nvSpPr>
+        <p:spPr>
+          <a:xfrm>
+            <a:off x="5835639" y="4093396"/>
+            <a:ext cx="3029173" cy="898635"/>
+          </a:xfrm>
+          <a:prstGeom prst="wedgeRectCallout">
+            <a:avLst>
+              <a:gd name="adj1" fmla="val -59941"/>
+              <a:gd name="adj2" fmla="val -58552"/>
+            </a:avLst>
+          </a:prstGeom>
+          <a:solidFill>
+            <a:schemeClr val="bg2"/>
+          </a:solidFill>
+          <a:ln w="38100">
+            <a:solidFill>
+              <a:schemeClr val="accent1"/>
+            </a:solidFill>
+          </a:ln>
+          <a:effectLst>
+            <a:outerShdw blurRad="50800" dist="38100" dir="5400000" algn="t" rotWithShape="0">
+              <a:prstClr val="black">
+                <a:alpha val="40000"/>
+              </a:prstClr>
+            </a:outerShdw>
+          </a:effectLst>
+        </p:spPr>
+        <p:style>
+          <a:lnRef idx="2">
+            <a:schemeClr val="accent4">
+              <a:shade val="50000"/>
+            </a:schemeClr>
+          </a:lnRef>
+          <a:fillRef idx="1">
+            <a:schemeClr val="accent4"/>
+          </a:fillRef>
+          <a:effectRef idx="0">
+            <a:schemeClr val="accent4"/>
+          </a:effectRef>
+          <a:fontRef idx="minor">
+            <a:schemeClr val="lt1"/>
+          </a:fontRef>
+        </p:style>
+        <p:txBody>
+          <a:bodyPr rot="0" spcFirstLastPara="0" vertOverflow="overflow" horzOverflow="overflow" vert="horz" wrap="square" lIns="91440" tIns="45720" rIns="91440" bIns="45720" numCol="1" spcCol="0" rtlCol="0" fromWordArt="0" anchor="ctr" anchorCtr="0" forceAA="0" compatLnSpc="1">
+            <a:prstTxWarp prst="textNoShape">
+              <a:avLst/>
+            </a:prstTxWarp>
+            <a:noAutofit/>
+          </a:bodyPr>
+          <a:lstStyle/>
+          <a:p>
+            <a:pPr algn="ctr"/>
+            <a:r>
+              <a:rPr lang="hu-HU" sz="2400" dirty="0" smtClean="0">
+                <a:solidFill>
+                  <a:schemeClr val="tx2"/>
+                </a:solidFill>
+              </a:rPr>
+              <a:t>Generált példány</a:t>
+            </a:r>
+            <a:endParaRPr lang="hu-HU" sz="2400" dirty="0">
+              <a:solidFill>
+                <a:schemeClr val="tx2"/>
+              </a:solidFill>
+            </a:endParaRPr>
+          </a:p>
+        </p:txBody>
+      </p:sp>
+    </p:spTree>
+    <p:extLst>
+      <p:ext uri="{BB962C8B-B14F-4D97-AF65-F5344CB8AC3E}">
+        <p14:creationId xmlns:p14="http://schemas.microsoft.com/office/powerpoint/2010/main" val="2629959957"/>
+      </p:ext>
+    </p:extLst>
+  </p:cSld>
+  <p:clrMapOvr>
+    <a:masterClrMapping/>
+  </p:clrMapOvr>
+  <mc:AlternateContent xmlns:mc="http://schemas.openxmlformats.org/markup-compatibility/2006" xmlns:p14="http://schemas.microsoft.com/office/powerpoint/2010/main">
+    <mc:Choice Requires="p14">
+      <p:transition p14:dur="0" advClick="0"/>
+    </mc:Choice>
+    <mc:Fallback xmlns="">
+      <p:transition advClick="0"/>
+    </mc:Fallback>
+  </mc:AlternateContent>
+  <p:timing>
+    <p:tnLst>
+      <p:par>
+        <p:cTn id="1" dur="indefinite" restart="never" nodeType="tmRoot">
+          <p:childTnLst>
+            <p:seq concurrent="1" nextAc="seek">
+              <p:cTn id="2" dur="indefinite" nodeType="mainSeq">
+                <p:childTnLst>
+                  <p:par>
+                    <p:cTn id="3" fill="hold">
+                      <p:stCondLst>
+                        <p:cond delay="indefinite"/>
+                      </p:stCondLst>
+                      <p:childTnLst>
+                        <p:par>
+                          <p:cTn id="4" fill="hold">
+                            <p:stCondLst>
+                              <p:cond delay="0"/>
+                            </p:stCondLst>
+                            <p:childTnLst>
+                              <p:par>
+                                <p:cTn id="5" presetID="1" presetClass="entr" presetSubtype="0" fill="hold" nodeType="clickEffect">
+                                  <p:stCondLst>
+                                    <p:cond delay="0"/>
+                                  </p:stCondLst>
+                                  <p:childTnLst>
+                                    <p:set>
+                                      <p:cBhvr>
+                                        <p:cTn id="6" dur="1" fill="hold">
+                                          <p:stCondLst>
+                                            <p:cond delay="0"/>
+                                          </p:stCondLst>
+                                        </p:cTn>
+                                        <p:tgtEl>
+                                          <p:spTgt spid="3"/>
+                                        </p:tgtEl>
+                                        <p:attrNameLst>
+                                          <p:attrName>style.visibility</p:attrName>
+                                        </p:attrNameLst>
+                                      </p:cBhvr>
+                                      <p:to>
+                                        <p:strVal val="visible"/>
+                                      </p:to>
+                                    </p:set>
+                                  </p:childTnLst>
+                                </p:cTn>
+                              </p:par>
+                              <p:par>
+                                <p:cTn id="7" presetID="1" presetClass="entr" presetSubtype="0" fill="hold" grpId="0" nodeType="withEffect">
+                                  <p:stCondLst>
+                                    <p:cond delay="0"/>
+                                  </p:stCondLst>
+                                  <p:childTnLst>
+                                    <p:set>
+                                      <p:cBhvr>
+                                        <p:cTn id="8" dur="1" fill="hold">
+                                          <p:stCondLst>
+                                            <p:cond delay="0"/>
+                                          </p:stCondLst>
+                                        </p:cTn>
+                                        <p:tgtEl>
+                                          <p:spTgt spid="12"/>
+                                        </p:tgtEl>
+                                        <p:attrNameLst>
+                                          <p:attrName>style.visibility</p:attrName>
+                                        </p:attrNameLst>
+                                      </p:cBhvr>
+                                      <p:to>
+                                        <p:strVal val="visible"/>
+                                      </p:to>
+                                    </p:set>
+                                  </p:childTnLst>
+                                </p:cTn>
+                              </p:par>
+                            </p:childTnLst>
+                          </p:cTn>
+                        </p:par>
+                      </p:childTnLst>
+                    </p:cTn>
+                  </p:par>
+                </p:childTnLst>
+              </p:cTn>
+              <p:prevCondLst>
+                <p:cond evt="onPrev" delay="0">
+                  <p:tgtEl>
+                    <p:sldTgt/>
+                  </p:tgtEl>
+                </p:cond>
+              </p:prevCondLst>
+              <p:nextCondLst>
+                <p:cond evt="onNext" delay="0">
+                  <p:tgtEl>
+                    <p:sldTgt/>
+                  </p:tgtEl>
+                </p:cond>
+              </p:nextCondLst>
+            </p:seq>
+          </p:childTnLst>
+        </p:cTn>
+      </p:par>
+    </p:tnLst>
+    <p:bldLst>
+      <p:bldP spid="12" grpId="0" animBg="1"/>
+    </p:bldLst>
+  </p:timing>
+</p:sld>
+</file>
+
+<file path=ppt/slides/slide5.xml><?xml version="1.0" encoding="utf-8"?>
+<p:sld xmlns:a="http://schemas.openxmlformats.org/drawingml/2006/main" xmlns:r="http://schemas.openxmlformats.org/officeDocument/2006/relationships" xmlns:p="http://schemas.openxmlformats.org/presentationml/2006/main">
+  <p:cSld>
+    <p:spTree>
+      <p:nvGrpSpPr>
+        <p:cNvPr id="1" name=""/>
+        <p:cNvGrpSpPr/>
+        <p:nvPr/>
+      </p:nvGrpSpPr>
+      <p:grpSpPr>
+        <a:xfrm>
+          <a:off x="0" y="0"/>
+          <a:ext cx="0" cy="0"/>
+          <a:chOff x="0" y="0"/>
+          <a:chExt cx="0" cy="0"/>
+        </a:xfrm>
+      </p:grpSpPr>
+      <p:sp>
+        <p:nvSpPr>
+          <p:cNvPr id="2" name="Title 1"/>
+          <p:cNvSpPr>
+            <a:spLocks noGrp="1"/>
+          </p:cNvSpPr>
+          <p:nvPr>
+            <p:ph type="title"/>
+          </p:nvPr>
+        </p:nvSpPr>
+        <p:spPr/>
+        <p:txBody>
+          <a:bodyPr/>
+          <a:lstStyle/>
+          <a:p>
+            <a:r>
+              <a:rPr lang="hu-HU" dirty="0" smtClean="0"/>
+              <a:t>Nyelvtan - utasítások</a:t>
+            </a:r>
+            <a:endParaRPr lang="hu-HU" dirty="0"/>
+          </a:p>
+        </p:txBody>
+      </p:sp>
+      <p:sp>
+        <p:nvSpPr>
+          <p:cNvPr id="4" name="Slide Number Placeholder 3"/>
+          <p:cNvSpPr>
+            <a:spLocks noGrp="1"/>
+          </p:cNvSpPr>
+          <p:nvPr>
+            <p:ph type="sldNum" sz="quarter" idx="10"/>
+          </p:nvPr>
+        </p:nvSpPr>
+        <p:spPr/>
+        <p:txBody>
+          <a:bodyPr/>
+          <a:lstStyle/>
+          <a:p>
+            <a:fld id="{A7C85712-A09B-4560-9D1E-08050AA835BB}" type="slidenum">
+              <a:rPr lang="hu-HU" smtClean="0"/>
+              <a:pPr/>
+              <a:t>5</a:t>
+            </a:fld>
+            <a:endParaRPr lang="hu-HU" dirty="0"/>
+          </a:p>
+        </p:txBody>
+      </p:sp>
+      <p:pic>
+        <p:nvPicPr>
+          <p:cNvPr id="3" name="Picture 2"/>
+          <p:cNvPicPr>
+            <a:picLocks noChangeAspect="1"/>
+          </p:cNvPicPr>
+          <p:nvPr/>
+        </p:nvPicPr>
+        <p:blipFill>
+          <a:blip r:embed="rId3"/>
+          <a:stretch>
+            <a:fillRect/>
+          </a:stretch>
+        </p:blipFill>
+        <p:spPr>
+          <a:xfrm>
+            <a:off x="2480698" y="1992474"/>
+            <a:ext cx="4403328" cy="2842282"/>
+          </a:xfrm>
+          <a:prstGeom prst="rect">
+            <a:avLst/>
+          </a:prstGeom>
+        </p:spPr>
+      </p:pic>
+      <p:sp>
+        <p:nvSpPr>
+          <p:cNvPr id="10" name="Rectangular Callout 9"/>
+          <p:cNvSpPr/>
+          <p:nvPr/>
+        </p:nvSpPr>
+        <p:spPr>
+          <a:xfrm>
+            <a:off x="169479" y="967333"/>
+            <a:ext cx="3373821" cy="778531"/>
+          </a:xfrm>
+          <a:prstGeom prst="wedgeRectCallout">
+            <a:avLst>
+              <a:gd name="adj1" fmla="val 56375"/>
+              <a:gd name="adj2" fmla="val 76064"/>
+            </a:avLst>
+          </a:prstGeom>
+          <a:solidFill>
+            <a:schemeClr val="bg2"/>
+          </a:solidFill>
+          <a:ln w="38100">
+            <a:solidFill>
+              <a:schemeClr val="accent1"/>
+            </a:solidFill>
+          </a:ln>
+          <a:effectLst/>
+        </p:spPr>
+        <p:style>
+          <a:lnRef idx="2">
+            <a:schemeClr val="accent4">
+              <a:shade val="50000"/>
+            </a:schemeClr>
+          </a:lnRef>
+          <a:fillRef idx="1">
+            <a:schemeClr val="accent4"/>
+          </a:fillRef>
+          <a:effectRef idx="0">
+            <a:schemeClr val="accent4"/>
+          </a:effectRef>
+          <a:fontRef idx="minor">
+            <a:schemeClr val="lt1"/>
+          </a:fontRef>
+        </p:style>
+        <p:txBody>
+          <a:bodyPr rot="0" spcFirstLastPara="0" vertOverflow="overflow" horzOverflow="overflow" vert="horz" wrap="square" lIns="91440" tIns="45720" rIns="91440" bIns="45720" numCol="1" spcCol="0" rtlCol="0" fromWordArt="0" anchor="ctr" anchorCtr="0" forceAA="0" compatLnSpc="1">
+            <a:prstTxWarp prst="textNoShape">
+              <a:avLst/>
+            </a:prstTxWarp>
+            <a:noAutofit/>
+          </a:bodyPr>
+          <a:lstStyle/>
+          <a:p>
+            <a:pPr algn="ctr"/>
+            <a:r>
+              <a:rPr lang="hu-HU" sz="2400" dirty="0" err="1" smtClean="0">
+                <a:solidFill>
+                  <a:schemeClr val="tx2"/>
+                </a:solidFill>
+              </a:rPr>
+              <a:t>Know</a:t>
+            </a:r>
+            <a:r>
+              <a:rPr lang="hu-HU" sz="2400" dirty="0" smtClean="0">
+                <a:solidFill>
+                  <a:schemeClr val="tx2"/>
+                </a:solidFill>
+              </a:rPr>
+              <a:t> utasítás: ismeretség, kollaboráció;</a:t>
+            </a:r>
+          </a:p>
+        </p:txBody>
+      </p:sp>
+      <p:sp>
+        <p:nvSpPr>
+          <p:cNvPr id="11" name="Rectangular Callout 10"/>
+          <p:cNvSpPr/>
+          <p:nvPr/>
+        </p:nvSpPr>
+        <p:spPr>
+          <a:xfrm>
+            <a:off x="5600700" y="900550"/>
+            <a:ext cx="3373821" cy="898247"/>
+          </a:xfrm>
+          <a:prstGeom prst="wedgeRectCallout">
+            <a:avLst>
+              <a:gd name="adj1" fmla="val -66599"/>
+              <a:gd name="adj2" fmla="val 91263"/>
+            </a:avLst>
+          </a:prstGeom>
+          <a:solidFill>
+            <a:schemeClr val="bg2"/>
+          </a:solidFill>
+          <a:ln w="38100">
+            <a:solidFill>
+              <a:schemeClr val="accent1"/>
+            </a:solidFill>
+          </a:ln>
+          <a:effectLst/>
+        </p:spPr>
+        <p:style>
+          <a:lnRef idx="2">
+            <a:schemeClr val="accent4">
+              <a:shade val="50000"/>
+            </a:schemeClr>
+          </a:lnRef>
+          <a:fillRef idx="1">
+            <a:schemeClr val="accent4"/>
+          </a:fillRef>
+          <a:effectRef idx="0">
+            <a:schemeClr val="accent4"/>
+          </a:effectRef>
+          <a:fontRef idx="minor">
+            <a:schemeClr val="lt1"/>
+          </a:fontRef>
+        </p:style>
+        <p:txBody>
+          <a:bodyPr rot="0" spcFirstLastPara="0" vertOverflow="overflow" horzOverflow="overflow" vert="horz" wrap="square" lIns="91440" tIns="45720" rIns="91440" bIns="45720" numCol="1" spcCol="0" rtlCol="0" fromWordArt="0" anchor="ctr" anchorCtr="0" forceAA="0" compatLnSpc="1">
+            <a:prstTxWarp prst="textNoShape">
+              <a:avLst/>
+            </a:prstTxWarp>
+            <a:noAutofit/>
+          </a:bodyPr>
+          <a:lstStyle/>
+          <a:p>
+            <a:pPr algn="ctr"/>
+            <a:r>
+              <a:rPr lang="hu-HU" sz="2400" dirty="0" err="1">
+                <a:solidFill>
+                  <a:schemeClr val="tx2"/>
+                </a:solidFill>
+              </a:rPr>
+              <a:t>Exec</a:t>
+            </a:r>
+            <a:r>
+              <a:rPr lang="hu-HU" sz="2400" dirty="0">
+                <a:solidFill>
+                  <a:schemeClr val="tx2"/>
+                </a:solidFill>
+              </a:rPr>
+              <a:t>: </a:t>
+            </a:r>
+            <a:r>
+              <a:rPr lang="hu-HU" sz="2400" dirty="0" err="1" smtClean="0">
+                <a:solidFill>
+                  <a:schemeClr val="tx2"/>
+                </a:solidFill>
+              </a:rPr>
+              <a:t>task</a:t>
+            </a:r>
+            <a:r>
+              <a:rPr lang="hu-HU" sz="2400" dirty="0" smtClean="0">
+                <a:solidFill>
+                  <a:schemeClr val="tx2"/>
+                </a:solidFill>
+              </a:rPr>
+              <a:t> végrehajtásra feliratkozás</a:t>
+            </a:r>
+            <a:endParaRPr lang="hu-HU" sz="2400" dirty="0">
+              <a:solidFill>
+                <a:schemeClr val="tx2"/>
+              </a:solidFill>
+            </a:endParaRPr>
+          </a:p>
+        </p:txBody>
+      </p:sp>
+      <p:sp>
+        <p:nvSpPr>
+          <p:cNvPr id="12" name="Rectangular Callout 11"/>
+          <p:cNvSpPr/>
+          <p:nvPr/>
+        </p:nvSpPr>
+        <p:spPr>
+          <a:xfrm>
+            <a:off x="169479" y="2239082"/>
+            <a:ext cx="2132288" cy="1189918"/>
+          </a:xfrm>
+          <a:prstGeom prst="wedgeRectCallout">
+            <a:avLst>
+              <a:gd name="adj1" fmla="val 65206"/>
+              <a:gd name="adj2" fmla="val 9303"/>
+            </a:avLst>
+          </a:prstGeom>
+          <a:solidFill>
+            <a:schemeClr val="bg2"/>
+          </a:solidFill>
+          <a:ln w="38100">
+            <a:solidFill>
+              <a:schemeClr val="accent1"/>
+            </a:solidFill>
+          </a:ln>
+          <a:effectLst/>
+        </p:spPr>
+        <p:style>
+          <a:lnRef idx="2">
+            <a:schemeClr val="accent4">
+              <a:shade val="50000"/>
+            </a:schemeClr>
+          </a:lnRef>
+          <a:fillRef idx="1">
+            <a:schemeClr val="accent4"/>
+          </a:fillRef>
+          <a:effectRef idx="0">
+            <a:schemeClr val="accent4"/>
+          </a:effectRef>
+          <a:fontRef idx="minor">
+            <a:schemeClr val="lt1"/>
+          </a:fontRef>
+        </p:style>
+        <p:txBody>
+          <a:bodyPr rot="0" spcFirstLastPara="0" vertOverflow="overflow" horzOverflow="overflow" vert="horz" wrap="square" lIns="91440" tIns="45720" rIns="91440" bIns="45720" numCol="1" spcCol="0" rtlCol="0" fromWordArt="0" anchor="ctr" anchorCtr="0" forceAA="0" compatLnSpc="1">
+            <a:prstTxWarp prst="textNoShape">
+              <a:avLst/>
+            </a:prstTxWarp>
+            <a:noAutofit/>
+          </a:bodyPr>
+          <a:lstStyle/>
+          <a:p>
+            <a:pPr algn="ctr"/>
+            <a:r>
+              <a:rPr lang="hu-HU" sz="2400" dirty="0" err="1" smtClean="0">
+                <a:solidFill>
+                  <a:schemeClr val="tx2"/>
+                </a:solidFill>
+              </a:rPr>
+              <a:t>Send</a:t>
+            </a:r>
+            <a:r>
+              <a:rPr lang="hu-HU" sz="2400" dirty="0" smtClean="0">
+                <a:solidFill>
+                  <a:schemeClr val="tx2"/>
+                </a:solidFill>
+              </a:rPr>
+              <a:t>: üzenet küldése</a:t>
+            </a:r>
+          </a:p>
+        </p:txBody>
+      </p:sp>
+      <p:sp>
+        <p:nvSpPr>
+          <p:cNvPr id="13" name="Rectangular Callout 12"/>
+          <p:cNvSpPr/>
+          <p:nvPr/>
+        </p:nvSpPr>
+        <p:spPr>
+          <a:xfrm>
+            <a:off x="6132786" y="2530753"/>
+            <a:ext cx="2585545" cy="898247"/>
+          </a:xfrm>
+          <a:prstGeom prst="wedgeRectCallout">
+            <a:avLst>
+              <a:gd name="adj1" fmla="val -98126"/>
+              <a:gd name="adj2" fmla="val 6382"/>
+            </a:avLst>
+          </a:prstGeom>
+          <a:solidFill>
+            <a:schemeClr val="bg2"/>
+          </a:solidFill>
+          <a:ln w="38100">
+            <a:solidFill>
+              <a:schemeClr val="accent1"/>
+            </a:solidFill>
+          </a:ln>
+          <a:effectLst/>
+        </p:spPr>
+        <p:style>
+          <a:lnRef idx="2">
+            <a:schemeClr val="accent4">
+              <a:shade val="50000"/>
+            </a:schemeClr>
+          </a:lnRef>
+          <a:fillRef idx="1">
+            <a:schemeClr val="accent4"/>
+          </a:fillRef>
+          <a:effectRef idx="0">
+            <a:schemeClr val="accent4"/>
+          </a:effectRef>
+          <a:fontRef idx="minor">
+            <a:schemeClr val="lt1"/>
+          </a:fontRef>
+        </p:style>
+        <p:txBody>
+          <a:bodyPr rot="0" spcFirstLastPara="0" vertOverflow="overflow" horzOverflow="overflow" vert="horz" wrap="square" lIns="91440" tIns="45720" rIns="91440" bIns="45720" numCol="1" spcCol="0" rtlCol="0" fromWordArt="0" anchor="ctr" anchorCtr="0" forceAA="0" compatLnSpc="1">
+            <a:prstTxWarp prst="textNoShape">
+              <a:avLst/>
+            </a:prstTxWarp>
+            <a:noAutofit/>
+          </a:bodyPr>
+          <a:lstStyle/>
+          <a:p>
+            <a:pPr algn="ctr"/>
+            <a:r>
+              <a:rPr lang="hu-HU" sz="2400" dirty="0" err="1" smtClean="0">
+                <a:solidFill>
+                  <a:schemeClr val="tx2"/>
+                </a:solidFill>
+              </a:rPr>
+              <a:t>Do</a:t>
+            </a:r>
+            <a:r>
+              <a:rPr lang="hu-HU" sz="2400" dirty="0" smtClean="0">
+                <a:solidFill>
+                  <a:schemeClr val="tx2"/>
+                </a:solidFill>
+              </a:rPr>
+              <a:t>: konkrét akció</a:t>
+            </a:r>
+            <a:endParaRPr lang="hu-HU" sz="2400" dirty="0">
+              <a:solidFill>
+                <a:schemeClr val="tx2"/>
+              </a:solidFill>
+            </a:endParaRPr>
+          </a:p>
+        </p:txBody>
+      </p:sp>
+      <p:sp>
+        <p:nvSpPr>
+          <p:cNvPr id="14" name="Rectangular Callout 13"/>
+          <p:cNvSpPr/>
+          <p:nvPr/>
+        </p:nvSpPr>
+        <p:spPr>
+          <a:xfrm>
+            <a:off x="6132786" y="3518155"/>
+            <a:ext cx="2585545" cy="898247"/>
+          </a:xfrm>
+          <a:prstGeom prst="wedgeRectCallout">
+            <a:avLst>
+              <a:gd name="adj1" fmla="val -74955"/>
+              <a:gd name="adj2" fmla="val -46174"/>
+            </a:avLst>
+          </a:prstGeom>
+          <a:solidFill>
+            <a:schemeClr val="bg2"/>
+          </a:solidFill>
+          <a:ln w="38100">
+            <a:solidFill>
+              <a:schemeClr val="accent1"/>
+            </a:solidFill>
+          </a:ln>
+          <a:effectLst/>
+        </p:spPr>
+        <p:style>
+          <a:lnRef idx="2">
+            <a:schemeClr val="accent4">
+              <a:shade val="50000"/>
+            </a:schemeClr>
+          </a:lnRef>
+          <a:fillRef idx="1">
+            <a:schemeClr val="accent4"/>
+          </a:fillRef>
+          <a:effectRef idx="0">
+            <a:schemeClr val="accent4"/>
+          </a:effectRef>
+          <a:fontRef idx="minor">
+            <a:schemeClr val="lt1"/>
+          </a:fontRef>
+        </p:style>
+        <p:txBody>
+          <a:bodyPr rot="0" spcFirstLastPara="0" vertOverflow="overflow" horzOverflow="overflow" vert="horz" wrap="square" lIns="91440" tIns="45720" rIns="91440" bIns="45720" numCol="1" spcCol="0" rtlCol="0" fromWordArt="0" anchor="ctr" anchorCtr="0" forceAA="0" compatLnSpc="1">
+            <a:prstTxWarp prst="textNoShape">
+              <a:avLst/>
+            </a:prstTxWarp>
+            <a:noAutofit/>
+          </a:bodyPr>
+          <a:lstStyle/>
+          <a:p>
+            <a:pPr algn="ctr"/>
+            <a:r>
+              <a:rPr lang="hu-HU" sz="2400" dirty="0" smtClean="0">
+                <a:solidFill>
+                  <a:schemeClr val="tx2"/>
+                </a:solidFill>
+              </a:rPr>
+              <a:t>-&gt; :utasítás szekvencia</a:t>
+            </a:r>
+            <a:endParaRPr lang="hu-HU" sz="2400" dirty="0">
+              <a:solidFill>
+                <a:schemeClr val="tx2"/>
+              </a:solidFill>
+            </a:endParaRPr>
+          </a:p>
+        </p:txBody>
+      </p:sp>
+    </p:spTree>
+    <p:extLst>
+      <p:ext uri="{BB962C8B-B14F-4D97-AF65-F5344CB8AC3E}">
+        <p14:creationId xmlns:p14="http://schemas.microsoft.com/office/powerpoint/2010/main" val="2880444048"/>
+      </p:ext>
+    </p:extLst>
+  </p:cSld>
+  <p:clrMapOvr>
+    <a:masterClrMapping/>
+  </p:clrMapOvr>
+  <mc:AlternateContent xmlns:mc="http://schemas.openxmlformats.org/markup-compatibility/2006">
+    <mc:Choice xmlns:p14="http://schemas.microsoft.com/office/powerpoint/2010/main" Requires="p14">
+      <p:transition p14:dur="0" advClick="0"/>
+    </mc:Choice>
+    <mc:Fallback>
+      <p:transition advClick="0"/>
+    </mc:Fallback>
+  </mc:AlternateContent>
+  <p:timing>
+    <p:tnLst>
+      <p:par>
+        <p:cTn id="1" dur="indefinite" restart="never" nodeType="tmRoot">
+          <p:childTnLst>
+            <p:seq concurrent="1" nextAc="seek">
+              <p:cTn id="2" dur="indefinite" nodeType="mainSeq">
+                <p:childTnLst>
+                  <p:par>
+                    <p:cTn id="3" fill="hold">
+                      <p:stCondLst>
+                        <p:cond delay="indefinite"/>
+                      </p:stCondLst>
+                      <p:childTnLst>
+                        <p:par>
+                          <p:cTn id="4" fill="hold">
+                            <p:stCondLst>
+                              <p:cond delay="0"/>
+                            </p:stCondLst>
+                            <p:childTnLst>
+                              <p:par>
+                                <p:cTn id="5" presetID="1" presetClass="entr" presetSubtype="0" fill="hold" grpId="0" nodeType="clickEffect">
+                                  <p:stCondLst>
+                                    <p:cond delay="0"/>
+                                  </p:stCondLst>
+                                  <p:childTnLst>
+                                    <p:set>
+                                      <p:cBhvr>
+                                        <p:cTn id="6" dur="1" fill="hold">
+                                          <p:stCondLst>
+                                            <p:cond delay="0"/>
+                                          </p:stCondLst>
+                                        </p:cTn>
+                                        <p:tgtEl>
+                                          <p:spTgt spid="10"/>
+                                        </p:tgtEl>
+                                        <p:attrNameLst>
+                                          <p:attrName>style.visibility</p:attrName>
+                                        </p:attrNameLst>
+                                      </p:cBhvr>
+                                      <p:to>
+                                        <p:strVal val="visible"/>
+                                      </p:to>
+                                    </p:set>
+                                  </p:childTnLst>
+                                </p:cTn>
+                              </p:par>
+                            </p:childTnLst>
+                          </p:cTn>
+                        </p:par>
+                      </p:childTnLst>
+                    </p:cTn>
+                  </p:par>
+                  <p:par>
+                    <p:cTn id="7" fill="hold">
+                      <p:stCondLst>
+                        <p:cond delay="indefinite"/>
+                      </p:stCondLst>
+                      <p:childTnLst>
+                        <p:par>
+                          <p:cTn id="8" fill="hold">
+                            <p:stCondLst>
+                              <p:cond delay="0"/>
+                            </p:stCondLst>
+                            <p:childTnLst>
+                              <p:par>
+                                <p:cTn id="9" presetID="1" presetClass="entr" presetSubtype="0" fill="hold" grpId="0" nodeType="clickEffect">
+                                  <p:stCondLst>
+                                    <p:cond delay="0"/>
+                                  </p:stCondLst>
+                                  <p:childTnLst>
+                                    <p:set>
+                                      <p:cBhvr>
+                                        <p:cTn id="10" dur="1" fill="hold">
+                                          <p:stCondLst>
+                                            <p:cond delay="0"/>
+                                          </p:stCondLst>
+                                        </p:cTn>
+                                        <p:tgtEl>
+                                          <p:spTgt spid="11"/>
+                                        </p:tgtEl>
+                                        <p:attrNameLst>
+                                          <p:attrName>style.visibility</p:attrName>
+                                        </p:attrNameLst>
+                                      </p:cBhvr>
+                                      <p:to>
+                                        <p:strVal val="visible"/>
+                                      </p:to>
+                                    </p:set>
+                                  </p:childTnLst>
+                                </p:cTn>
+                              </p:par>
+                            </p:childTnLst>
+                          </p:cTn>
+                        </p:par>
+                      </p:childTnLst>
+                    </p:cTn>
+                  </p:par>
+                  <p:par>
+                    <p:cTn id="11" fill="hold">
+                      <p:stCondLst>
+                        <p:cond delay="indefinite"/>
+                      </p:stCondLst>
+                      <p:childTnLst>
+                        <p:par>
+                          <p:cTn id="12" fill="hold">
+                            <p:stCondLst>
+                              <p:cond delay="0"/>
+                            </p:stCondLst>
+                            <p:childTnLst>
+                              <p:par>
+                                <p:cTn id="13" presetID="1" presetClass="entr" presetSubtype="0" fill="hold" grpId="0" nodeType="clickEffect">
+                                  <p:stCondLst>
+                                    <p:cond delay="0"/>
+                                  </p:stCondLst>
+                                  <p:childTnLst>
+                                    <p:set>
+                                      <p:cBhvr>
+                                        <p:cTn id="14" dur="1" fill="hold">
+                                          <p:stCondLst>
+                                            <p:cond delay="0"/>
+                                          </p:stCondLst>
+                                        </p:cTn>
+                                        <p:tgtEl>
+                                          <p:spTgt spid="12"/>
+                                        </p:tgtEl>
+                                        <p:attrNameLst>
+                                          <p:attrName>style.visibility</p:attrName>
+                                        </p:attrNameLst>
+                                      </p:cBhvr>
+                                      <p:to>
+                                        <p:strVal val="visible"/>
+                                      </p:to>
+                                    </p:set>
+                                  </p:childTnLst>
+                                </p:cTn>
+                              </p:par>
+                            </p:childTnLst>
+                          </p:cTn>
+                        </p:par>
+                      </p:childTnLst>
+                    </p:cTn>
+                  </p:par>
+                  <p:par>
+                    <p:cTn id="15" fill="hold">
+                      <p:stCondLst>
+                        <p:cond delay="indefinite"/>
+                      </p:stCondLst>
+                      <p:childTnLst>
+                        <p:par>
+                          <p:cTn id="16" fill="hold">
+                            <p:stCondLst>
+                              <p:cond delay="0"/>
+                            </p:stCondLst>
+                            <p:childTnLst>
+                              <p:par>
+                                <p:cTn id="17" presetID="1" presetClass="entr" presetSubtype="0" fill="hold" grpId="0" nodeType="clickEffect">
+                                  <p:stCondLst>
+                                    <p:cond delay="0"/>
+                                  </p:stCondLst>
+                                  <p:childTnLst>
+                                    <p:set>
+                                      <p:cBhvr>
+                                        <p:cTn id="18" dur="1" fill="hold">
+                                          <p:stCondLst>
+                                            <p:cond delay="0"/>
+                                          </p:stCondLst>
+                                        </p:cTn>
+                                        <p:tgtEl>
+                                          <p:spTgt spid="13"/>
+                                        </p:tgtEl>
+                                        <p:attrNameLst>
+                                          <p:attrName>style.visibility</p:attrName>
+                                        </p:attrNameLst>
+                                      </p:cBhvr>
+                                      <p:to>
+                                        <p:strVal val="visible"/>
+                                      </p:to>
+                                    </p:set>
+                                  </p:childTnLst>
+                                </p:cTn>
+                              </p:par>
+                            </p:childTnLst>
+                          </p:cTn>
+                        </p:par>
+                      </p:childTnLst>
+                    </p:cTn>
+                  </p:par>
+                  <p:par>
+                    <p:cTn id="19" fill="hold">
+                      <p:stCondLst>
+                        <p:cond delay="indefinite"/>
+                      </p:stCondLst>
+                      <p:childTnLst>
+                        <p:par>
+                          <p:cTn id="20" fill="hold">
+                            <p:stCondLst>
+                              <p:cond delay="0"/>
+                            </p:stCondLst>
+                            <p:childTnLst>
+                              <p:par>
+                                <p:cTn id="21" presetID="1" presetClass="entr" presetSubtype="0" fill="hold" grpId="0" nodeType="clickEffect">
+                                  <p:stCondLst>
+                                    <p:cond delay="0"/>
+                                  </p:stCondLst>
+                                  <p:childTnLst>
+                                    <p:set>
+                                      <p:cBhvr>
+                                        <p:cTn id="22" dur="1" fill="hold">
+                                          <p:stCondLst>
+                                            <p:cond delay="0"/>
+                                          </p:stCondLst>
+                                        </p:cTn>
+                                        <p:tgtEl>
+                                          <p:spTgt spid="14"/>
+                                        </p:tgtEl>
+                                        <p:attrNameLst>
+                                          <p:attrName>style.visibility</p:attrName>
+                                        </p:attrNameLst>
+                                      </p:cBhvr>
+                                      <p:to>
+                                        <p:strVal val="visible"/>
+                                      </p:to>
+                                    </p:set>
+                                  </p:childTnLst>
+                                </p:cTn>
+                              </p:par>
+                            </p:childTnLst>
+                          </p:cTn>
+                        </p:par>
+                      </p:childTnLst>
+                    </p:cTn>
+                  </p:par>
+                </p:childTnLst>
+              </p:cTn>
+              <p:prevCondLst>
+                <p:cond evt="onPrev" delay="0">
+                  <p:tgtEl>
+                    <p:sldTgt/>
+                  </p:tgtEl>
+                </p:cond>
+              </p:prevCondLst>
+              <p:nextCondLst>
+                <p:cond evt="onNext" delay="0">
+                  <p:tgtEl>
+                    <p:sldTgt/>
+                  </p:tgtEl>
+                </p:cond>
+              </p:nextCondLst>
+            </p:seq>
+          </p:childTnLst>
+        </p:cTn>
+      </p:par>
+    </p:tnLst>
+    <p:bldLst>
+      <p:bldP spid="10" grpId="0" animBg="1"/>
+      <p:bldP spid="11" grpId="0" animBg="1"/>
+      <p:bldP spid="12" grpId="0" animBg="1"/>
+      <p:bldP spid="13" grpId="0" animBg="1"/>
+      <p:bldP spid="14" grpId="0" animBg="1"/>
+    </p:bldLst>
+  </p:timing>
+</p:sld>
+</file>
+
+<file path=ppt/slides/slide6.xml><?xml version="1.0" encoding="utf-8"?>
+<p:sld xmlns:a="http://schemas.openxmlformats.org/drawingml/2006/main" xmlns:r="http://schemas.openxmlformats.org/officeDocument/2006/relationships" xmlns:p="http://schemas.openxmlformats.org/presentationml/2006/main">
+  <p:cSld>
+    <p:spTree>
+      <p:nvGrpSpPr>
+        <p:cNvPr id="1" name=""/>
+        <p:cNvGrpSpPr/>
+        <p:nvPr/>
+      </p:nvGrpSpPr>
+      <p:grpSpPr>
+        <a:xfrm>
+          <a:off x="0" y="0"/>
+          <a:ext cx="0" cy="0"/>
+          <a:chOff x="0" y="0"/>
+          <a:chExt cx="0" cy="0"/>
+        </a:xfrm>
+      </p:grpSpPr>
+      <p:sp>
+        <p:nvSpPr>
+          <p:cNvPr id="2" name="Title 1"/>
+          <p:cNvSpPr>
+            <a:spLocks noGrp="1"/>
+          </p:cNvSpPr>
+          <p:nvPr>
+            <p:ph type="title"/>
+          </p:nvPr>
+        </p:nvSpPr>
+        <p:spPr/>
+        <p:txBody>
+          <a:bodyPr/>
+          <a:lstStyle/>
+          <a:p>
+            <a:r>
+              <a:rPr lang="hu-HU" dirty="0" smtClean="0"/>
+              <a:t>Nyelvtan</a:t>
+            </a:r>
+            <a:endParaRPr lang="hu-HU" dirty="0"/>
+          </a:p>
+        </p:txBody>
+      </p:sp>
+      <p:sp>
+        <p:nvSpPr>
+          <p:cNvPr id="4" name="Slide Number Placeholder 3"/>
+          <p:cNvSpPr>
+            <a:spLocks noGrp="1"/>
+          </p:cNvSpPr>
+          <p:nvPr>
+            <p:ph type="sldNum" sz="quarter" idx="10"/>
+          </p:nvPr>
+        </p:nvSpPr>
+        <p:spPr/>
+        <p:txBody>
+          <a:bodyPr/>
+          <a:lstStyle/>
+          <a:p>
+            <a:fld id="{A7C85712-A09B-4560-9D1E-08050AA835BB}" type="slidenum">
+              <a:rPr lang="hu-HU" smtClean="0"/>
+              <a:pPr/>
+              <a:t>6</a:t>
+            </a:fld>
+            <a:endParaRPr lang="hu-HU" dirty="0"/>
+          </a:p>
+        </p:txBody>
+      </p:sp>
+      <p:pic>
+        <p:nvPicPr>
+          <p:cNvPr id="3" name="Picture 2"/>
+          <p:cNvPicPr>
+            <a:picLocks noChangeAspect="1"/>
+          </p:cNvPicPr>
+          <p:nvPr/>
+        </p:nvPicPr>
+        <p:blipFill>
+          <a:blip r:embed="rId3"/>
+          <a:stretch>
+            <a:fillRect/>
+          </a:stretch>
+        </p:blipFill>
+        <p:spPr>
+          <a:xfrm>
+            <a:off x="0" y="894149"/>
+            <a:ext cx="4403328" cy="2842282"/>
+          </a:xfrm>
+          <a:prstGeom prst="rect">
+            <a:avLst/>
+          </a:prstGeom>
+        </p:spPr>
+      </p:pic>
+      <p:pic>
+        <p:nvPicPr>
+          <p:cNvPr id="5" name="Picture 4"/>
+          <p:cNvPicPr>
+            <a:picLocks noChangeAspect="1"/>
+          </p:cNvPicPr>
+          <p:nvPr/>
+        </p:nvPicPr>
+        <p:blipFill>
+          <a:blip r:embed="rId4"/>
+          <a:stretch>
+            <a:fillRect/>
+          </a:stretch>
+        </p:blipFill>
+        <p:spPr>
+          <a:xfrm>
+            <a:off x="4136206" y="894149"/>
+            <a:ext cx="5003855" cy="4797206"/>
+          </a:xfrm>
+          <a:prstGeom prst="rect">
+            <a:avLst/>
+          </a:prstGeom>
+          <a:ln>
+            <a:solidFill>
+              <a:schemeClr val="tx1">
+                <a:lumMod val="95000"/>
+                <a:lumOff val="5000"/>
+              </a:schemeClr>
+            </a:solidFill>
+          </a:ln>
+        </p:spPr>
+      </p:pic>
+      <p:sp>
+        <p:nvSpPr>
+          <p:cNvPr id="6" name="Rectangle 5"/>
+          <p:cNvSpPr/>
+          <p:nvPr/>
+        </p:nvSpPr>
+        <p:spPr>
+          <a:xfrm>
+            <a:off x="157655" y="864992"/>
+            <a:ext cx="2254469" cy="322926"/>
+          </a:xfrm>
+          <a:prstGeom prst="rect">
+            <a:avLst/>
+          </a:prstGeom>
+          <a:solidFill>
+            <a:schemeClr val="bg1">
+              <a:alpha val="0"/>
+            </a:schemeClr>
+          </a:solidFill>
+          <a:ln w="38100">
+            <a:solidFill>
+              <a:schemeClr val="accent1"/>
+            </a:solidFill>
+          </a:ln>
+          <a:effectLst/>
+        </p:spPr>
+        <p:style>
+          <a:lnRef idx="2">
+            <a:schemeClr val="accent4">
+              <a:shade val="50000"/>
+            </a:schemeClr>
+          </a:lnRef>
+          <a:fillRef idx="1">
+            <a:schemeClr val="accent4"/>
+          </a:fillRef>
+          <a:effectRef idx="0">
+            <a:schemeClr val="accent4"/>
+          </a:effectRef>
+          <a:fontRef idx="minor">
+            <a:schemeClr val="lt1"/>
+          </a:fontRef>
+        </p:style>
+        <p:txBody>
+          <a:bodyPr rot="0" spcFirstLastPara="0" vertOverflow="overflow" horzOverflow="overflow" vert="horz" wrap="square" lIns="91440" tIns="45720" rIns="91440" bIns="45720" numCol="1" spcCol="0" rtlCol="0" fromWordArt="0" anchor="ctr" anchorCtr="0" forceAA="0" compatLnSpc="1">
+            <a:prstTxWarp prst="textNoShape">
+              <a:avLst/>
+            </a:prstTxWarp>
+            <a:noAutofit/>
+          </a:bodyPr>
+          <a:lstStyle/>
+          <a:p>
+            <a:pPr algn="ctr"/>
+            <a:endParaRPr lang="hu-HU" sz="2400" dirty="0" err="1">
+              <a:solidFill>
+                <a:schemeClr val="tx2"/>
+              </a:solidFill>
+            </a:endParaRPr>
+          </a:p>
+        </p:txBody>
+      </p:sp>
+      <p:sp>
+        <p:nvSpPr>
+          <p:cNvPr id="8" name="Rectangle 7"/>
+          <p:cNvSpPr/>
+          <p:nvPr/>
+        </p:nvSpPr>
+        <p:spPr>
+          <a:xfrm>
+            <a:off x="4850524" y="1337602"/>
+            <a:ext cx="2254469" cy="322926"/>
+          </a:xfrm>
+          <a:prstGeom prst="rect">
+            <a:avLst/>
+          </a:prstGeom>
+          <a:solidFill>
+            <a:schemeClr val="bg1">
+              <a:alpha val="0"/>
+            </a:schemeClr>
+          </a:solidFill>
+          <a:ln w="38100">
+            <a:solidFill>
+              <a:schemeClr val="accent1"/>
+            </a:solidFill>
+          </a:ln>
+          <a:effectLst/>
+        </p:spPr>
+        <p:style>
+          <a:lnRef idx="2">
+            <a:schemeClr val="accent4">
+              <a:shade val="50000"/>
+            </a:schemeClr>
+          </a:lnRef>
+          <a:fillRef idx="1">
+            <a:schemeClr val="accent4"/>
+          </a:fillRef>
+          <a:effectRef idx="0">
+            <a:schemeClr val="accent4"/>
+          </a:effectRef>
+          <a:fontRef idx="minor">
+            <a:schemeClr val="lt1"/>
+          </a:fontRef>
+        </p:style>
+        <p:txBody>
+          <a:bodyPr rot="0" spcFirstLastPara="0" vertOverflow="overflow" horzOverflow="overflow" vert="horz" wrap="square" lIns="91440" tIns="45720" rIns="91440" bIns="45720" numCol="1" spcCol="0" rtlCol="0" fromWordArt="0" anchor="ctr" anchorCtr="0" forceAA="0" compatLnSpc="1">
+            <a:prstTxWarp prst="textNoShape">
+              <a:avLst/>
+            </a:prstTxWarp>
+            <a:noAutofit/>
+          </a:bodyPr>
+          <a:lstStyle/>
+          <a:p>
+            <a:pPr algn="ctr"/>
+            <a:endParaRPr lang="hu-HU" sz="2400" dirty="0" err="1">
+              <a:solidFill>
+                <a:schemeClr val="tx2"/>
+              </a:solidFill>
+            </a:endParaRPr>
+          </a:p>
+        </p:txBody>
+      </p:sp>
+      <p:sp>
+        <p:nvSpPr>
+          <p:cNvPr id="9" name="Rectangle 8"/>
+          <p:cNvSpPr/>
+          <p:nvPr/>
+        </p:nvSpPr>
+        <p:spPr>
+          <a:xfrm>
+            <a:off x="4850524" y="3514478"/>
+            <a:ext cx="2254469" cy="322926"/>
+          </a:xfrm>
+          <a:prstGeom prst="rect">
+            <a:avLst/>
+          </a:prstGeom>
+          <a:solidFill>
+            <a:schemeClr val="bg1">
+              <a:alpha val="0"/>
+            </a:schemeClr>
+          </a:solidFill>
+          <a:ln w="38100">
+            <a:solidFill>
+              <a:schemeClr val="accent1"/>
+            </a:solidFill>
+          </a:ln>
+          <a:effectLst/>
+        </p:spPr>
+        <p:style>
+          <a:lnRef idx="2">
+            <a:schemeClr val="accent4">
+              <a:shade val="50000"/>
+            </a:schemeClr>
+          </a:lnRef>
+          <a:fillRef idx="1">
+            <a:schemeClr val="accent4"/>
+          </a:fillRef>
+          <a:effectRef idx="0">
+            <a:schemeClr val="accent4"/>
+          </a:effectRef>
+          <a:fontRef idx="minor">
+            <a:schemeClr val="lt1"/>
+          </a:fontRef>
+        </p:style>
+        <p:txBody>
+          <a:bodyPr rot="0" spcFirstLastPara="0" vertOverflow="overflow" horzOverflow="overflow" vert="horz" wrap="square" lIns="91440" tIns="45720" rIns="91440" bIns="45720" numCol="1" spcCol="0" rtlCol="0" fromWordArt="0" anchor="ctr" anchorCtr="0" forceAA="0" compatLnSpc="1">
+            <a:prstTxWarp prst="textNoShape">
+              <a:avLst/>
+            </a:prstTxWarp>
+            <a:noAutofit/>
+          </a:bodyPr>
+          <a:lstStyle/>
+          <a:p>
+            <a:pPr algn="ctr"/>
+            <a:endParaRPr lang="hu-HU" sz="2400" dirty="0" err="1">
+              <a:solidFill>
+                <a:schemeClr val="tx2"/>
+              </a:solidFill>
+            </a:endParaRPr>
+          </a:p>
+        </p:txBody>
+      </p:sp>
+    </p:spTree>
+    <p:extLst>
+      <p:ext uri="{BB962C8B-B14F-4D97-AF65-F5344CB8AC3E}">
+        <p14:creationId xmlns:p14="http://schemas.microsoft.com/office/powerpoint/2010/main" val="239504490"/>
+      </p:ext>
+    </p:extLst>
+  </p:cSld>
+  <p:clrMapOvr>
+    <a:masterClrMapping/>
+  </p:clrMapOvr>
+  <mc:AlternateContent xmlns:mc="http://schemas.openxmlformats.org/markup-compatibility/2006" xmlns:p14="http://schemas.microsoft.com/office/powerpoint/2010/main">
+    <mc:Choice Requires="p14">
+      <p:transition p14:dur="0" advClick="0"/>
+    </mc:Choice>
+    <mc:Fallback xmlns="">
+      <p:transition advClick="0"/>
+    </mc:Fallback>
+  </mc:AlternateContent>
+  <p:timing>
+    <p:tnLst>
+      <p:par>
+        <p:cTn id="1" dur="indefinite" restart="never" nodeType="tmRoot">
+          <p:childTnLst>
+            <p:seq concurrent="1" nextAc="seek">
+              <p:cTn id="2" dur="indefinite" nodeType="mainSeq">
+                <p:childTnLst>
+                  <p:par>
+                    <p:cTn id="3" fill="hold">
+                      <p:stCondLst>
+                        <p:cond delay="indefinite"/>
+                      </p:stCondLst>
+                      <p:childTnLst>
+                        <p:par>
+                          <p:cTn id="4" fill="hold">
+                            <p:stCondLst>
+                              <p:cond delay="0"/>
+                            </p:stCondLst>
+                            <p:childTnLst>
+                              <p:par>
+                                <p:cTn id="5" presetID="1" presetClass="entr" presetSubtype="0" fill="hold" nodeType="clickEffect">
+                                  <p:stCondLst>
+                                    <p:cond delay="0"/>
+                                  </p:stCondLst>
+                                  <p:childTnLst>
+                                    <p:set>
+                                      <p:cBhvr>
+                                        <p:cTn id="6" dur="1" fill="hold">
+                                          <p:stCondLst>
+                                            <p:cond delay="0"/>
+                                          </p:stCondLst>
+                                        </p:cTn>
+                                        <p:tgtEl>
+                                          <p:spTgt spid="5"/>
+                                        </p:tgtEl>
+                                        <p:attrNameLst>
+                                          <p:attrName>style.visibility</p:attrName>
+                                        </p:attrNameLst>
+                                      </p:cBhvr>
+                                      <p:to>
+                                        <p:strVal val="visible"/>
+                                      </p:to>
+                                    </p:set>
+                                  </p:childTnLst>
+                                </p:cTn>
+                              </p:par>
+                            </p:childTnLst>
+                          </p:cTn>
+                        </p:par>
+                      </p:childTnLst>
+                    </p:cTn>
+                  </p:par>
+                  <p:par>
+                    <p:cTn id="7" fill="hold">
+                      <p:stCondLst>
+                        <p:cond delay="indefinite"/>
+                      </p:stCondLst>
+                      <p:childTnLst>
+                        <p:par>
+                          <p:cTn id="8" fill="hold">
+                            <p:stCondLst>
+                              <p:cond delay="0"/>
+                            </p:stCondLst>
+                            <p:childTnLst>
+                              <p:par>
+                                <p:cTn id="9" presetID="1" presetClass="entr" presetSubtype="0" fill="hold" grpId="0" nodeType="clickEffect">
+                                  <p:stCondLst>
+                                    <p:cond delay="0"/>
+                                  </p:stCondLst>
+                                  <p:childTnLst>
+                                    <p:set>
+                                      <p:cBhvr>
+                                        <p:cTn id="10" dur="1" fill="hold">
+                                          <p:stCondLst>
+                                            <p:cond delay="0"/>
+                                          </p:stCondLst>
+                                        </p:cTn>
+                                        <p:tgtEl>
+                                          <p:spTgt spid="8"/>
+                                        </p:tgtEl>
+                                        <p:attrNameLst>
+                                          <p:attrName>style.visibility</p:attrName>
+                                        </p:attrNameLst>
+                                      </p:cBhvr>
+                                      <p:to>
+                                        <p:strVal val="visible"/>
+                                      </p:to>
+                                    </p:set>
+                                  </p:childTnLst>
+                                </p:cTn>
+                              </p:par>
+                              <p:par>
+                                <p:cTn id="11" presetID="1" presetClass="entr" presetSubtype="0" fill="hold" grpId="0" nodeType="withEffect">
+                                  <p:stCondLst>
+                                    <p:cond delay="0"/>
+                                  </p:stCondLst>
+                                  <p:childTnLst>
+                                    <p:set>
+                                      <p:cBhvr>
+                                        <p:cTn id="12" dur="1" fill="hold">
+                                          <p:stCondLst>
+                                            <p:cond delay="0"/>
+                                          </p:stCondLst>
+                                        </p:cTn>
+                                        <p:tgtEl>
+                                          <p:spTgt spid="6"/>
+                                        </p:tgtEl>
+                                        <p:attrNameLst>
+                                          <p:attrName>style.visibility</p:attrName>
+                                        </p:attrNameLst>
+                                      </p:cBhvr>
+                                      <p:to>
+                                        <p:strVal val="visible"/>
+                                      </p:to>
+                                    </p:set>
+                                  </p:childTnLst>
+                                </p:cTn>
+                              </p:par>
+                              <p:par>
+                                <p:cTn id="13" presetID="1" presetClass="entr" presetSubtype="0" fill="hold" grpId="0" nodeType="withEffect">
+                                  <p:stCondLst>
+                                    <p:cond delay="0"/>
+                                  </p:stCondLst>
+                                  <p:childTnLst>
+                                    <p:set>
+                                      <p:cBhvr>
+                                        <p:cTn id="14" dur="1" fill="hold">
+                                          <p:stCondLst>
+                                            <p:cond delay="0"/>
+                                          </p:stCondLst>
+                                        </p:cTn>
+                                        <p:tgtEl>
+                                          <p:spTgt spid="9"/>
+                                        </p:tgtEl>
+                                        <p:attrNameLst>
+                                          <p:attrName>style.visibility</p:attrName>
+                                        </p:attrNameLst>
+                                      </p:cBhvr>
+                                      <p:to>
+                                        <p:strVal val="visible"/>
+                                      </p:to>
+                                    </p:set>
+                                  </p:childTnLst>
+                                </p:cTn>
+                              </p:par>
+                            </p:childTnLst>
+                          </p:cTn>
+                        </p:par>
+                      </p:childTnLst>
+                    </p:cTn>
+                  </p:par>
+                </p:childTnLst>
+              </p:cTn>
+              <p:prevCondLst>
+                <p:cond evt="onPrev" delay="0">
+                  <p:tgtEl>
+                    <p:sldTgt/>
+                  </p:tgtEl>
+                </p:cond>
+              </p:prevCondLst>
+              <p:nextCondLst>
+                <p:cond evt="onNext" delay="0">
+                  <p:tgtEl>
+                    <p:sldTgt/>
+                  </p:tgtEl>
+                </p:cond>
+              </p:nextCondLst>
+            </p:seq>
+          </p:childTnLst>
+        </p:cTn>
+      </p:par>
+    </p:tnLst>
+    <p:bldLst>
+      <p:bldP spid="6" grpId="0" animBg="1"/>
+      <p:bldP spid="8" grpId="0" animBg="1"/>
+      <p:bldP spid="9" grpId="0" animBg="1"/>
+    </p:bldLst>
+  </p:timing>
+</p:sld>
+</file>
+
+<file path=ppt/slides/slide7.xml><?xml version="1.0" encoding="utf-8"?>
+<p:sld xmlns:a="http://schemas.openxmlformats.org/drawingml/2006/main" xmlns:r="http://schemas.openxmlformats.org/officeDocument/2006/relationships" xmlns:p="http://schemas.openxmlformats.org/presentationml/2006/main">
+  <p:cSld>
+    <p:spTree>
+      <p:nvGrpSpPr>
+        <p:cNvPr id="1" name=""/>
+        <p:cNvGrpSpPr/>
+        <p:nvPr/>
+      </p:nvGrpSpPr>
+      <p:grpSpPr>
+        <a:xfrm>
+          <a:off x="0" y="0"/>
+          <a:ext cx="0" cy="0"/>
+          <a:chOff x="0" y="0"/>
+          <a:chExt cx="0" cy="0"/>
+        </a:xfrm>
+      </p:grpSpPr>
+      <p:sp>
+        <p:nvSpPr>
+          <p:cNvPr id="2" name="Title 1"/>
+          <p:cNvSpPr>
+            <a:spLocks noGrp="1"/>
+          </p:cNvSpPr>
+          <p:nvPr>
+            <p:ph type="title"/>
+          </p:nvPr>
+        </p:nvSpPr>
+        <p:spPr/>
+        <p:txBody>
+          <a:bodyPr/>
+          <a:lstStyle/>
+          <a:p>
+            <a:r>
+              <a:rPr lang="hu-HU" dirty="0" smtClean="0"/>
+              <a:t>Nyelvtan</a:t>
+            </a:r>
+            <a:endParaRPr lang="hu-HU" dirty="0"/>
+          </a:p>
+        </p:txBody>
+      </p:sp>
+      <p:sp>
+        <p:nvSpPr>
+          <p:cNvPr id="4" name="Slide Number Placeholder 3"/>
+          <p:cNvSpPr>
+            <a:spLocks noGrp="1"/>
+          </p:cNvSpPr>
+          <p:nvPr>
+            <p:ph type="sldNum" sz="quarter" idx="10"/>
+          </p:nvPr>
+        </p:nvSpPr>
+        <p:spPr/>
+        <p:txBody>
+          <a:bodyPr/>
+          <a:lstStyle/>
+          <a:p>
+            <a:fld id="{A7C85712-A09B-4560-9D1E-08050AA835BB}" type="slidenum">
+              <a:rPr lang="hu-HU" smtClean="0"/>
+              <a:pPr/>
+              <a:t>7</a:t>
+            </a:fld>
+            <a:endParaRPr lang="hu-HU" dirty="0"/>
+          </a:p>
+        </p:txBody>
+      </p:sp>
+      <p:pic>
+        <p:nvPicPr>
+          <p:cNvPr id="3" name="Picture 2"/>
+          <p:cNvPicPr>
+            <a:picLocks noChangeAspect="1"/>
+          </p:cNvPicPr>
+          <p:nvPr/>
+        </p:nvPicPr>
+        <p:blipFill>
+          <a:blip r:embed="rId3"/>
+          <a:stretch>
+            <a:fillRect/>
+          </a:stretch>
+        </p:blipFill>
+        <p:spPr>
+          <a:xfrm>
+            <a:off x="0" y="894149"/>
+            <a:ext cx="4403328" cy="2842282"/>
+          </a:xfrm>
+          <a:prstGeom prst="rect">
+            <a:avLst/>
+          </a:prstGeom>
+        </p:spPr>
+      </p:pic>
+      <p:pic>
+        <p:nvPicPr>
+          <p:cNvPr id="5" name="Picture 4"/>
+          <p:cNvPicPr>
+            <a:picLocks noChangeAspect="1"/>
+          </p:cNvPicPr>
+          <p:nvPr/>
+        </p:nvPicPr>
+        <p:blipFill>
+          <a:blip r:embed="rId4"/>
+          <a:stretch>
+            <a:fillRect/>
+          </a:stretch>
+        </p:blipFill>
+        <p:spPr>
+          <a:xfrm>
+            <a:off x="4136206" y="894149"/>
+            <a:ext cx="5003855" cy="4797206"/>
+          </a:xfrm>
+          <a:prstGeom prst="rect">
+            <a:avLst/>
+          </a:prstGeom>
+          <a:ln>
+            <a:solidFill>
+              <a:schemeClr val="tx1">
+                <a:lumMod val="95000"/>
+                <a:lumOff val="5000"/>
+              </a:schemeClr>
+            </a:solidFill>
+          </a:ln>
+        </p:spPr>
+      </p:pic>
+      <p:sp>
+        <p:nvSpPr>
+          <p:cNvPr id="10" name="Rectangle 9"/>
+          <p:cNvSpPr/>
+          <p:nvPr/>
+        </p:nvSpPr>
+        <p:spPr>
+          <a:xfrm>
+            <a:off x="157654" y="1842454"/>
+            <a:ext cx="2941146" cy="557846"/>
+          </a:xfrm>
+          <a:prstGeom prst="rect">
+            <a:avLst/>
+          </a:prstGeom>
+          <a:solidFill>
+            <a:schemeClr val="bg1">
+              <a:alpha val="0"/>
+            </a:schemeClr>
+          </a:solidFill>
+          <a:ln w="38100">
+            <a:solidFill>
+              <a:schemeClr val="accent1"/>
+            </a:solidFill>
+          </a:ln>
+          <a:effectLst/>
+        </p:spPr>
+        <p:style>
+          <a:lnRef idx="2">
+            <a:schemeClr val="accent4">
+              <a:shade val="50000"/>
+            </a:schemeClr>
+          </a:lnRef>
+          <a:fillRef idx="1">
+            <a:schemeClr val="accent4"/>
+          </a:fillRef>
+          <a:effectRef idx="0">
+            <a:schemeClr val="accent4"/>
+          </a:effectRef>
+          <a:fontRef idx="minor">
+            <a:schemeClr val="lt1"/>
+          </a:fontRef>
+        </p:style>
+        <p:txBody>
+          <a:bodyPr rot="0" spcFirstLastPara="0" vertOverflow="overflow" horzOverflow="overflow" vert="horz" wrap="square" lIns="91440" tIns="45720" rIns="91440" bIns="45720" numCol="1" spcCol="0" rtlCol="0" fromWordArt="0" anchor="ctr" anchorCtr="0" forceAA="0" compatLnSpc="1">
+            <a:prstTxWarp prst="textNoShape">
+              <a:avLst/>
+            </a:prstTxWarp>
+            <a:noAutofit/>
+          </a:bodyPr>
+          <a:lstStyle/>
+          <a:p>
+            <a:pPr algn="ctr"/>
+            <a:endParaRPr lang="hu-HU" sz="2400" dirty="0" err="1">
+              <a:solidFill>
+                <a:schemeClr val="tx2"/>
+              </a:solidFill>
+            </a:endParaRPr>
+          </a:p>
+        </p:txBody>
+      </p:sp>
+      <p:sp>
+        <p:nvSpPr>
+          <p:cNvPr id="11" name="Rectangle 10"/>
+          <p:cNvSpPr/>
+          <p:nvPr/>
+        </p:nvSpPr>
+        <p:spPr>
+          <a:xfrm>
+            <a:off x="4755055" y="2438868"/>
+            <a:ext cx="2254469" cy="786932"/>
+          </a:xfrm>
+          <a:prstGeom prst="rect">
+            <a:avLst/>
+          </a:prstGeom>
+          <a:solidFill>
+            <a:schemeClr val="bg1">
+              <a:alpha val="0"/>
+            </a:schemeClr>
+          </a:solidFill>
+          <a:ln w="38100">
+            <a:solidFill>
+              <a:schemeClr val="accent1"/>
+            </a:solidFill>
+          </a:ln>
+          <a:effectLst/>
+        </p:spPr>
+        <p:style>
+          <a:lnRef idx="2">
+            <a:schemeClr val="accent4">
+              <a:shade val="50000"/>
+            </a:schemeClr>
+          </a:lnRef>
+          <a:fillRef idx="1">
+            <a:schemeClr val="accent4"/>
+          </a:fillRef>
+          <a:effectRef idx="0">
+            <a:schemeClr val="accent4"/>
+          </a:effectRef>
+          <a:fontRef idx="minor">
+            <a:schemeClr val="lt1"/>
+          </a:fontRef>
+        </p:style>
+        <p:txBody>
+          <a:bodyPr rot="0" spcFirstLastPara="0" vertOverflow="overflow" horzOverflow="overflow" vert="horz" wrap="square" lIns="91440" tIns="45720" rIns="91440" bIns="45720" numCol="1" spcCol="0" rtlCol="0" fromWordArt="0" anchor="ctr" anchorCtr="0" forceAA="0" compatLnSpc="1">
+            <a:prstTxWarp prst="textNoShape">
+              <a:avLst/>
+            </a:prstTxWarp>
+            <a:noAutofit/>
+          </a:bodyPr>
+          <a:lstStyle/>
+          <a:p>
+            <a:pPr algn="ctr"/>
+            <a:endParaRPr lang="hu-HU" sz="2400" dirty="0" err="1">
+              <a:solidFill>
+                <a:schemeClr val="tx2"/>
+              </a:solidFill>
+            </a:endParaRPr>
+          </a:p>
+        </p:txBody>
+      </p:sp>
+    </p:spTree>
+    <p:extLst>
+      <p:ext uri="{BB962C8B-B14F-4D97-AF65-F5344CB8AC3E}">
+        <p14:creationId xmlns:p14="http://schemas.microsoft.com/office/powerpoint/2010/main" val="3914429961"/>
+      </p:ext>
+    </p:extLst>
+  </p:cSld>
+  <p:clrMapOvr>
+    <a:masterClrMapping/>
+  </p:clrMapOvr>
+  <mc:AlternateContent xmlns:mc="http://schemas.openxmlformats.org/markup-compatibility/2006">
+    <mc:Choice xmlns:p14="http://schemas.microsoft.com/office/powerpoint/2010/main" Requires="p14">
+      <p:transition p14:dur="0" advClick="0"/>
+    </mc:Choice>
+    <mc:Fallback>
+      <p:transition advClick="0"/>
+    </mc:Fallback>
+  </mc:AlternateContent>
+  <p:timing>
+    <p:tnLst>
+      <p:par>
+        <p:cTn id="1" dur="indefinite" restart="never" nodeType="tmRoot">
+          <p:childTnLst>
+            <p:seq concurrent="1" nextAc="seek">
+              <p:cTn id="2" dur="indefinite" nodeType="mainSeq">
+                <p:childTnLst>
+                  <p:par>
+                    <p:cTn id="3" fill="hold">
+                      <p:stCondLst>
+                        <p:cond delay="indefinite"/>
+                        <p:cond evt="onBegin" delay="0">
+                          <p:tn val="2"/>
+                        </p:cond>
+                      </p:stCondLst>
+                      <p:childTnLst>
+                        <p:par>
+                          <p:cTn id="4" fill="hold">
+                            <p:stCondLst>
+                              <p:cond delay="0"/>
+                            </p:stCondLst>
+                            <p:childTnLst>
+                              <p:par>
+                                <p:cTn id="5" presetID="1" presetClass="entr" presetSubtype="0" fill="hold" grpId="0" nodeType="withEffect">
+                                  <p:stCondLst>
+                                    <p:cond delay="0"/>
+                                  </p:stCondLst>
+                                  <p:childTnLst>
+                                    <p:set>
+                                      <p:cBhvr>
+                                        <p:cTn id="6" dur="1" fill="hold">
+                                          <p:stCondLst>
+                                            <p:cond delay="0"/>
+                                          </p:stCondLst>
+                                        </p:cTn>
+                                        <p:tgtEl>
+                                          <p:spTgt spid="10"/>
+                                        </p:tgtEl>
+                                        <p:attrNameLst>
+                                          <p:attrName>style.visibility</p:attrName>
+                                        </p:attrNameLst>
+                                      </p:cBhvr>
+                                      <p:to>
+                                        <p:strVal val="visible"/>
+                                      </p:to>
+                                    </p:set>
+                                  </p:childTnLst>
+                                </p:cTn>
+                              </p:par>
+                              <p:par>
+                                <p:cTn id="7" presetID="1" presetClass="entr" presetSubtype="0" fill="hold" grpId="0" nodeType="withEffect">
+                                  <p:stCondLst>
+                                    <p:cond delay="0"/>
+                                  </p:stCondLst>
+                                  <p:childTnLst>
+                                    <p:set>
+                                      <p:cBhvr>
+                                        <p:cTn id="8" dur="1" fill="hold">
+                                          <p:stCondLst>
+                                            <p:cond delay="0"/>
+                                          </p:stCondLst>
+                                        </p:cTn>
+                                        <p:tgtEl>
+                                          <p:spTgt spid="11"/>
+                                        </p:tgtEl>
+                                        <p:attrNameLst>
+                                          <p:attrName>style.visibility</p:attrName>
+                                        </p:attrNameLst>
+                                      </p:cBhvr>
+                                      <p:to>
+                                        <p:strVal val="visible"/>
+                                      </p:to>
+                                    </p:set>
+                                  </p:childTnLst>
+                                </p:cTn>
+                              </p:par>
+                            </p:childTnLst>
+                          </p:cTn>
+                        </p:par>
+                      </p:childTnLst>
+                    </p:cTn>
+                  </p:par>
+                </p:childTnLst>
+              </p:cTn>
+              <p:prevCondLst>
+                <p:cond evt="onPrev" delay="0">
+                  <p:tgtEl>
+                    <p:sldTgt/>
+                  </p:tgtEl>
+                </p:cond>
+              </p:prevCondLst>
+              <p:nextCondLst>
+                <p:cond evt="onNext" delay="0">
+                  <p:tgtEl>
+                    <p:sldTgt/>
+                  </p:tgtEl>
+                </p:cond>
+              </p:nextCondLst>
+            </p:seq>
+          </p:childTnLst>
+        </p:cTn>
+      </p:par>
+    </p:tnLst>
+    <p:bldLst>
+      <p:bldP spid="10" grpId="0" animBg="1"/>
+      <p:bldP spid="11" grpId="0" animBg="1"/>
+    </p:bldLst>
+  </p:timing>
+</p:sld>
+</file>
+
+<file path=ppt/slides/slide8.xml><?xml version="1.0" encoding="utf-8"?>
+<p:sld xmlns:a="http://schemas.openxmlformats.org/drawingml/2006/main" xmlns:r="http://schemas.openxmlformats.org/officeDocument/2006/relationships" xmlns:p="http://schemas.openxmlformats.org/presentationml/2006/main">
+  <p:cSld>
+    <p:spTree>
+      <p:nvGrpSpPr>
+        <p:cNvPr id="1" name=""/>
+        <p:cNvGrpSpPr/>
+        <p:nvPr/>
+      </p:nvGrpSpPr>
+      <p:grpSpPr>
+        <a:xfrm>
+          <a:off x="0" y="0"/>
+          <a:ext cx="0" cy="0"/>
+          <a:chOff x="0" y="0"/>
+          <a:chExt cx="0" cy="0"/>
+        </a:xfrm>
+      </p:grpSpPr>
+      <p:sp>
+        <p:nvSpPr>
+          <p:cNvPr id="2" name="Title 1"/>
+          <p:cNvSpPr>
+            <a:spLocks noGrp="1"/>
+          </p:cNvSpPr>
+          <p:nvPr>
+            <p:ph type="title"/>
+          </p:nvPr>
+        </p:nvSpPr>
+        <p:spPr/>
+        <p:txBody>
+          <a:bodyPr/>
+          <a:lstStyle/>
+          <a:p>
+            <a:r>
+              <a:rPr lang="hu-HU" dirty="0" smtClean="0"/>
+              <a:t>Nyelvtan</a:t>
+            </a:r>
+            <a:endParaRPr lang="hu-HU" dirty="0"/>
+          </a:p>
+        </p:txBody>
+      </p:sp>
+      <p:sp>
+        <p:nvSpPr>
+          <p:cNvPr id="4" name="Slide Number Placeholder 3"/>
+          <p:cNvSpPr>
+            <a:spLocks noGrp="1"/>
+          </p:cNvSpPr>
+          <p:nvPr>
+            <p:ph type="sldNum" sz="quarter" idx="10"/>
+          </p:nvPr>
+        </p:nvSpPr>
+        <p:spPr/>
+        <p:txBody>
+          <a:bodyPr/>
+          <a:lstStyle/>
+          <a:p>
+            <a:fld id="{A7C85712-A09B-4560-9D1E-08050AA835BB}" type="slidenum">
+              <a:rPr lang="hu-HU" smtClean="0"/>
+              <a:pPr/>
+              <a:t>8</a:t>
+            </a:fld>
+            <a:endParaRPr lang="hu-HU" dirty="0"/>
+          </a:p>
+        </p:txBody>
+      </p:sp>
+      <p:pic>
+        <p:nvPicPr>
+          <p:cNvPr id="3" name="Picture 2"/>
+          <p:cNvPicPr>
+            <a:picLocks noChangeAspect="1"/>
+          </p:cNvPicPr>
+          <p:nvPr/>
+        </p:nvPicPr>
+        <p:blipFill>
+          <a:blip r:embed="rId3"/>
+          <a:stretch>
+            <a:fillRect/>
+          </a:stretch>
+        </p:blipFill>
+        <p:spPr>
+          <a:xfrm>
+            <a:off x="0" y="894149"/>
+            <a:ext cx="4403328" cy="2842282"/>
+          </a:xfrm>
+          <a:prstGeom prst="rect">
+            <a:avLst/>
+          </a:prstGeom>
+        </p:spPr>
+      </p:pic>
+      <p:pic>
+        <p:nvPicPr>
+          <p:cNvPr id="5" name="Picture 4"/>
+          <p:cNvPicPr>
+            <a:picLocks noChangeAspect="1"/>
+          </p:cNvPicPr>
+          <p:nvPr/>
+        </p:nvPicPr>
+        <p:blipFill>
+          <a:blip r:embed="rId4"/>
+          <a:stretch>
+            <a:fillRect/>
+          </a:stretch>
+        </p:blipFill>
+        <p:spPr>
+          <a:xfrm>
+            <a:off x="4136206" y="894149"/>
+            <a:ext cx="5003855" cy="4797206"/>
+          </a:xfrm>
+          <a:prstGeom prst="rect">
+            <a:avLst/>
+          </a:prstGeom>
+          <a:ln>
+            <a:solidFill>
+              <a:schemeClr val="tx1">
+                <a:lumMod val="95000"/>
+                <a:lumOff val="5000"/>
+              </a:schemeClr>
+            </a:solidFill>
+          </a:ln>
+        </p:spPr>
+      </p:pic>
+      <p:sp>
+        <p:nvSpPr>
+          <p:cNvPr id="10" name="Rectangle 9"/>
+          <p:cNvSpPr/>
+          <p:nvPr/>
+        </p:nvSpPr>
+        <p:spPr>
+          <a:xfrm>
+            <a:off x="167472" y="1542211"/>
+            <a:ext cx="3134527" cy="413589"/>
+          </a:xfrm>
+          <a:prstGeom prst="rect">
+            <a:avLst/>
+          </a:prstGeom>
+          <a:solidFill>
+            <a:schemeClr val="bg1">
+              <a:alpha val="0"/>
+            </a:schemeClr>
+          </a:solidFill>
+          <a:ln w="38100">
+            <a:solidFill>
+              <a:schemeClr val="accent1"/>
+            </a:solidFill>
+          </a:ln>
+          <a:effectLst/>
+        </p:spPr>
+        <p:style>
+          <a:lnRef idx="2">
+            <a:schemeClr val="accent4">
+              <a:shade val="50000"/>
+            </a:schemeClr>
+          </a:lnRef>
+          <a:fillRef idx="1">
+            <a:schemeClr val="accent4"/>
+          </a:fillRef>
+          <a:effectRef idx="0">
+            <a:schemeClr val="accent4"/>
+          </a:effectRef>
+          <a:fontRef idx="minor">
+            <a:schemeClr val="lt1"/>
+          </a:fontRef>
+        </p:style>
+        <p:txBody>
+          <a:bodyPr rot="0" spcFirstLastPara="0" vertOverflow="overflow" horzOverflow="overflow" vert="horz" wrap="square" lIns="91440" tIns="45720" rIns="91440" bIns="45720" numCol="1" spcCol="0" rtlCol="0" fromWordArt="0" anchor="ctr" anchorCtr="0" forceAA="0" compatLnSpc="1">
+            <a:prstTxWarp prst="textNoShape">
+              <a:avLst/>
+            </a:prstTxWarp>
+            <a:noAutofit/>
+          </a:bodyPr>
+          <a:lstStyle/>
+          <a:p>
+            <a:pPr algn="ctr"/>
+            <a:endParaRPr lang="hu-HU" sz="2400" dirty="0" err="1">
+              <a:solidFill>
+                <a:schemeClr val="tx2"/>
+              </a:solidFill>
+            </a:endParaRPr>
+          </a:p>
+        </p:txBody>
+      </p:sp>
+      <p:sp>
+        <p:nvSpPr>
+          <p:cNvPr id="11" name="Rectangle 10"/>
+          <p:cNvSpPr/>
+          <p:nvPr/>
+        </p:nvSpPr>
+        <p:spPr>
+          <a:xfrm>
+            <a:off x="4572000" y="1562334"/>
+            <a:ext cx="4432300" cy="888766"/>
+          </a:xfrm>
+          <a:prstGeom prst="rect">
+            <a:avLst/>
+          </a:prstGeom>
+          <a:solidFill>
+            <a:schemeClr val="bg1">
+              <a:alpha val="0"/>
+            </a:schemeClr>
+          </a:solidFill>
+          <a:ln w="38100">
+            <a:solidFill>
+              <a:schemeClr val="accent1"/>
+            </a:solidFill>
+          </a:ln>
+          <a:effectLst/>
+        </p:spPr>
+        <p:style>
+          <a:lnRef idx="2">
+            <a:schemeClr val="accent4">
+              <a:shade val="50000"/>
+            </a:schemeClr>
+          </a:lnRef>
+          <a:fillRef idx="1">
+            <a:schemeClr val="accent4"/>
+          </a:fillRef>
+          <a:effectRef idx="0">
+            <a:schemeClr val="accent4"/>
+          </a:effectRef>
+          <a:fontRef idx="minor">
+            <a:schemeClr val="lt1"/>
+          </a:fontRef>
+        </p:style>
+        <p:txBody>
+          <a:bodyPr rot="0" spcFirstLastPara="0" vertOverflow="overflow" horzOverflow="overflow" vert="horz" wrap="square" lIns="91440" tIns="45720" rIns="91440" bIns="45720" numCol="1" spcCol="0" rtlCol="0" fromWordArt="0" anchor="ctr" anchorCtr="0" forceAA="0" compatLnSpc="1">
+            <a:prstTxWarp prst="textNoShape">
+              <a:avLst/>
+            </a:prstTxWarp>
+            <a:noAutofit/>
+          </a:bodyPr>
+          <a:lstStyle/>
+          <a:p>
+            <a:pPr algn="ctr"/>
+            <a:endParaRPr lang="hu-HU" sz="2400" dirty="0" err="1">
+              <a:solidFill>
+                <a:schemeClr val="tx2"/>
+              </a:solidFill>
+            </a:endParaRPr>
+          </a:p>
+        </p:txBody>
+      </p:sp>
+    </p:spTree>
+    <p:extLst>
+      <p:ext uri="{BB962C8B-B14F-4D97-AF65-F5344CB8AC3E}">
+        <p14:creationId xmlns:p14="http://schemas.microsoft.com/office/powerpoint/2010/main" val="3909549396"/>
+      </p:ext>
+    </p:extLst>
+  </p:cSld>
+  <p:clrMapOvr>
+    <a:masterClrMapping/>
+  </p:clrMapOvr>
+  <mc:AlternateContent xmlns:mc="http://schemas.openxmlformats.org/markup-compatibility/2006">
+    <mc:Choice xmlns:p14="http://schemas.microsoft.com/office/powerpoint/2010/main" Requires="p14">
+      <p:transition p14:dur="0" advClick="0"/>
+    </mc:Choice>
+    <mc:Fallback>
+      <p:transition advClick="0"/>
+    </mc:Fallback>
+  </mc:AlternateContent>
+  <p:timing>
+    <p:tnLst>
+      <p:par>
+        <p:cTn id="1" dur="indefinite" restart="never" nodeType="tmRoot">
+          <p:childTnLst>
+            <p:seq concurrent="1" nextAc="seek">
+              <p:cTn id="2" dur="indefinite" nodeType="mainSeq">
+                <p:childTnLst>
+                  <p:par>
+                    <p:cTn id="3" fill="hold">
+                      <p:stCondLst>
+                        <p:cond delay="indefinite"/>
+                        <p:cond evt="onBegin" delay="0">
+                          <p:tn val="2"/>
+                        </p:cond>
+                      </p:stCondLst>
+                      <p:childTnLst>
+                        <p:par>
+                          <p:cTn id="4" fill="hold">
+                            <p:stCondLst>
+                              <p:cond delay="0"/>
+                            </p:stCondLst>
+                            <p:childTnLst>
+                              <p:par>
+                                <p:cTn id="5" presetID="1" presetClass="entr" presetSubtype="0" fill="hold" grpId="0" nodeType="withEffect">
+                                  <p:stCondLst>
+                                    <p:cond delay="0"/>
+                                  </p:stCondLst>
+                                  <p:childTnLst>
+                                    <p:set>
+                                      <p:cBhvr>
+                                        <p:cTn id="6" dur="1" fill="hold">
+                                          <p:stCondLst>
+                                            <p:cond delay="0"/>
+                                          </p:stCondLst>
+                                        </p:cTn>
+                                        <p:tgtEl>
+                                          <p:spTgt spid="10"/>
+                                        </p:tgtEl>
+                                        <p:attrNameLst>
+                                          <p:attrName>style.visibility</p:attrName>
+                                        </p:attrNameLst>
+                                      </p:cBhvr>
+                                      <p:to>
+                                        <p:strVal val="visible"/>
+                                      </p:to>
+                                    </p:set>
+                                  </p:childTnLst>
+                                </p:cTn>
+                              </p:par>
+                              <p:par>
+                                <p:cTn id="7" presetID="1" presetClass="entr" presetSubtype="0" fill="hold" grpId="0" nodeType="withEffect">
+                                  <p:stCondLst>
+                                    <p:cond delay="0"/>
+                                  </p:stCondLst>
+                                  <p:childTnLst>
+                                    <p:set>
+                                      <p:cBhvr>
+                                        <p:cTn id="8" dur="1" fill="hold">
+                                          <p:stCondLst>
+                                            <p:cond delay="0"/>
+                                          </p:stCondLst>
+                                        </p:cTn>
+                                        <p:tgtEl>
+                                          <p:spTgt spid="11"/>
+                                        </p:tgtEl>
+                                        <p:attrNameLst>
+                                          <p:attrName>style.visibility</p:attrName>
+                                        </p:attrNameLst>
+                                      </p:cBhvr>
+                                      <p:to>
+                                        <p:strVal val="visible"/>
+                                      </p:to>
+                                    </p:set>
+                                  </p:childTnLst>
+                                </p:cTn>
+                              </p:par>
+                            </p:childTnLst>
+                          </p:cTn>
+                        </p:par>
+                      </p:childTnLst>
+                    </p:cTn>
+                  </p:par>
+                </p:childTnLst>
+              </p:cTn>
+              <p:prevCondLst>
+                <p:cond evt="onPrev" delay="0">
+                  <p:tgtEl>
+                    <p:sldTgt/>
+                  </p:tgtEl>
+                </p:cond>
+              </p:prevCondLst>
+              <p:nextCondLst>
+                <p:cond evt="onNext" delay="0">
+                  <p:tgtEl>
+                    <p:sldTgt/>
+                  </p:tgtEl>
+                </p:cond>
+              </p:nextCondLst>
+            </p:seq>
+          </p:childTnLst>
+        </p:cTn>
+      </p:par>
+    </p:tnLst>
+    <p:bldLst>
+      <p:bldP spid="10" grpId="0" animBg="1"/>
+      <p:bldP spid="11" grpId="0" animBg="1"/>
+    </p:bldLst>
+  </p:timing>
+</p:sld>
+</file>
+
+<file path=ppt/slides/slide9.xml><?xml version="1.0" encoding="utf-8"?>
+<p:sld xmlns:a="http://schemas.openxmlformats.org/drawingml/2006/main" xmlns:r="http://schemas.openxmlformats.org/officeDocument/2006/relationships" xmlns:p="http://schemas.openxmlformats.org/presentationml/2006/main">
+  <p:cSld>
+    <p:spTree>
+      <p:nvGrpSpPr>
+        <p:cNvPr id="1" name=""/>
+        <p:cNvGrpSpPr/>
+        <p:nvPr/>
+      </p:nvGrpSpPr>
+      <p:grpSpPr>
+        <a:xfrm>
+          <a:off x="0" y="0"/>
+          <a:ext cx="0" cy="0"/>
+          <a:chOff x="0" y="0"/>
+          <a:chExt cx="0" cy="0"/>
+        </a:xfrm>
+      </p:grpSpPr>
+      <p:sp>
+        <p:nvSpPr>
           <p:cNvPr id="2" name="Cím 1"/>
           <p:cNvSpPr>
             <a:spLocks noGrp="1"/>
@@ -9289,25 +13252,6 @@
       </p:sp>
       <p:sp>
         <p:nvSpPr>
-          <p:cNvPr id="3" name="Tartalom helye 2"/>
-          <p:cNvSpPr>
-            <a:spLocks noGrp="1"/>
-          </p:cNvSpPr>
-          <p:nvPr>
-            <p:ph idx="1"/>
-          </p:nvPr>
-        </p:nvSpPr>
-        <p:spPr/>
-        <p:txBody>
-          <a:bodyPr/>
-          <a:lstStyle/>
-          <a:p>
-            <a:endParaRPr lang="hu-HU" dirty="0"/>
-          </a:p>
-        </p:txBody>
-      </p:sp>
-      <p:sp>
-        <p:nvSpPr>
           <p:cNvPr id="4" name="Dia számának helye 3"/>
           <p:cNvSpPr>
             <a:spLocks noGrp="1"/>
@@ -9324,9 +13268,233 @@
             <a:fld id="{A7C85712-A09B-4560-9D1E-08050AA835BB}" type="slidenum">
               <a:rPr lang="hu-HU" smtClean="0"/>
               <a:pPr/>
-              <a:t>4</a:t>
+              <a:t>9</a:t>
             </a:fld>
             <a:endParaRPr lang="hu-HU" dirty="0"/>
+          </a:p>
+        </p:txBody>
+      </p:sp>
+      <p:pic>
+        <p:nvPicPr>
+          <p:cNvPr id="5" name="Picture 4"/>
+          <p:cNvPicPr>
+            <a:picLocks noChangeAspect="1"/>
+          </p:cNvPicPr>
+          <p:nvPr/>
+        </p:nvPicPr>
+        <p:blipFill>
+          <a:blip r:embed="rId2"/>
+          <a:stretch>
+            <a:fillRect/>
+          </a:stretch>
+        </p:blipFill>
+        <p:spPr>
+          <a:xfrm>
+            <a:off x="1753479" y="1779134"/>
+            <a:ext cx="5637042" cy="3299732"/>
+          </a:xfrm>
+          <a:prstGeom prst="rect">
+            <a:avLst/>
+          </a:prstGeom>
+        </p:spPr>
+      </p:pic>
+      <p:sp>
+        <p:nvSpPr>
+          <p:cNvPr id="6" name="Rectangular Callout 5"/>
+          <p:cNvSpPr/>
+          <p:nvPr/>
+        </p:nvSpPr>
+        <p:spPr>
+          <a:xfrm>
+            <a:off x="66568" y="860664"/>
+            <a:ext cx="3373821" cy="778531"/>
+          </a:xfrm>
+          <a:prstGeom prst="wedgeRectCallout">
+            <a:avLst>
+              <a:gd name="adj1" fmla="val 56375"/>
+              <a:gd name="adj2" fmla="val 76064"/>
+            </a:avLst>
+          </a:prstGeom>
+          <a:solidFill>
+            <a:schemeClr val="bg2"/>
+          </a:solidFill>
+          <a:ln w="38100">
+            <a:solidFill>
+              <a:schemeClr val="accent1"/>
+            </a:solidFill>
+          </a:ln>
+          <a:effectLst/>
+        </p:spPr>
+        <p:style>
+          <a:lnRef idx="2">
+            <a:schemeClr val="accent4">
+              <a:shade val="50000"/>
+            </a:schemeClr>
+          </a:lnRef>
+          <a:fillRef idx="1">
+            <a:schemeClr val="accent4"/>
+          </a:fillRef>
+          <a:effectRef idx="0">
+            <a:schemeClr val="accent4"/>
+          </a:effectRef>
+          <a:fontRef idx="minor">
+            <a:schemeClr val="lt1"/>
+          </a:fontRef>
+        </p:style>
+        <p:txBody>
+          <a:bodyPr rot="0" spcFirstLastPara="0" vertOverflow="overflow" horzOverflow="overflow" vert="horz" wrap="square" lIns="91440" tIns="45720" rIns="91440" bIns="45720" numCol="1" spcCol="0" rtlCol="0" fromWordArt="0" anchor="ctr" anchorCtr="0" forceAA="0" compatLnSpc="1">
+            <a:prstTxWarp prst="textNoShape">
+              <a:avLst/>
+            </a:prstTxWarp>
+            <a:noAutofit/>
+          </a:bodyPr>
+          <a:lstStyle/>
+          <a:p>
+            <a:pPr algn="ctr"/>
+            <a:r>
+              <a:rPr lang="hu-HU" sz="2400" dirty="0" smtClean="0">
+                <a:solidFill>
+                  <a:schemeClr val="tx2"/>
+                </a:solidFill>
+              </a:rPr>
+              <a:t>Feltételes elágazások</a:t>
+            </a:r>
+          </a:p>
+        </p:txBody>
+      </p:sp>
+      <p:sp>
+        <p:nvSpPr>
+          <p:cNvPr id="7" name="Rectangular Callout 6"/>
+          <p:cNvSpPr/>
+          <p:nvPr/>
+        </p:nvSpPr>
+        <p:spPr>
+          <a:xfrm>
+            <a:off x="5600700" y="860664"/>
+            <a:ext cx="3373821" cy="778531"/>
+          </a:xfrm>
+          <a:prstGeom prst="wedgeRectCallout">
+            <a:avLst>
+              <a:gd name="adj1" fmla="val -31817"/>
+              <a:gd name="adj2" fmla="val 124536"/>
+            </a:avLst>
+          </a:prstGeom>
+          <a:solidFill>
+            <a:schemeClr val="bg2"/>
+          </a:solidFill>
+          <a:ln w="38100">
+            <a:solidFill>
+              <a:schemeClr val="accent1"/>
+            </a:solidFill>
+          </a:ln>
+          <a:effectLst/>
+        </p:spPr>
+        <p:style>
+          <a:lnRef idx="2">
+            <a:schemeClr val="accent4">
+              <a:shade val="50000"/>
+            </a:schemeClr>
+          </a:lnRef>
+          <a:fillRef idx="1">
+            <a:schemeClr val="accent4"/>
+          </a:fillRef>
+          <a:effectRef idx="0">
+            <a:schemeClr val="accent4"/>
+          </a:effectRef>
+          <a:fontRef idx="minor">
+            <a:schemeClr val="lt1"/>
+          </a:fontRef>
+        </p:style>
+        <p:txBody>
+          <a:bodyPr rot="0" spcFirstLastPara="0" vertOverflow="overflow" horzOverflow="overflow" vert="horz" wrap="square" lIns="91440" tIns="45720" rIns="91440" bIns="45720" numCol="1" spcCol="0" rtlCol="0" fromWordArt="0" anchor="ctr" anchorCtr="0" forceAA="0" compatLnSpc="1">
+            <a:prstTxWarp prst="textNoShape">
+              <a:avLst/>
+            </a:prstTxWarp>
+            <a:noAutofit/>
+          </a:bodyPr>
+          <a:lstStyle/>
+          <a:p>
+            <a:pPr algn="ctr"/>
+            <a:r>
+              <a:rPr lang="hu-HU" sz="2400" dirty="0" smtClean="0">
+                <a:solidFill>
+                  <a:schemeClr val="tx2"/>
+                </a:solidFill>
+              </a:rPr>
+              <a:t>Tetszőleges mélységű</a:t>
+            </a:r>
+          </a:p>
+        </p:txBody>
+      </p:sp>
+      <p:sp>
+        <p:nvSpPr>
+          <p:cNvPr id="8" name="Rectangular Callout 7"/>
+          <p:cNvSpPr/>
+          <p:nvPr/>
+        </p:nvSpPr>
+        <p:spPr>
+          <a:xfrm>
+            <a:off x="2516414" y="5203157"/>
+            <a:ext cx="3373821" cy="778531"/>
+          </a:xfrm>
+          <a:prstGeom prst="wedgeRectCallout">
+            <a:avLst>
+              <a:gd name="adj1" fmla="val -41281"/>
+              <a:gd name="adj2" fmla="val -142061"/>
+            </a:avLst>
+          </a:prstGeom>
+          <a:solidFill>
+            <a:schemeClr val="bg2"/>
+          </a:solidFill>
+          <a:ln w="38100">
+            <a:solidFill>
+              <a:schemeClr val="accent1"/>
+            </a:solidFill>
+          </a:ln>
+          <a:effectLst/>
+        </p:spPr>
+        <p:style>
+          <a:lnRef idx="2">
+            <a:schemeClr val="accent4">
+              <a:shade val="50000"/>
+            </a:schemeClr>
+          </a:lnRef>
+          <a:fillRef idx="1">
+            <a:schemeClr val="accent4"/>
+          </a:fillRef>
+          <a:effectRef idx="0">
+            <a:schemeClr val="accent4"/>
+          </a:effectRef>
+          <a:fontRef idx="minor">
+            <a:schemeClr val="lt1"/>
+          </a:fontRef>
+        </p:style>
+        <p:txBody>
+          <a:bodyPr rot="0" spcFirstLastPara="0" vertOverflow="overflow" horzOverflow="overflow" vert="horz" wrap="square" lIns="91440" tIns="45720" rIns="91440" bIns="45720" numCol="1" spcCol="0" rtlCol="0" fromWordArt="0" anchor="ctr" anchorCtr="0" forceAA="0" compatLnSpc="1">
+            <a:prstTxWarp prst="textNoShape">
+              <a:avLst/>
+            </a:prstTxWarp>
+            <a:noAutofit/>
+          </a:bodyPr>
+          <a:lstStyle/>
+          <a:p>
+            <a:pPr algn="ctr"/>
+            <a:r>
+              <a:rPr lang="hu-HU" sz="2400" dirty="0" err="1" smtClean="0">
+                <a:solidFill>
+                  <a:schemeClr val="tx2"/>
+                </a:solidFill>
+              </a:rPr>
+              <a:t>Else</a:t>
+            </a:r>
+            <a:r>
+              <a:rPr lang="hu-HU" sz="2400" dirty="0" smtClean="0">
+                <a:solidFill>
+                  <a:schemeClr val="tx2"/>
+                </a:solidFill>
+              </a:rPr>
+              <a:t> ág</a:t>
+            </a:r>
           </a:p>
         </p:txBody>
       </p:sp>
@@ -9351,132 +13519,172 @@
   <p:timing>
     <p:tnLst>
       <p:par>
-        <p:cTn id="1" dur="indefinite" restart="never" nodeType="tmRoot"/>
+        <p:cTn id="1" dur="indefinite" restart="never" nodeType="tmRoot">
+          <p:childTnLst>
+            <p:seq concurrent="1" nextAc="seek">
+              <p:cTn id="2" dur="indefinite" nodeType="mainSeq">
+                <p:childTnLst>
+                  <p:par>
+                    <p:cTn id="3" fill="hold">
+                      <p:stCondLst>
+                        <p:cond delay="indefinite"/>
+                      </p:stCondLst>
+                      <p:childTnLst>
+                        <p:par>
+                          <p:cTn id="4" fill="hold">
+                            <p:stCondLst>
+                              <p:cond delay="0"/>
+                            </p:stCondLst>
+                            <p:childTnLst>
+                              <p:par>
+                                <p:cTn id="5" presetID="1" presetClass="entr" presetSubtype="0" fill="hold" grpId="0" nodeType="clickEffect">
+                                  <p:stCondLst>
+                                    <p:cond delay="0"/>
+                                  </p:stCondLst>
+                                  <p:childTnLst>
+                                    <p:set>
+                                      <p:cBhvr>
+                                        <p:cTn id="6" dur="1" fill="hold">
+                                          <p:stCondLst>
+                                            <p:cond delay="0"/>
+                                          </p:stCondLst>
+                                        </p:cTn>
+                                        <p:tgtEl>
+                                          <p:spTgt spid="6"/>
+                                        </p:tgtEl>
+                                        <p:attrNameLst>
+                                          <p:attrName>style.visibility</p:attrName>
+                                        </p:attrNameLst>
+                                      </p:cBhvr>
+                                      <p:to>
+                                        <p:strVal val="visible"/>
+                                      </p:to>
+                                    </p:set>
+                                  </p:childTnLst>
+                                </p:cTn>
+                              </p:par>
+                            </p:childTnLst>
+                          </p:cTn>
+                        </p:par>
+                      </p:childTnLst>
+                    </p:cTn>
+                  </p:par>
+                  <p:par>
+                    <p:cTn id="7" fill="hold">
+                      <p:stCondLst>
+                        <p:cond delay="indefinite"/>
+                      </p:stCondLst>
+                      <p:childTnLst>
+                        <p:par>
+                          <p:cTn id="8" fill="hold">
+                            <p:stCondLst>
+                              <p:cond delay="0"/>
+                            </p:stCondLst>
+                            <p:childTnLst>
+                              <p:par>
+                                <p:cTn id="9" presetID="1" presetClass="entr" presetSubtype="0" fill="hold" grpId="0" nodeType="clickEffect">
+                                  <p:stCondLst>
+                                    <p:cond delay="0"/>
+                                  </p:stCondLst>
+                                  <p:childTnLst>
+                                    <p:set>
+                                      <p:cBhvr>
+                                        <p:cTn id="10" dur="1" fill="hold">
+                                          <p:stCondLst>
+                                            <p:cond delay="0"/>
+                                          </p:stCondLst>
+                                        </p:cTn>
+                                        <p:tgtEl>
+                                          <p:spTgt spid="7"/>
+                                        </p:tgtEl>
+                                        <p:attrNameLst>
+                                          <p:attrName>style.visibility</p:attrName>
+                                        </p:attrNameLst>
+                                      </p:cBhvr>
+                                      <p:to>
+                                        <p:strVal val="visible"/>
+                                      </p:to>
+                                    </p:set>
+                                  </p:childTnLst>
+                                </p:cTn>
+                              </p:par>
+                            </p:childTnLst>
+                          </p:cTn>
+                        </p:par>
+                      </p:childTnLst>
+                    </p:cTn>
+                  </p:par>
+                  <p:par>
+                    <p:cTn id="11" fill="hold">
+                      <p:stCondLst>
+                        <p:cond delay="indefinite"/>
+                      </p:stCondLst>
+                      <p:childTnLst>
+                        <p:par>
+                          <p:cTn id="12" fill="hold">
+                            <p:stCondLst>
+                              <p:cond delay="0"/>
+                            </p:stCondLst>
+                            <p:childTnLst>
+                              <p:par>
+                                <p:cTn id="13" presetID="1" presetClass="entr" presetSubtype="0" fill="hold" grpId="0" nodeType="clickEffect">
+                                  <p:stCondLst>
+                                    <p:cond delay="0"/>
+                                  </p:stCondLst>
+                                  <p:childTnLst>
+                                    <p:set>
+                                      <p:cBhvr>
+                                        <p:cTn id="14" dur="1" fill="hold">
+                                          <p:stCondLst>
+                                            <p:cond delay="0"/>
+                                          </p:stCondLst>
+                                        </p:cTn>
+                                        <p:tgtEl>
+                                          <p:spTgt spid="8"/>
+                                        </p:tgtEl>
+                                        <p:attrNameLst>
+                                          <p:attrName>style.visibility</p:attrName>
+                                        </p:attrNameLst>
+                                      </p:cBhvr>
+                                      <p:to>
+                                        <p:strVal val="visible"/>
+                                      </p:to>
+                                    </p:set>
+                                  </p:childTnLst>
+                                </p:cTn>
+                              </p:par>
+                            </p:childTnLst>
+                          </p:cTn>
+                        </p:par>
+                      </p:childTnLst>
+                    </p:cTn>
+                  </p:par>
+                </p:childTnLst>
+              </p:cTn>
+              <p:prevCondLst>
+                <p:cond evt="onPrev" delay="0">
+                  <p:tgtEl>
+                    <p:sldTgt/>
+                  </p:tgtEl>
+                </p:cond>
+              </p:prevCondLst>
+              <p:nextCondLst>
+                <p:cond evt="onNext" delay="0">
+                  <p:tgtEl>
+                    <p:sldTgt/>
+                  </p:tgtEl>
+                </p:cond>
+              </p:nextCondLst>
+            </p:seq>
+          </p:childTnLst>
+        </p:cTn>
       </p:par>
     </p:tnLst>
-  </p:timing>
-</p:sld>
-</file>
-
-<file path=ppt/slides/slide5.xml><?xml version="1.0" encoding="utf-8"?>
-<p:sld xmlns:a="http://schemas.openxmlformats.org/drawingml/2006/main" xmlns:r="http://schemas.openxmlformats.org/officeDocument/2006/relationships" xmlns:p="http://schemas.openxmlformats.org/presentationml/2006/main">
-  <p:cSld>
-    <p:spTree>
-      <p:nvGrpSpPr>
-        <p:cNvPr id="1" name=""/>
-        <p:cNvGrpSpPr/>
-        <p:nvPr/>
-      </p:nvGrpSpPr>
-      <p:grpSpPr>
-        <a:xfrm>
-          <a:off x="0" y="0"/>
-          <a:ext cx="0" cy="0"/>
-          <a:chOff x="0" y="0"/>
-          <a:chExt cx="0" cy="0"/>
-        </a:xfrm>
-      </p:grpSpPr>
-      <p:sp>
-        <p:nvSpPr>
-          <p:cNvPr id="5" name="Cím 4"/>
-          <p:cNvSpPr>
-            <a:spLocks noGrp="1"/>
-          </p:cNvSpPr>
-          <p:nvPr>
-            <p:ph type="ctrTitle"/>
-          </p:nvPr>
-        </p:nvSpPr>
-        <p:spPr/>
-        <p:txBody>
-          <a:bodyPr/>
-          <a:lstStyle/>
-          <a:p>
-            <a:r>
-              <a:rPr lang="en-US" dirty="0" err="1" smtClean="0"/>
-              <a:t>Köszönjük</a:t>
-            </a:r>
-            <a:r>
-              <a:rPr lang="en-US" dirty="0" smtClean="0"/>
-              <a:t> a </a:t>
-            </a:r>
-            <a:r>
-              <a:rPr lang="en-US" dirty="0" err="1" smtClean="0"/>
-              <a:t>figyelmet</a:t>
-            </a:r>
-            <a:r>
-              <a:rPr lang="en-US" dirty="0" smtClean="0"/>
-              <a:t>!</a:t>
-            </a:r>
-            <a:endParaRPr lang="en-US" dirty="0"/>
-          </a:p>
-        </p:txBody>
-      </p:sp>
-      <p:sp>
-        <p:nvSpPr>
-          <p:cNvPr id="7" name="Alcím 6"/>
-          <p:cNvSpPr>
-            <a:spLocks noGrp="1"/>
-          </p:cNvSpPr>
-          <p:nvPr>
-            <p:ph type="subTitle" idx="1"/>
-          </p:nvPr>
-        </p:nvSpPr>
-        <p:spPr/>
-        <p:txBody>
-          <a:bodyPr/>
-          <a:lstStyle/>
-          <a:p>
-            <a:endParaRPr lang="en-US"/>
-          </a:p>
-        </p:txBody>
-      </p:sp>
-      <p:sp>
-        <p:nvSpPr>
-          <p:cNvPr id="4" name="Dia számának helye 3"/>
-          <p:cNvSpPr>
-            <a:spLocks noGrp="1"/>
-          </p:cNvSpPr>
-          <p:nvPr>
-            <p:ph type="sldNum" sz="quarter" idx="10"/>
-          </p:nvPr>
-        </p:nvSpPr>
-        <p:spPr/>
-        <p:txBody>
-          <a:bodyPr/>
-          <a:lstStyle/>
-          <a:p>
-            <a:fld id="{A7C85712-A09B-4560-9D1E-08050AA835BB}" type="slidenum">
-              <a:rPr lang="hu-HU" smtClean="0"/>
-              <a:pPr/>
-              <a:t>5</a:t>
-            </a:fld>
-            <a:endParaRPr lang="hu-HU" dirty="0"/>
-          </a:p>
-        </p:txBody>
-      </p:sp>
-    </p:spTree>
-    <p:extLst>
-      <p:ext uri="{BB962C8B-B14F-4D97-AF65-F5344CB8AC3E}">
-        <p14:creationId xmlns:p14="http://schemas.microsoft.com/office/powerpoint/2010/main" val="497278178"/>
-      </p:ext>
-    </p:extLst>
-  </p:cSld>
-  <p:clrMapOvr>
-    <a:masterClrMapping/>
-  </p:clrMapOvr>
-  <mc:AlternateContent xmlns:mc="http://schemas.openxmlformats.org/markup-compatibility/2006" xmlns:p14="http://schemas.microsoft.com/office/powerpoint/2010/main">
-    <mc:Choice Requires="p14">
-      <p:transition p14:dur="0" advClick="0"/>
-    </mc:Choice>
-    <mc:Fallback xmlns="">
-      <p:transition advClick="0"/>
-    </mc:Fallback>
-  </mc:AlternateContent>
-  <p:timing>
-    <p:tnLst>
-      <p:par>
-        <p:cTn id="1" dur="indefinite" restart="never" nodeType="tmRoot"/>
-      </p:par>
-    </p:tnLst>
+    <p:bldLst>
+      <p:bldP spid="6" grpId="0" animBg="1"/>
+      <p:bldP spid="7" grpId="0" animBg="1"/>
+      <p:bldP spid="8" grpId="0" animBg="1"/>
+    </p:bldLst>
   </p:timing>
 </p:sld>
 </file>

--- a/doc/prezi/hw2/ztz-presentation.pptx
+++ b/doc/prezi/hw2/ztz-presentation.pptx
@@ -245,7 +245,7 @@
           <a:p>
             <a:fld id="{D320DF98-73A7-40A6-8A84-2EB5B4F2C4CC}" type="datetimeFigureOut">
               <a:rPr lang="hu-HU" smtClean="0"/>
-              <a:t>2016.04.28.</a:t>
+              <a:t>2016.04.29.</a:t>
             </a:fld>
             <a:endParaRPr lang="hu-HU"/>
           </a:p>
@@ -411,7 +411,7 @@
             <a:fld id="{B9130191-0BE1-0142-AFC1-0297AE024A0E}" type="datetimeFigureOut">
               <a:rPr lang="en-US" smtClean="0"/>
               <a:pPr/>
-              <a:t>28-Apr-16</a:t>
+              <a:t>29-Apr-16</a:t>
             </a:fld>
             <a:endParaRPr lang="en-US"/>
           </a:p>
@@ -767,6 +767,140 @@
 </p:notes>
 </file>
 
+<file path=ppt/notesSlides/notesSlide10.xml><?xml version="1.0" encoding="utf-8"?>
+<p:notes xmlns:a="http://schemas.openxmlformats.org/drawingml/2006/main" xmlns:r="http://schemas.openxmlformats.org/officeDocument/2006/relationships" xmlns:p="http://schemas.openxmlformats.org/presentationml/2006/main">
+  <p:cSld>
+    <p:spTree>
+      <p:nvGrpSpPr>
+        <p:cNvPr id="1" name=""/>
+        <p:cNvGrpSpPr/>
+        <p:nvPr/>
+      </p:nvGrpSpPr>
+      <p:grpSpPr>
+        <a:xfrm>
+          <a:off x="0" y="0"/>
+          <a:ext cx="0" cy="0"/>
+          <a:chOff x="0" y="0"/>
+          <a:chExt cx="0" cy="0"/>
+        </a:xfrm>
+      </p:grpSpPr>
+      <p:sp>
+        <p:nvSpPr>
+          <p:cNvPr id="2" name="Slide Image Placeholder 1"/>
+          <p:cNvSpPr>
+            <a:spLocks noGrp="1" noRot="1" noChangeAspect="1"/>
+          </p:cNvSpPr>
+          <p:nvPr>
+            <p:ph type="sldImg"/>
+          </p:nvPr>
+        </p:nvSpPr>
+        <p:spPr/>
+      </p:sp>
+      <p:sp>
+        <p:nvSpPr>
+          <p:cNvPr id="3" name="Notes Placeholder 2"/>
+          <p:cNvSpPr>
+            <a:spLocks noGrp="1"/>
+          </p:cNvSpPr>
+          <p:nvPr>
+            <p:ph type="body" idx="1"/>
+          </p:nvPr>
+        </p:nvSpPr>
+        <p:spPr/>
+        <p:txBody>
+          <a:bodyPr/>
+          <a:lstStyle/>
+          <a:p>
+            <a:r>
+              <a:rPr lang="hu-HU" dirty="0" smtClean="0"/>
+              <a:t>Első feltétel volt igaz, és így a robot1 hajtotta végre az akciókat.</a:t>
+            </a:r>
+          </a:p>
+          <a:p>
+            <a:r>
+              <a:rPr lang="hu-HU" dirty="0" smtClean="0"/>
+              <a:t>Amit még érdemes mondani: minden viselkedési elemre készült</a:t>
+            </a:r>
+            <a:r>
+              <a:rPr lang="hu-HU" baseline="0" dirty="0" smtClean="0"/>
+              <a:t> szabály, vannak </a:t>
+            </a:r>
+            <a:r>
+              <a:rPr lang="hu-HU" baseline="0" dirty="0" err="1" smtClean="0"/>
+              <a:t>validátorok</a:t>
+            </a:r>
+            <a:r>
+              <a:rPr lang="hu-HU" baseline="0" dirty="0" smtClean="0"/>
+              <a:t> is, illetve a </a:t>
+            </a:r>
+            <a:r>
+              <a:rPr lang="hu-HU" baseline="0" dirty="0" err="1" smtClean="0"/>
+              <a:t>scope</a:t>
+            </a:r>
+            <a:r>
+              <a:rPr lang="hu-HU" baseline="0" dirty="0" smtClean="0"/>
+              <a:t> </a:t>
+            </a:r>
+            <a:r>
+              <a:rPr lang="hu-HU" baseline="0" dirty="0" err="1" smtClean="0"/>
+              <a:t>providerek</a:t>
+            </a:r>
+            <a:r>
+              <a:rPr lang="hu-HU" baseline="0" dirty="0" smtClean="0"/>
+              <a:t> lettek átírva a strukturális példány referálása miatt. Emellett a generátor rész módosult.</a:t>
+            </a:r>
+            <a:br>
+              <a:rPr lang="hu-HU" baseline="0" dirty="0" smtClean="0"/>
+            </a:br>
+            <a:r>
+              <a:rPr lang="hu-HU" baseline="0" dirty="0" err="1" smtClean="0"/>
+              <a:t>Validátorok</a:t>
+            </a:r>
+            <a:r>
+              <a:rPr lang="hu-HU" baseline="0" dirty="0" smtClean="0"/>
+              <a:t>: 1. azonos név kiszűrése, 2. üzenet küldése csak akkor lehet, ha vannak kapcsolatok. 3.. Önismeretség kiküszöbölése. 4. Saját magának senki nem küldhet, üzenetet, stb.</a:t>
+            </a:r>
+            <a:endParaRPr lang="hu-HU" dirty="0"/>
+          </a:p>
+        </p:txBody>
+      </p:sp>
+      <p:sp>
+        <p:nvSpPr>
+          <p:cNvPr id="4" name="Slide Number Placeholder 3"/>
+          <p:cNvSpPr>
+            <a:spLocks noGrp="1"/>
+          </p:cNvSpPr>
+          <p:nvPr>
+            <p:ph type="sldNum" sz="quarter" idx="10"/>
+          </p:nvPr>
+        </p:nvSpPr>
+        <p:spPr/>
+        <p:txBody>
+          <a:bodyPr/>
+          <a:lstStyle/>
+          <a:p>
+            <a:fld id="{A70A3C59-3253-3B42-8BE0-F6D0BA6B0441}" type="slidenum">
+              <a:rPr lang="en-US" smtClean="0"/>
+              <a:pPr/>
+              <a:t>10</a:t>
+            </a:fld>
+            <a:endParaRPr lang="en-US"/>
+          </a:p>
+        </p:txBody>
+      </p:sp>
+    </p:spTree>
+    <p:extLst>
+      <p:ext uri="{BB962C8B-B14F-4D97-AF65-F5344CB8AC3E}">
+        <p14:creationId xmlns:p14="http://schemas.microsoft.com/office/powerpoint/2010/main" val="2304641823"/>
+      </p:ext>
+    </p:extLst>
+  </p:cSld>
+  <p:clrMapOvr>
+    <a:masterClrMapping/>
+  </p:clrMapOvr>
+</p:notes>
+</file>
+
 <file path=ppt/notesSlides/notesSlide2.xml><?xml version="1.0" encoding="utf-8"?>
 <p:notes xmlns:a="http://schemas.openxmlformats.org/drawingml/2006/main" xmlns:r="http://schemas.openxmlformats.org/officeDocument/2006/relationships" xmlns:p="http://schemas.openxmlformats.org/presentationml/2006/main">
   <p:cSld>
@@ -825,7 +959,22 @@
             </a:r>
             <a:r>
               <a:rPr lang="hu-HU" baseline="0" dirty="0" smtClean="0"/>
-              <a:t> használja fel, tulajdonképpen importálja. A nyelvtan példánya egy létező strukturális példánymodellt importál, és </a:t>
+              <a:t> használja fel, tulajdonképpen importálja. </a:t>
+            </a:r>
+            <a:r>
+              <a:rPr lang="hu-HU" baseline="0" dirty="0" smtClean="0"/>
+              <a:t/>
+            </a:r>
+            <a:br>
+              <a:rPr lang="hu-HU" baseline="0" dirty="0" smtClean="0"/>
+            </a:br>
+            <a:r>
+              <a:rPr lang="hu-HU" baseline="0" dirty="0" smtClean="0"/>
+              <a:t>A </a:t>
+            </a:r>
+            <a:r>
+              <a:rPr lang="hu-HU" baseline="0" dirty="0" smtClean="0"/>
+              <a:t>nyelvtan példánya egy létező strukturális példánymodellt importál, és </a:t>
             </a:r>
             <a:r>
               <a:rPr lang="hu-HU" baseline="0" dirty="0" err="1" smtClean="0"/>
@@ -833,7 +982,15 @@
             </a:r>
             <a:r>
               <a:rPr lang="hu-HU" baseline="0" dirty="0" smtClean="0"/>
-              <a:t> egy viselkedésit generál. Ez a viselkedési példány a strukturális példánymodellt egészíti ki. Tehát ami fontos, hogy létező strukturális példányokhoz vagyunk képesek viselkedést definiálni a nyelvtan segítségével, és viselkedési példányokat generálni, ami a strukturálisra referál.</a:t>
+              <a:t> egy viselkedésit generál. Ez a </a:t>
+            </a:r>
+            <a:r>
+              <a:rPr lang="hu-HU" baseline="0" dirty="0" smtClean="0"/>
+              <a:t>viselkedés </a:t>
+            </a:r>
+            <a:r>
+              <a:rPr lang="hu-HU" baseline="0" dirty="0" smtClean="0"/>
+              <a:t>példány a strukturális példánymodellt egészíti ki. Tehát ami fontos, hogy létező strukturális példányokhoz vagyunk képesek viselkedést definiálni a nyelvtan segítségével, és viselkedési példányokat generálni, ami a strukturálisra referál.</a:t>
             </a:r>
             <a:endParaRPr lang="hu-HU" dirty="0"/>
           </a:p>
@@ -926,7 +1083,11 @@
             </a:r>
             <a:r>
               <a:rPr lang="hu-HU" baseline="0" dirty="0" smtClean="0"/>
-              <a:t> a lényeg, hogy minden hivatkozás a strukturális példányra történik. Automatikus kiegészítés, </a:t>
+              <a:t> a lényeg, hogy minden hivatkozás a strukturális példányra történik. Automatikus </a:t>
+            </a:r>
+            <a:r>
+              <a:rPr lang="hu-HU" baseline="0" dirty="0" smtClean="0"/>
+              <a:t>kiegészítés van az írás közben, </a:t>
             </a:r>
             <a:r>
               <a:rPr lang="hu-HU" baseline="0" dirty="0" err="1" smtClean="0"/>
@@ -942,7 +1103,11 @@
             </a:r>
             <a:r>
               <a:rPr lang="hu-HU" baseline="0" dirty="0" smtClean="0"/>
-              <a:t> átírása.</a:t>
+              <a:t> </a:t>
+            </a:r>
+            <a:r>
+              <a:rPr lang="hu-HU" baseline="0" dirty="0" smtClean="0"/>
+              <a:t>átírása megtörtént.</a:t>
             </a:r>
             <a:endParaRPr lang="hu-HU" dirty="0"/>
           </a:p>
@@ -1029,6 +1194,14 @@
           <a:bodyPr/>
           <a:lstStyle/>
           <a:p>
+            <a:r>
+              <a:rPr lang="hu-HU" dirty="0" smtClean="0"/>
+              <a:t>Itt a nyelvtan</a:t>
+            </a:r>
+            <a:r>
+              <a:rPr lang="hu-HU" baseline="0" dirty="0" smtClean="0"/>
+              <a:t> által generált viselkedési példány van. De fontos, hogy ez nem maga a nyelvtan példánya.</a:t>
+            </a:r>
             <a:endParaRPr lang="hu-HU" dirty="0"/>
           </a:p>
         </p:txBody>
@@ -1152,7 +1325,15 @@
             </a:r>
             <a:r>
               <a:rPr lang="hu-HU" baseline="0" dirty="0" smtClean="0"/>
-              <a:t>: konkrét akció. -&gt; jellel utasítások egy sorozatát lehet megadni. </a:t>
+              <a:t>: konkrét akció. </a:t>
+            </a:r>
+            <a:r>
+              <a:rPr lang="hu-HU" baseline="0" dirty="0" smtClean="0"/>
+              <a:t>A -&gt; </a:t>
+            </a:r>
+            <a:r>
+              <a:rPr lang="hu-HU" baseline="0" dirty="0" smtClean="0"/>
+              <a:t>jellel utasítások egy sorozatát lehet megadni. </a:t>
             </a:r>
             <a:r>
               <a:rPr lang="hu-HU" baseline="0" dirty="0" err="1" smtClean="0"/>
@@ -1160,7 +1341,15 @@
             </a:r>
             <a:r>
               <a:rPr lang="hu-HU" baseline="0" dirty="0" smtClean="0"/>
-              <a:t>: üzenetek küldése, lehet egy célpont, több, de akár </a:t>
+              <a:t>: üzenetek küldése, lehet egy célpont, </a:t>
+            </a:r>
+            <a:r>
+              <a:rPr lang="hu-HU" baseline="0" dirty="0" smtClean="0"/>
+              <a:t>több célpont, </a:t>
+            </a:r>
+            <a:r>
+              <a:rPr lang="hu-HU" baseline="0" dirty="0" smtClean="0"/>
+              <a:t>de akár </a:t>
             </a:r>
             <a:r>
               <a:rPr lang="hu-HU" baseline="0" dirty="0" err="1" smtClean="0"/>
@@ -1168,7 +1357,19 @@
             </a:r>
             <a:r>
               <a:rPr lang="hu-HU" baseline="0" dirty="0" smtClean="0"/>
-              <a:t> is (*), ekkor azoknak küld üzenetet, akikkel kapcsolatban van (volt </a:t>
+              <a:t> is </a:t>
+            </a:r>
+            <a:r>
+              <a:rPr lang="hu-HU" baseline="0" dirty="0" smtClean="0"/>
+              <a:t>(* operátorral), </a:t>
+            </a:r>
+            <a:r>
+              <a:rPr lang="hu-HU" baseline="0" dirty="0" smtClean="0"/>
+              <a:t>ekkor azoknak küld üzenetet, akikkel kapcsolatban van </a:t>
+            </a:r>
+            <a:r>
+              <a:rPr lang="hu-HU" baseline="0" dirty="0" smtClean="0"/>
+              <a:t>(tehát volt korábban </a:t>
             </a:r>
             <a:r>
               <a:rPr lang="hu-HU" baseline="0" dirty="0" err="1" smtClean="0"/>
@@ -1176,7 +1377,11 @@
             </a:r>
             <a:r>
               <a:rPr lang="hu-HU" baseline="0" dirty="0" smtClean="0"/>
-              <a:t> utasítás közöttük). Üzenetek egymásra épülhetnek, lásd </a:t>
+              <a:t> </a:t>
+            </a:r>
+            <a:r>
+              <a:rPr lang="hu-HU" baseline="0" dirty="0" smtClean="0"/>
+              <a:t>utasítás közöttük). Üzenetek egymásra épülhetnek, lásd </a:t>
             </a:r>
             <a:r>
               <a:rPr lang="hu-HU" baseline="0" dirty="0" err="1" smtClean="0"/>
@@ -1581,6 +1786,123 @@
     <p:extLst>
       <p:ext uri="{BB962C8B-B14F-4D97-AF65-F5344CB8AC3E}">
         <p14:creationId xmlns:p14="http://schemas.microsoft.com/office/powerpoint/2010/main" val="1444879531"/>
+      </p:ext>
+    </p:extLst>
+  </p:cSld>
+  <p:clrMapOvr>
+    <a:masterClrMapping/>
+  </p:clrMapOvr>
+</p:notes>
+</file>
+
+<file path=ppt/notesSlides/notesSlide9.xml><?xml version="1.0" encoding="utf-8"?>
+<p:notes xmlns:a="http://schemas.openxmlformats.org/drawingml/2006/main" xmlns:r="http://schemas.openxmlformats.org/officeDocument/2006/relationships" xmlns:p="http://schemas.openxmlformats.org/presentationml/2006/main">
+  <p:cSld>
+    <p:spTree>
+      <p:nvGrpSpPr>
+        <p:cNvPr id="1" name=""/>
+        <p:cNvGrpSpPr/>
+        <p:nvPr/>
+      </p:nvGrpSpPr>
+      <p:grpSpPr>
+        <a:xfrm>
+          <a:off x="0" y="0"/>
+          <a:ext cx="0" cy="0"/>
+          <a:chOff x="0" y="0"/>
+          <a:chExt cx="0" cy="0"/>
+        </a:xfrm>
+      </p:grpSpPr>
+      <p:sp>
+        <p:nvSpPr>
+          <p:cNvPr id="2" name="Slide Image Placeholder 1"/>
+          <p:cNvSpPr>
+            <a:spLocks noGrp="1" noRot="1" noChangeAspect="1"/>
+          </p:cNvSpPr>
+          <p:nvPr>
+            <p:ph type="sldImg"/>
+          </p:nvPr>
+        </p:nvSpPr>
+        <p:spPr/>
+      </p:sp>
+      <p:sp>
+        <p:nvSpPr>
+          <p:cNvPr id="3" name="Notes Placeholder 2"/>
+          <p:cNvSpPr>
+            <a:spLocks noGrp="1"/>
+          </p:cNvSpPr>
+          <p:nvPr>
+            <p:ph type="body" idx="1"/>
+          </p:nvPr>
+        </p:nvSpPr>
+        <p:spPr/>
+        <p:txBody>
+          <a:bodyPr/>
+          <a:lstStyle/>
+          <a:p>
+            <a:r>
+              <a:rPr lang="hu-HU" dirty="0" smtClean="0"/>
+              <a:t>Elágazások is</a:t>
+            </a:r>
+            <a:r>
+              <a:rPr lang="hu-HU" baseline="0" dirty="0" smtClean="0"/>
+              <a:t> definiálhatók. Tetszőleges számú utasítást tartalmazhatnak, tetszőleges mélységben. Utóbbi azt jelenti, hogy tetszőleges számú </a:t>
+            </a:r>
+            <a:r>
+              <a:rPr lang="hu-HU" baseline="0" dirty="0" err="1" smtClean="0"/>
+              <a:t>if</a:t>
+            </a:r>
+            <a:r>
+              <a:rPr lang="hu-HU" baseline="0" dirty="0" smtClean="0"/>
+              <a:t> ágyazható egymásba. Próbáltam </a:t>
+            </a:r>
+            <a:r>
+              <a:rPr lang="hu-HU" baseline="0" dirty="0" err="1" smtClean="0"/>
+              <a:t>for</a:t>
+            </a:r>
+            <a:r>
+              <a:rPr lang="hu-HU" baseline="0" dirty="0" smtClean="0"/>
+              <a:t> ciklust is, de attól megbaszódott az </a:t>
+            </a:r>
+            <a:r>
+              <a:rPr lang="hu-HU" baseline="0" dirty="0" err="1" smtClean="0"/>
+              <a:t>xtext</a:t>
+            </a:r>
+            <a:r>
+              <a:rPr lang="hu-HU" baseline="0" dirty="0" smtClean="0"/>
+              <a:t>.</a:t>
+            </a:r>
+            <a:endParaRPr lang="hu-HU" dirty="0"/>
+          </a:p>
+        </p:txBody>
+      </p:sp>
+      <p:sp>
+        <p:nvSpPr>
+          <p:cNvPr id="4" name="Slide Number Placeholder 3"/>
+          <p:cNvSpPr>
+            <a:spLocks noGrp="1"/>
+          </p:cNvSpPr>
+          <p:nvPr>
+            <p:ph type="sldNum" sz="quarter" idx="10"/>
+          </p:nvPr>
+        </p:nvSpPr>
+        <p:spPr/>
+        <p:txBody>
+          <a:bodyPr/>
+          <a:lstStyle/>
+          <a:p>
+            <a:fld id="{A70A3C59-3253-3B42-8BE0-F6D0BA6B0441}" type="slidenum">
+              <a:rPr lang="en-US" smtClean="0"/>
+              <a:pPr/>
+              <a:t>9</a:t>
+            </a:fld>
+            <a:endParaRPr lang="en-US"/>
+          </a:p>
+        </p:txBody>
+      </p:sp>
+    </p:spTree>
+    <p:extLst>
+      <p:ext uri="{BB962C8B-B14F-4D97-AF65-F5344CB8AC3E}">
+        <p14:creationId xmlns:p14="http://schemas.microsoft.com/office/powerpoint/2010/main" val="2065922014"/>
       </p:ext>
     </p:extLst>
   </p:cSld>
@@ -7797,8 +8119,8 @@
           <a:lstStyle/>
           <a:p>
             <a:r>
-              <a:rPr lang="hu-HU" dirty="0" smtClean="0"/>
-              <a:t>Statisztika</a:t>
+              <a:rPr lang="hu-HU" dirty="0"/>
+              <a:t>Nyelvtan - utasítások</a:t>
             </a:r>
             <a:endParaRPr lang="en-US" dirty="0"/>
           </a:p>
@@ -7837,7 +8159,7 @@
           <p:nvPr/>
         </p:nvPicPr>
         <p:blipFill>
-          <a:blip r:embed="rId2"/>
+          <a:blip r:embed="rId3"/>
           <a:stretch>
             <a:fillRect/>
           </a:stretch>
@@ -7861,7 +8183,7 @@
           <p:nvPr/>
         </p:nvPicPr>
         <p:blipFill>
-          <a:blip r:embed="rId3"/>
+          <a:blip r:embed="rId4"/>
           <a:stretch>
             <a:fillRect/>
           </a:stretch>
@@ -7943,8 +8265,21 @@
                   <a:schemeClr val="tx2"/>
                 </a:solidFill>
               </a:rPr>
-              <a:t>Első feltétel volt igaz</a:t>
-            </a:r>
+              <a:t>Első feltétel volt </a:t>
+            </a:r>
+            <a:r>
+              <a:rPr lang="hu-HU" sz="2400" dirty="0" smtClean="0">
+                <a:solidFill>
+                  <a:schemeClr val="tx2"/>
+                </a:solidFill>
+              </a:rPr>
+              <a:t>igaz</a:t>
+            </a:r>
+            <a:endParaRPr lang="hu-HU" sz="2400" dirty="0" smtClean="0">
+              <a:solidFill>
+                <a:schemeClr val="tx2"/>
+              </a:solidFill>
+            </a:endParaRPr>
           </a:p>
         </p:txBody>
       </p:sp>
@@ -7958,11 +8293,11 @@
   <p:clrMapOvr>
     <a:masterClrMapping/>
   </p:clrMapOvr>
-  <mc:AlternateContent xmlns:mc="http://schemas.openxmlformats.org/markup-compatibility/2006">
-    <mc:Choice xmlns:p14="http://schemas.microsoft.com/office/powerpoint/2010/main" Requires="p14">
+  <mc:AlternateContent xmlns:mc="http://schemas.openxmlformats.org/markup-compatibility/2006" xmlns:p14="http://schemas.microsoft.com/office/powerpoint/2010/main">
+    <mc:Choice Requires="p14">
       <p:transition p14:dur="0" advClick="0"/>
     </mc:Choice>
-    <mc:Fallback>
+    <mc:Fallback xmlns="">
       <p:transition advClick="0"/>
     </mc:Fallback>
   </mc:AlternateContent>
@@ -10295,8 +10630,8 @@
           <a:lstStyle/>
           <a:p>
             <a:r>
-              <a:rPr lang="hu-HU" dirty="0" smtClean="0"/>
-              <a:t>Nyelvtan</a:t>
+              <a:rPr lang="hu-HU" dirty="0"/>
+              <a:t>Nyelvtan - deklarálás</a:t>
             </a:r>
             <a:endParaRPr lang="hu-HU" dirty="0"/>
           </a:p>
@@ -11080,7 +11415,15 @@
                   <a:schemeClr val="tx2"/>
                 </a:solidFill>
               </a:rPr>
-              <a:t>Generált példány</a:t>
+              <a:t>Generált </a:t>
+            </a:r>
+            <a:r>
+              <a:rPr lang="hu-HU" sz="2400" dirty="0" smtClean="0">
+                <a:solidFill>
+                  <a:schemeClr val="tx2"/>
+                </a:solidFill>
+              </a:rPr>
+              <a:t>viselkedési példány</a:t>
             </a:r>
             <a:endParaRPr lang="hu-HU" sz="2400" dirty="0">
               <a:solidFill>
@@ -11111,107 +11454,9 @@
   <p:timing>
     <p:tnLst>
       <p:par>
-        <p:cTn id="1" dur="indefinite" restart="never" nodeType="tmRoot">
-          <p:childTnLst>
-            <p:seq concurrent="1" nextAc="seek">
-              <p:cTn id="2" dur="indefinite" nodeType="mainSeq">
-                <p:childTnLst>
-                  <p:par>
-                    <p:cTn id="3" fill="hold">
-                      <p:stCondLst>
-                        <p:cond delay="indefinite"/>
-                      </p:stCondLst>
-                      <p:childTnLst>
-                        <p:par>
-                          <p:cTn id="4" fill="hold">
-                            <p:stCondLst>
-                              <p:cond delay="0"/>
-                            </p:stCondLst>
-                            <p:childTnLst>
-                              <p:par>
-                                <p:cTn id="5" presetID="1" presetClass="entr" presetSubtype="0" fill="hold" nodeType="clickEffect">
-                                  <p:stCondLst>
-                                    <p:cond delay="0"/>
-                                  </p:stCondLst>
-                                  <p:childTnLst>
-                                    <p:set>
-                                      <p:cBhvr>
-                                        <p:cTn id="6" dur="1" fill="hold">
-                                          <p:stCondLst>
-                                            <p:cond delay="0"/>
-                                          </p:stCondLst>
-                                        </p:cTn>
-                                        <p:tgtEl>
-                                          <p:spTgt spid="3"/>
-                                        </p:tgtEl>
-                                        <p:attrNameLst>
-                                          <p:attrName>style.visibility</p:attrName>
-                                        </p:attrNameLst>
-                                      </p:cBhvr>
-                                      <p:to>
-                                        <p:strVal val="visible"/>
-                                      </p:to>
-                                    </p:set>
-                                  </p:childTnLst>
-                                </p:cTn>
-                              </p:par>
-                              <p:par>
-                                <p:cTn id="7" presetID="1" presetClass="entr" presetSubtype="0" fill="hold" grpId="0" nodeType="withEffect">
-                                  <p:stCondLst>
-                                    <p:cond delay="0"/>
-                                  </p:stCondLst>
-                                  <p:childTnLst>
-                                    <p:set>
-                                      <p:cBhvr>
-                                        <p:cTn id="8" dur="1" fill="hold">
-                                          <p:stCondLst>
-                                            <p:cond delay="0"/>
-                                          </p:stCondLst>
-                                        </p:cTn>
-                                        <p:tgtEl>
-                                          <p:spTgt spid="12"/>
-                                        </p:tgtEl>
-                                        <p:attrNameLst>
-                                          <p:attrName>style.visibility</p:attrName>
-                                        </p:attrNameLst>
-                                      </p:cBhvr>
-                                      <p:to>
-                                        <p:strVal val="visible"/>
-                                      </p:to>
-                                    </p:set>
-                                  </p:childTnLst>
-                                </p:cTn>
-                              </p:par>
-                            </p:childTnLst>
-                          </p:cTn>
-                        </p:par>
-                      </p:childTnLst>
-                    </p:cTn>
-                  </p:par>
-                </p:childTnLst>
-              </p:cTn>
-              <p:prevCondLst>
-                <p:cond evt="onPrev" delay="0">
-                  <p:tgtEl>
-                    <p:sldTgt/>
-                  </p:tgtEl>
-                </p:cond>
-              </p:prevCondLst>
-              <p:nextCondLst>
-                <p:cond evt="onNext" delay="0">
-                  <p:tgtEl>
-                    <p:sldTgt/>
-                  </p:tgtEl>
-                </p:cond>
-              </p:nextCondLst>
-            </p:seq>
-          </p:childTnLst>
-        </p:cTn>
+        <p:cTn id="1" dur="indefinite" restart="never" nodeType="tmRoot"/>
       </p:par>
     </p:tnLst>
-    <p:bldLst>
-      <p:bldP spid="12" grpId="0" animBg="1"/>
-    </p:bldLst>
   </p:timing>
 </p:sld>
 </file>
@@ -11371,8 +11616,21 @@
                   <a:schemeClr val="tx2"/>
                 </a:solidFill>
               </a:rPr>
-              <a:t> utasítás: ismeretség, kollaboráció;</a:t>
-            </a:r>
+              <a:t> utasítás: ismeretség, </a:t>
+            </a:r>
+            <a:r>
+              <a:rPr lang="hu-HU" sz="2400" dirty="0" smtClean="0">
+                <a:solidFill>
+                  <a:schemeClr val="tx2"/>
+                </a:solidFill>
+              </a:rPr>
+              <a:t>kollaboráció</a:t>
+            </a:r>
+            <a:endParaRPr lang="hu-HU" sz="2400" dirty="0" smtClean="0">
+              <a:solidFill>
+                <a:schemeClr val="tx2"/>
+              </a:solidFill>
+            </a:endParaRPr>
           </a:p>
         </p:txBody>
       </p:sp>
@@ -11677,7 +11935,23 @@
                   <a:schemeClr val="tx2"/>
                 </a:solidFill>
               </a:rPr>
-              <a:t>-&gt; :utasítás szekvencia</a:t>
+              <a:t>-&gt; </a:t>
+            </a:r>
+            <a:r>
+              <a:rPr lang="hu-HU" sz="2400" dirty="0" smtClean="0">
+                <a:solidFill>
+                  <a:schemeClr val="tx2"/>
+                </a:solidFill>
+              </a:rPr>
+              <a:t>jel: utasítás </a:t>
+            </a:r>
+            <a:r>
+              <a:rPr lang="hu-HU" sz="2400" dirty="0" smtClean="0">
+                <a:solidFill>
+                  <a:schemeClr val="tx2"/>
+                </a:solidFill>
+              </a:rPr>
+              <a:t>szekvencia</a:t>
             </a:r>
             <a:endParaRPr lang="hu-HU" sz="2400" dirty="0">
               <a:solidFill>
@@ -11697,11 +11971,11 @@
   <p:clrMapOvr>
     <a:masterClrMapping/>
   </p:clrMapOvr>
-  <mc:AlternateContent xmlns:mc="http://schemas.openxmlformats.org/markup-compatibility/2006">
-    <mc:Choice xmlns:p14="http://schemas.microsoft.com/office/powerpoint/2010/main" Requires="p14">
+  <mc:AlternateContent xmlns:mc="http://schemas.openxmlformats.org/markup-compatibility/2006" xmlns:p14="http://schemas.microsoft.com/office/powerpoint/2010/main">
+    <mc:Choice Requires="p14">
       <p:transition p14:dur="0" advClick="0"/>
     </mc:Choice>
-    <mc:Fallback>
+    <mc:Fallback xmlns="">
       <p:transition advClick="0"/>
     </mc:Fallback>
   </mc:AlternateContent>
@@ -12003,8 +12277,8 @@
           <a:lstStyle/>
           <a:p>
             <a:r>
-              <a:rPr lang="hu-HU" dirty="0" smtClean="0"/>
-              <a:t>Nyelvtan</a:t>
+              <a:rPr lang="hu-HU" dirty="0"/>
+              <a:t>Nyelvtan - utasítások</a:t>
             </a:r>
             <a:endParaRPr lang="hu-HU" dirty="0"/>
           </a:p>
@@ -12309,7 +12583,7 @@
                             </p:stCondLst>
                             <p:childTnLst>
                               <p:par>
-                                <p:cTn id="5" presetID="1" presetClass="entr" presetSubtype="0" fill="hold" nodeType="clickEffect">
+                                <p:cTn id="5" presetID="1" presetClass="entr" presetSubtype="0" fill="hold" grpId="0" nodeType="clickEffect">
                                   <p:stCondLst>
                                     <p:cond delay="0"/>
                                   </p:stCondLst>
@@ -12317,51 +12591,6 @@
                                     <p:set>
                                       <p:cBhvr>
                                         <p:cTn id="6" dur="1" fill="hold">
-                                          <p:stCondLst>
-                                            <p:cond delay="0"/>
-                                          </p:stCondLst>
-                                        </p:cTn>
-                                        <p:tgtEl>
-                                          <p:spTgt spid="5"/>
-                                        </p:tgtEl>
-                                        <p:attrNameLst>
-                                          <p:attrName>style.visibility</p:attrName>
-                                        </p:attrNameLst>
-                                      </p:cBhvr>
-                                      <p:to>
-                                        <p:strVal val="visible"/>
-                                      </p:to>
-                                    </p:set>
-                                  </p:childTnLst>
-                                </p:cTn>
-                              </p:par>
-                            </p:childTnLst>
-                          </p:cTn>
-                        </p:par>
-                      </p:childTnLst>
-                    </p:cTn>
-                  </p:par>
-                  <p:par>
-                    <p:cTn id="7" fill="hold">
-                      <p:stCondLst>
-                        <p:cond delay="indefinite"/>
-                      </p:stCondLst>
-                      <p:childTnLst>
-                        <p:par>
-                          <p:cTn id="8" fill="hold">
-                            <p:stCondLst>
-                              <p:cond delay="0"/>
-                            </p:stCondLst>
-                            <p:childTnLst>
-                              <p:par>
-                                <p:cTn id="9" presetID="1" presetClass="entr" presetSubtype="0" fill="hold" grpId="0" nodeType="clickEffect">
-                                  <p:stCondLst>
-                                    <p:cond delay="0"/>
-                                  </p:stCondLst>
-                                  <p:childTnLst>
-                                    <p:set>
-                                      <p:cBhvr>
-                                        <p:cTn id="10" dur="1" fill="hold">
                                           <p:stCondLst>
                                             <p:cond delay="0"/>
                                           </p:stCondLst>
@@ -12381,14 +12610,14 @@
                                 </p:cTn>
                               </p:par>
                               <p:par>
-                                <p:cTn id="11" presetID="1" presetClass="entr" presetSubtype="0" fill="hold" grpId="0" nodeType="withEffect">
+                                <p:cTn id="7" presetID="1" presetClass="entr" presetSubtype="0" fill="hold" grpId="0" nodeType="withEffect">
                                   <p:stCondLst>
                                     <p:cond delay="0"/>
                                   </p:stCondLst>
                                   <p:childTnLst>
                                     <p:set>
                                       <p:cBhvr>
-                                        <p:cTn id="12" dur="1" fill="hold">
+                                        <p:cTn id="8" dur="1" fill="hold">
                                           <p:stCondLst>
                                             <p:cond delay="0"/>
                                           </p:stCondLst>
@@ -12408,14 +12637,14 @@
                                 </p:cTn>
                               </p:par>
                               <p:par>
-                                <p:cTn id="13" presetID="1" presetClass="entr" presetSubtype="0" fill="hold" grpId="0" nodeType="withEffect">
+                                <p:cTn id="9" presetID="1" presetClass="entr" presetSubtype="0" fill="hold" grpId="0" nodeType="withEffect">
                                   <p:stCondLst>
                                     <p:cond delay="0"/>
                                   </p:stCondLst>
                                   <p:childTnLst>
                                     <p:set>
                                       <p:cBhvr>
-                                        <p:cTn id="14" dur="1" fill="hold">
+                                        <p:cTn id="10" dur="1" fill="hold">
                                           <p:stCondLst>
                                             <p:cond delay="0"/>
                                           </p:stCondLst>
@@ -12503,8 +12732,8 @@
           <a:lstStyle/>
           <a:p>
             <a:r>
-              <a:rPr lang="hu-HU" dirty="0" smtClean="0"/>
-              <a:t>Nyelvtan</a:t>
+              <a:rPr lang="hu-HU" dirty="0"/>
+              <a:t>Nyelvtan - utasítások</a:t>
             </a:r>
             <a:endParaRPr lang="hu-HU" dirty="0"/>
           </a:p>
@@ -12720,11 +12949,11 @@
   <p:clrMapOvr>
     <a:masterClrMapping/>
   </p:clrMapOvr>
-  <mc:AlternateContent xmlns:mc="http://schemas.openxmlformats.org/markup-compatibility/2006">
-    <mc:Choice xmlns:p14="http://schemas.microsoft.com/office/powerpoint/2010/main" Requires="p14">
+  <mc:AlternateContent xmlns:mc="http://schemas.openxmlformats.org/markup-compatibility/2006" xmlns:p14="http://schemas.microsoft.com/office/powerpoint/2010/main">
+    <mc:Choice Requires="p14">
       <p:transition p14:dur="0" advClick="0"/>
     </mc:Choice>
-    <mc:Fallback>
+    <mc:Fallback xmlns="">
       <p:transition advClick="0"/>
     </mc:Fallback>
   </mc:AlternateContent>
@@ -12873,8 +13102,8 @@
           <a:lstStyle/>
           <a:p>
             <a:r>
-              <a:rPr lang="hu-HU" dirty="0" smtClean="0"/>
-              <a:t>Nyelvtan</a:t>
+              <a:rPr lang="hu-HU" dirty="0"/>
+              <a:t>Nyelvtan - utasítások</a:t>
             </a:r>
             <a:endParaRPr lang="hu-HU" dirty="0"/>
           </a:p>
@@ -13090,11 +13319,11 @@
   <p:clrMapOvr>
     <a:masterClrMapping/>
   </p:clrMapOvr>
-  <mc:AlternateContent xmlns:mc="http://schemas.openxmlformats.org/markup-compatibility/2006">
-    <mc:Choice xmlns:p14="http://schemas.microsoft.com/office/powerpoint/2010/main" Requires="p14">
+  <mc:AlternateContent xmlns:mc="http://schemas.openxmlformats.org/markup-compatibility/2006" xmlns:p14="http://schemas.microsoft.com/office/powerpoint/2010/main">
+    <mc:Choice Requires="p14">
       <p:transition p14:dur="0" advClick="0"/>
     </mc:Choice>
-    <mc:Fallback>
+    <mc:Fallback xmlns="">
       <p:transition advClick="0"/>
     </mc:Fallback>
   </mc:AlternateContent>
@@ -13243,8 +13472,8 @@
           <a:lstStyle/>
           <a:p>
             <a:r>
-              <a:rPr lang="hu-HU" dirty="0" smtClean="0"/>
-              <a:t>Statisztika</a:t>
+              <a:rPr lang="hu-HU" dirty="0"/>
+              <a:t>Nyelvtan - utasítások</a:t>
             </a:r>
             <a:endParaRPr lang="en-US" dirty="0"/>
           </a:p>
@@ -13283,7 +13512,7 @@
           <p:nvPr/>
         </p:nvPicPr>
         <p:blipFill>
-          <a:blip r:embed="rId2"/>
+          <a:blip r:embed="rId3"/>
           <a:stretch>
             <a:fillRect/>
           </a:stretch>
@@ -13357,8 +13586,21 @@
                   <a:schemeClr val="tx2"/>
                 </a:solidFill>
               </a:rPr>
-              <a:t>Feltételes elágazások</a:t>
-            </a:r>
+              <a:t>Feltételes </a:t>
+            </a:r>
+            <a:r>
+              <a:rPr lang="hu-HU" sz="2400" dirty="0" smtClean="0">
+                <a:solidFill>
+                  <a:schemeClr val="tx2"/>
+                </a:solidFill>
+              </a:rPr>
+              <a:t>elágazások</a:t>
+            </a:r>
+            <a:endParaRPr lang="hu-HU" sz="2400" dirty="0" smtClean="0">
+              <a:solidFill>
+                <a:schemeClr val="tx2"/>
+              </a:solidFill>
+            </a:endParaRPr>
           </a:p>
         </p:txBody>
       </p:sp>
@@ -13421,8 +13663,21 @@
                   <a:schemeClr val="tx2"/>
                 </a:solidFill>
               </a:rPr>
-              <a:t>Tetszőleges mélységű</a:t>
-            </a:r>
+              <a:t>Tetszőleges </a:t>
+            </a:r>
+            <a:r>
+              <a:rPr lang="hu-HU" sz="2400" dirty="0" smtClean="0">
+                <a:solidFill>
+                  <a:schemeClr val="tx2"/>
+                </a:solidFill>
+              </a:rPr>
+              <a:t>mélységű lehet</a:t>
+            </a:r>
+            <a:endParaRPr lang="hu-HU" sz="2400" dirty="0" smtClean="0">
+              <a:solidFill>
+                <a:schemeClr val="tx2"/>
+              </a:solidFill>
+            </a:endParaRPr>
           </a:p>
         </p:txBody>
       </p:sp>
@@ -13493,8 +13748,21 @@
                   <a:schemeClr val="tx2"/>
                 </a:solidFill>
               </a:rPr>
-              <a:t> ág</a:t>
-            </a:r>
+              <a:t> </a:t>
+            </a:r>
+            <a:r>
+              <a:rPr lang="hu-HU" sz="2400" dirty="0" smtClean="0">
+                <a:solidFill>
+                  <a:schemeClr val="tx2"/>
+                </a:solidFill>
+              </a:rPr>
+              <a:t>ág is definiálható</a:t>
+            </a:r>
+            <a:endParaRPr lang="hu-HU" sz="2400" dirty="0" smtClean="0">
+              <a:solidFill>
+                <a:schemeClr val="tx2"/>
+              </a:solidFill>
+            </a:endParaRPr>
           </a:p>
         </p:txBody>
       </p:sp>

--- a/doc/prezi/hw2/ztz-presentation.pptx
+++ b/doc/prezi/hw2/ztz-presentation.pptx
@@ -7,10 +7,10 @@
     <p:sldMasterId id="2147483655" r:id="rId3"/>
   </p:sldMasterIdLst>
   <p:notesMasterIdLst>
-    <p:notesMasterId r:id="rId15"/>
+    <p:notesMasterId r:id="rId19"/>
   </p:notesMasterIdLst>
   <p:handoutMasterIdLst>
-    <p:handoutMasterId r:id="rId16"/>
+    <p:handoutMasterId r:id="rId20"/>
   </p:handoutMasterIdLst>
   <p:sldIdLst>
     <p:sldId id="304" r:id="rId4"/>
@@ -23,7 +23,11 @@
     <p:sldId id="321" r:id="rId11"/>
     <p:sldId id="313" r:id="rId12"/>
     <p:sldId id="322" r:id="rId13"/>
-    <p:sldId id="312" r:id="rId14"/>
+    <p:sldId id="323" r:id="rId14"/>
+    <p:sldId id="324" r:id="rId15"/>
+    <p:sldId id="325" r:id="rId16"/>
+    <p:sldId id="326" r:id="rId17"/>
+    <p:sldId id="312" r:id="rId18"/>
   </p:sldIdLst>
   <p:sldSz cx="9144000" cy="6858000" type="screen4x3"/>
   <p:notesSz cx="6858000" cy="9144000"/>
@@ -137,6 +141,10 @@
             <p14:sldId id="321"/>
             <p14:sldId id="313"/>
             <p14:sldId id="322"/>
+            <p14:sldId id="323"/>
+            <p14:sldId id="324"/>
+            <p14:sldId id="325"/>
+            <p14:sldId id="326"/>
             <p14:sldId id="312"/>
           </p14:sldIdLst>
         </p14:section>
@@ -245,7 +253,7 @@
           <a:p>
             <a:fld id="{D320DF98-73A7-40A6-8A84-2EB5B4F2C4CC}" type="datetimeFigureOut">
               <a:rPr lang="hu-HU" smtClean="0"/>
-              <a:t>2016.04.29.</a:t>
+              <a:t>2016. 04. 29.</a:t>
             </a:fld>
             <a:endParaRPr lang="hu-HU"/>
           </a:p>
@@ -411,7 +419,7 @@
             <a:fld id="{B9130191-0BE1-0142-AFC1-0297AE024A0E}" type="datetimeFigureOut">
               <a:rPr lang="en-US" smtClean="0"/>
               <a:pPr/>
-              <a:t>29-Apr-16</a:t>
+              <a:t>4/29/2016</a:t>
             </a:fld>
             <a:endParaRPr lang="en-US"/>
           </a:p>
@@ -961,20 +969,12 @@
               <a:rPr lang="hu-HU" baseline="0" dirty="0" smtClean="0"/>
               <a:t> használja fel, tulajdonképpen importálja. </a:t>
             </a:r>
-            <a:r>
-              <a:rPr lang="hu-HU" baseline="0" dirty="0" smtClean="0"/>
-              <a:t/>
-            </a:r>
             <a:br>
               <a:rPr lang="hu-HU" baseline="0" dirty="0" smtClean="0"/>
             </a:br>
             <a:r>
               <a:rPr lang="hu-HU" baseline="0" dirty="0" smtClean="0"/>
-              <a:t>A </a:t>
-            </a:r>
-            <a:r>
-              <a:rPr lang="hu-HU" baseline="0" dirty="0" smtClean="0"/>
-              <a:t>nyelvtan példánya egy létező strukturális példánymodellt importál, és </a:t>
+              <a:t>A nyelvtan példánya egy létező strukturális példánymodellt importál, és </a:t>
             </a:r>
             <a:r>
               <a:rPr lang="hu-HU" baseline="0" dirty="0" err="1" smtClean="0"/>
@@ -982,15 +982,7 @@
             </a:r>
             <a:r>
               <a:rPr lang="hu-HU" baseline="0" dirty="0" smtClean="0"/>
-              <a:t> egy viselkedésit generál. Ez a </a:t>
-            </a:r>
-            <a:r>
-              <a:rPr lang="hu-HU" baseline="0" dirty="0" smtClean="0"/>
-              <a:t>viselkedés </a:t>
-            </a:r>
-            <a:r>
-              <a:rPr lang="hu-HU" baseline="0" dirty="0" smtClean="0"/>
-              <a:t>példány a strukturális példánymodellt egészíti ki. Tehát ami fontos, hogy létező strukturális példányokhoz vagyunk képesek viselkedést definiálni a nyelvtan segítségével, és viselkedési példányokat generálni, ami a strukturálisra referál.</a:t>
+              <a:t> egy viselkedésit generál. Ez a viselkedés példány a strukturális példánymodellt egészíti ki. Tehát ami fontos, hogy létező strukturális példányokhoz vagyunk képesek viselkedést definiálni a nyelvtan segítségével, és viselkedési példányokat generálni, ami a strukturálisra referál.</a:t>
             </a:r>
             <a:endParaRPr lang="hu-HU" dirty="0"/>
           </a:p>
@@ -1083,11 +1075,7 @@
             </a:r>
             <a:r>
               <a:rPr lang="hu-HU" baseline="0" dirty="0" smtClean="0"/>
-              <a:t> a lényeg, hogy minden hivatkozás a strukturális példányra történik. Automatikus </a:t>
-            </a:r>
-            <a:r>
-              <a:rPr lang="hu-HU" baseline="0" dirty="0" smtClean="0"/>
-              <a:t>kiegészítés van az írás közben, </a:t>
+              <a:t> a lényeg, hogy minden hivatkozás a strukturális példányra történik. Automatikus kiegészítés van az írás közben, </a:t>
             </a:r>
             <a:r>
               <a:rPr lang="hu-HU" baseline="0" dirty="0" err="1" smtClean="0"/>
@@ -1103,11 +1091,7 @@
             </a:r>
             <a:r>
               <a:rPr lang="hu-HU" baseline="0" dirty="0" smtClean="0"/>
-              <a:t> </a:t>
-            </a:r>
-            <a:r>
-              <a:rPr lang="hu-HU" baseline="0" dirty="0" smtClean="0"/>
-              <a:t>átírása megtörtént.</a:t>
+              <a:t> átírása megtörtént.</a:t>
             </a:r>
             <a:endParaRPr lang="hu-HU" dirty="0"/>
           </a:p>
@@ -1325,15 +1309,7 @@
             </a:r>
             <a:r>
               <a:rPr lang="hu-HU" baseline="0" dirty="0" smtClean="0"/>
-              <a:t>: konkrét akció. </a:t>
-            </a:r>
-            <a:r>
-              <a:rPr lang="hu-HU" baseline="0" dirty="0" smtClean="0"/>
-              <a:t>A -&gt; </a:t>
-            </a:r>
-            <a:r>
-              <a:rPr lang="hu-HU" baseline="0" dirty="0" smtClean="0"/>
-              <a:t>jellel utasítások egy sorozatát lehet megadni. </a:t>
+              <a:t>: konkrét akció. A -&gt; jellel utasítások egy sorozatát lehet megadni. </a:t>
             </a:r>
             <a:r>
               <a:rPr lang="hu-HU" baseline="0" dirty="0" err="1" smtClean="0"/>
@@ -1341,15 +1317,7 @@
             </a:r>
             <a:r>
               <a:rPr lang="hu-HU" baseline="0" dirty="0" smtClean="0"/>
-              <a:t>: üzenetek küldése, lehet egy célpont, </a:t>
-            </a:r>
-            <a:r>
-              <a:rPr lang="hu-HU" baseline="0" dirty="0" smtClean="0"/>
-              <a:t>több célpont, </a:t>
-            </a:r>
-            <a:r>
-              <a:rPr lang="hu-HU" baseline="0" dirty="0" smtClean="0"/>
-              <a:t>de akár </a:t>
+              <a:t>: üzenetek küldése, lehet egy célpont, több célpont, de akár </a:t>
             </a:r>
             <a:r>
               <a:rPr lang="hu-HU" baseline="0" dirty="0" err="1" smtClean="0"/>
@@ -1357,19 +1325,7 @@
             </a:r>
             <a:r>
               <a:rPr lang="hu-HU" baseline="0" dirty="0" smtClean="0"/>
-              <a:t> is </a:t>
-            </a:r>
-            <a:r>
-              <a:rPr lang="hu-HU" baseline="0" dirty="0" smtClean="0"/>
-              <a:t>(* operátorral), </a:t>
-            </a:r>
-            <a:r>
-              <a:rPr lang="hu-HU" baseline="0" dirty="0" smtClean="0"/>
-              <a:t>ekkor azoknak küld üzenetet, akikkel kapcsolatban van </a:t>
-            </a:r>
-            <a:r>
-              <a:rPr lang="hu-HU" baseline="0" dirty="0" smtClean="0"/>
-              <a:t>(tehát volt korábban </a:t>
+              <a:t> is (* operátorral), ekkor azoknak küld üzenetet, akikkel kapcsolatban van (tehát volt korábban </a:t>
             </a:r>
             <a:r>
               <a:rPr lang="hu-HU" baseline="0" dirty="0" err="1" smtClean="0"/>
@@ -1377,11 +1333,7 @@
             </a:r>
             <a:r>
               <a:rPr lang="hu-HU" baseline="0" dirty="0" smtClean="0"/>
-              <a:t> </a:t>
-            </a:r>
-            <a:r>
-              <a:rPr lang="hu-HU" baseline="0" dirty="0" smtClean="0"/>
-              <a:t>utasítás közöttük). Üzenetek egymásra épülhetnek, lásd </a:t>
+              <a:t> utasítás közöttük). Üzenetek egymásra épülhetnek, lásd </a:t>
             </a:r>
             <a:r>
               <a:rPr lang="hu-HU" baseline="0" dirty="0" err="1" smtClean="0"/>
@@ -8265,21 +8217,8 @@
                   <a:schemeClr val="tx2"/>
                 </a:solidFill>
               </a:rPr>
-              <a:t>Első feltétel volt </a:t>
-            </a:r>
-            <a:r>
-              <a:rPr lang="hu-HU" sz="2400" dirty="0" smtClean="0">
-                <a:solidFill>
-                  <a:schemeClr val="tx2"/>
-                </a:solidFill>
-              </a:rPr>
-              <a:t>igaz</a:t>
-            </a:r>
-            <a:endParaRPr lang="hu-HU" sz="2400" dirty="0" smtClean="0">
-              <a:solidFill>
-                <a:schemeClr val="tx2"/>
-              </a:solidFill>
-            </a:endParaRPr>
+              <a:t>Első feltétel volt igaz</a:t>
+            </a:r>
           </a:p>
         </p:txBody>
       </p:sp>
@@ -8401,6 +8340,828 @@
       </p:grpSpPr>
       <p:sp>
         <p:nvSpPr>
+          <p:cNvPr id="2" name="Cím 1"/>
+          <p:cNvSpPr>
+            <a:spLocks noGrp="1"/>
+          </p:cNvSpPr>
+          <p:nvPr>
+            <p:ph type="title"/>
+          </p:nvPr>
+        </p:nvSpPr>
+        <p:spPr/>
+        <p:txBody>
+          <a:bodyPr/>
+          <a:lstStyle/>
+          <a:p>
+            <a:r>
+              <a:rPr lang="en-US" dirty="0" smtClean="0"/>
+              <a:t>Sirius editor</a:t>
+            </a:r>
+            <a:endParaRPr lang="en-US" dirty="0"/>
+          </a:p>
+        </p:txBody>
+      </p:sp>
+      <p:sp>
+        <p:nvSpPr>
+          <p:cNvPr id="3" name="Tartalom helye 2"/>
+          <p:cNvSpPr>
+            <a:spLocks noGrp="1"/>
+          </p:cNvSpPr>
+          <p:nvPr>
+            <p:ph idx="1"/>
+          </p:nvPr>
+        </p:nvSpPr>
+        <p:spPr/>
+        <p:txBody>
+          <a:bodyPr/>
+          <a:lstStyle/>
+          <a:p>
+            <a:r>
+              <a:rPr lang="hu-HU" dirty="0" smtClean="0"/>
+              <a:t>Elkészítettük a robot és a környezet leírásához szükséges </a:t>
+            </a:r>
+            <a:r>
+              <a:rPr lang="hu-HU" dirty="0" err="1" smtClean="0"/>
+              <a:t>Sirius</a:t>
+            </a:r>
+            <a:r>
+              <a:rPr lang="hu-HU" dirty="0" smtClean="0"/>
+              <a:t> editorokat</a:t>
+            </a:r>
+          </a:p>
+          <a:p>
+            <a:r>
+              <a:rPr lang="hu-HU" dirty="0" smtClean="0"/>
+              <a:t>A </a:t>
+            </a:r>
+            <a:r>
+              <a:rPr lang="hu-HU" dirty="0" err="1" smtClean="0"/>
+              <a:t>metamodell</a:t>
+            </a:r>
+            <a:r>
+              <a:rPr lang="hu-HU" dirty="0" smtClean="0"/>
+              <a:t> elemeit ezek segítségével meg lehet valósítani</a:t>
+            </a:r>
+            <a:endParaRPr lang="en-US" dirty="0" smtClean="0"/>
+          </a:p>
+          <a:p>
+            <a:endParaRPr lang="hu-HU" dirty="0"/>
+          </a:p>
+        </p:txBody>
+      </p:sp>
+      <p:sp>
+        <p:nvSpPr>
+          <p:cNvPr id="4" name="Dia számának helye 3"/>
+          <p:cNvSpPr>
+            <a:spLocks noGrp="1"/>
+          </p:cNvSpPr>
+          <p:nvPr>
+            <p:ph type="sldNum" sz="quarter" idx="10"/>
+          </p:nvPr>
+        </p:nvSpPr>
+        <p:spPr/>
+        <p:txBody>
+          <a:bodyPr/>
+          <a:lstStyle/>
+          <a:p>
+            <a:fld id="{A7C85712-A09B-4560-9D1E-08050AA835BB}" type="slidenum">
+              <a:rPr lang="hu-HU" smtClean="0"/>
+              <a:pPr/>
+              <a:t>11</a:t>
+            </a:fld>
+            <a:endParaRPr lang="hu-HU" dirty="0"/>
+          </a:p>
+        </p:txBody>
+      </p:sp>
+      <p:pic>
+        <p:nvPicPr>
+          <p:cNvPr id="5" name="Kép 4"/>
+          <p:cNvPicPr>
+            <a:picLocks noChangeAspect="1"/>
+          </p:cNvPicPr>
+          <p:nvPr/>
+        </p:nvPicPr>
+        <p:blipFill>
+          <a:blip r:embed="rId2">
+            <a:extLst>
+              <a:ext uri="{28A0092B-C50C-407E-A947-70E740481C1C}">
+                <a14:useLocalDpi xmlns:a14="http://schemas.microsoft.com/office/drawing/2010/main" val="0"/>
+              </a:ext>
+            </a:extLst>
+          </a:blip>
+          <a:stretch>
+            <a:fillRect/>
+          </a:stretch>
+        </p:blipFill>
+        <p:spPr>
+          <a:xfrm>
+            <a:off x="0" y="720725"/>
+            <a:ext cx="4453622" cy="4241156"/>
+          </a:xfrm>
+          <a:prstGeom prst="rect">
+            <a:avLst/>
+          </a:prstGeom>
+        </p:spPr>
+      </p:pic>
+      <p:pic>
+        <p:nvPicPr>
+          <p:cNvPr id="6" name="Kép 5"/>
+          <p:cNvPicPr>
+            <a:picLocks noChangeAspect="1"/>
+          </p:cNvPicPr>
+          <p:nvPr/>
+        </p:nvPicPr>
+        <p:blipFill>
+          <a:blip r:embed="rId3">
+            <a:extLst>
+              <a:ext uri="{28A0092B-C50C-407E-A947-70E740481C1C}">
+                <a14:useLocalDpi xmlns:a14="http://schemas.microsoft.com/office/drawing/2010/main" val="0"/>
+              </a:ext>
+            </a:extLst>
+          </a:blip>
+          <a:stretch>
+            <a:fillRect/>
+          </a:stretch>
+        </p:blipFill>
+        <p:spPr>
+          <a:xfrm>
+            <a:off x="4210050" y="720725"/>
+            <a:ext cx="4933950" cy="5619750"/>
+          </a:xfrm>
+          <a:prstGeom prst="rect">
+            <a:avLst/>
+          </a:prstGeom>
+        </p:spPr>
+      </p:pic>
+    </p:spTree>
+    <p:extLst>
+      <p:ext uri="{BB962C8B-B14F-4D97-AF65-F5344CB8AC3E}">
+        <p14:creationId xmlns:p14="http://schemas.microsoft.com/office/powerpoint/2010/main" val="387241711"/>
+      </p:ext>
+    </p:extLst>
+  </p:cSld>
+  <p:clrMapOvr>
+    <a:masterClrMapping/>
+  </p:clrMapOvr>
+  <mc:AlternateContent xmlns:mc="http://schemas.openxmlformats.org/markup-compatibility/2006">
+    <mc:Choice xmlns:p14="http://schemas.microsoft.com/office/powerpoint/2010/main" Requires="p14">
+      <p:transition p14:dur="10" advClick="0"/>
+    </mc:Choice>
+    <mc:Fallback>
+      <p:transition advClick="0"/>
+    </mc:Fallback>
+  </mc:AlternateContent>
+  <p:timing>
+    <p:tnLst>
+      <p:par>
+        <p:cTn id="1" dur="indefinite" restart="never" nodeType="tmRoot">
+          <p:childTnLst>
+            <p:seq concurrent="1" nextAc="seek">
+              <p:cTn id="2" dur="indefinite" nodeType="mainSeq">
+                <p:childTnLst>
+                  <p:par>
+                    <p:cTn id="3" fill="hold">
+                      <p:stCondLst>
+                        <p:cond delay="indefinite"/>
+                      </p:stCondLst>
+                      <p:childTnLst>
+                        <p:par>
+                          <p:cTn id="4" fill="hold">
+                            <p:stCondLst>
+                              <p:cond delay="0"/>
+                            </p:stCondLst>
+                            <p:childTnLst>
+                              <p:par>
+                                <p:cTn id="5" presetID="53" presetClass="entr" presetSubtype="16" fill="hold" nodeType="clickEffect">
+                                  <p:stCondLst>
+                                    <p:cond delay="0"/>
+                                  </p:stCondLst>
+                                  <p:childTnLst>
+                                    <p:set>
+                                      <p:cBhvr>
+                                        <p:cTn id="6" dur="1" fill="hold">
+                                          <p:stCondLst>
+                                            <p:cond delay="0"/>
+                                          </p:stCondLst>
+                                        </p:cTn>
+                                        <p:tgtEl>
+                                          <p:spTgt spid="5"/>
+                                        </p:tgtEl>
+                                        <p:attrNameLst>
+                                          <p:attrName>style.visibility</p:attrName>
+                                        </p:attrNameLst>
+                                      </p:cBhvr>
+                                      <p:to>
+                                        <p:strVal val="visible"/>
+                                      </p:to>
+                                    </p:set>
+                                    <p:anim calcmode="lin" valueType="num">
+                                      <p:cBhvr>
+                                        <p:cTn id="7" dur="500" fill="hold"/>
+                                        <p:tgtEl>
+                                          <p:spTgt spid="5"/>
+                                        </p:tgtEl>
+                                        <p:attrNameLst>
+                                          <p:attrName>ppt_w</p:attrName>
+                                        </p:attrNameLst>
+                                      </p:cBhvr>
+                                      <p:tavLst>
+                                        <p:tav tm="0">
+                                          <p:val>
+                                            <p:fltVal val="0"/>
+                                          </p:val>
+                                        </p:tav>
+                                        <p:tav tm="100000">
+                                          <p:val>
+                                            <p:strVal val="#ppt_w"/>
+                                          </p:val>
+                                        </p:tav>
+                                      </p:tavLst>
+                                    </p:anim>
+                                    <p:anim calcmode="lin" valueType="num">
+                                      <p:cBhvr>
+                                        <p:cTn id="8" dur="500" fill="hold"/>
+                                        <p:tgtEl>
+                                          <p:spTgt spid="5"/>
+                                        </p:tgtEl>
+                                        <p:attrNameLst>
+                                          <p:attrName>ppt_h</p:attrName>
+                                        </p:attrNameLst>
+                                      </p:cBhvr>
+                                      <p:tavLst>
+                                        <p:tav tm="0">
+                                          <p:val>
+                                            <p:fltVal val="0"/>
+                                          </p:val>
+                                        </p:tav>
+                                        <p:tav tm="100000">
+                                          <p:val>
+                                            <p:strVal val="#ppt_h"/>
+                                          </p:val>
+                                        </p:tav>
+                                      </p:tavLst>
+                                    </p:anim>
+                                    <p:animEffect transition="in" filter="fade">
+                                      <p:cBhvr>
+                                        <p:cTn id="9" dur="500"/>
+                                        <p:tgtEl>
+                                          <p:spTgt spid="5"/>
+                                        </p:tgtEl>
+                                      </p:cBhvr>
+                                    </p:animEffect>
+                                  </p:childTnLst>
+                                </p:cTn>
+                              </p:par>
+                              <p:par>
+                                <p:cTn id="10" presetID="53" presetClass="entr" presetSubtype="16" fill="hold" nodeType="withEffect">
+                                  <p:stCondLst>
+                                    <p:cond delay="0"/>
+                                  </p:stCondLst>
+                                  <p:childTnLst>
+                                    <p:set>
+                                      <p:cBhvr>
+                                        <p:cTn id="11" dur="1" fill="hold">
+                                          <p:stCondLst>
+                                            <p:cond delay="0"/>
+                                          </p:stCondLst>
+                                        </p:cTn>
+                                        <p:tgtEl>
+                                          <p:spTgt spid="6"/>
+                                        </p:tgtEl>
+                                        <p:attrNameLst>
+                                          <p:attrName>style.visibility</p:attrName>
+                                        </p:attrNameLst>
+                                      </p:cBhvr>
+                                      <p:to>
+                                        <p:strVal val="visible"/>
+                                      </p:to>
+                                    </p:set>
+                                    <p:anim calcmode="lin" valueType="num">
+                                      <p:cBhvr>
+                                        <p:cTn id="12" dur="500" fill="hold"/>
+                                        <p:tgtEl>
+                                          <p:spTgt spid="6"/>
+                                        </p:tgtEl>
+                                        <p:attrNameLst>
+                                          <p:attrName>ppt_w</p:attrName>
+                                        </p:attrNameLst>
+                                      </p:cBhvr>
+                                      <p:tavLst>
+                                        <p:tav tm="0">
+                                          <p:val>
+                                            <p:fltVal val="0"/>
+                                          </p:val>
+                                        </p:tav>
+                                        <p:tav tm="100000">
+                                          <p:val>
+                                            <p:strVal val="#ppt_w"/>
+                                          </p:val>
+                                        </p:tav>
+                                      </p:tavLst>
+                                    </p:anim>
+                                    <p:anim calcmode="lin" valueType="num">
+                                      <p:cBhvr>
+                                        <p:cTn id="13" dur="500" fill="hold"/>
+                                        <p:tgtEl>
+                                          <p:spTgt spid="6"/>
+                                        </p:tgtEl>
+                                        <p:attrNameLst>
+                                          <p:attrName>ppt_h</p:attrName>
+                                        </p:attrNameLst>
+                                      </p:cBhvr>
+                                      <p:tavLst>
+                                        <p:tav tm="0">
+                                          <p:val>
+                                            <p:fltVal val="0"/>
+                                          </p:val>
+                                        </p:tav>
+                                        <p:tav tm="100000">
+                                          <p:val>
+                                            <p:strVal val="#ppt_h"/>
+                                          </p:val>
+                                        </p:tav>
+                                      </p:tavLst>
+                                    </p:anim>
+                                    <p:animEffect transition="in" filter="fade">
+                                      <p:cBhvr>
+                                        <p:cTn id="14" dur="500"/>
+                                        <p:tgtEl>
+                                          <p:spTgt spid="6"/>
+                                        </p:tgtEl>
+                                      </p:cBhvr>
+                                    </p:animEffect>
+                                  </p:childTnLst>
+                                </p:cTn>
+                              </p:par>
+                            </p:childTnLst>
+                          </p:cTn>
+                        </p:par>
+                      </p:childTnLst>
+                    </p:cTn>
+                  </p:par>
+                </p:childTnLst>
+              </p:cTn>
+              <p:prevCondLst>
+                <p:cond evt="onPrev" delay="0">
+                  <p:tgtEl>
+                    <p:sldTgt/>
+                  </p:tgtEl>
+                </p:cond>
+              </p:prevCondLst>
+              <p:nextCondLst>
+                <p:cond evt="onNext" delay="0">
+                  <p:tgtEl>
+                    <p:sldTgt/>
+                  </p:tgtEl>
+                </p:cond>
+              </p:nextCondLst>
+            </p:seq>
+          </p:childTnLst>
+        </p:cTn>
+      </p:par>
+    </p:tnLst>
+  </p:timing>
+</p:sld>
+</file>
+
+<file path=ppt/slides/slide12.xml><?xml version="1.0" encoding="utf-8"?>
+<p:sld xmlns:a="http://schemas.openxmlformats.org/drawingml/2006/main" xmlns:r="http://schemas.openxmlformats.org/officeDocument/2006/relationships" xmlns:p="http://schemas.openxmlformats.org/presentationml/2006/main">
+  <p:cSld>
+    <p:spTree>
+      <p:nvGrpSpPr>
+        <p:cNvPr id="1" name=""/>
+        <p:cNvGrpSpPr/>
+        <p:nvPr/>
+      </p:nvGrpSpPr>
+      <p:grpSpPr>
+        <a:xfrm>
+          <a:off x="0" y="0"/>
+          <a:ext cx="0" cy="0"/>
+          <a:chOff x="0" y="0"/>
+          <a:chExt cx="0" cy="0"/>
+        </a:xfrm>
+      </p:grpSpPr>
+      <p:sp>
+        <p:nvSpPr>
+          <p:cNvPr id="2" name="Cím 1"/>
+          <p:cNvSpPr>
+            <a:spLocks noGrp="1"/>
+          </p:cNvSpPr>
+          <p:nvPr>
+            <p:ph type="title"/>
+          </p:nvPr>
+        </p:nvSpPr>
+        <p:spPr/>
+        <p:txBody>
+          <a:bodyPr/>
+          <a:lstStyle/>
+          <a:p>
+            <a:r>
+              <a:rPr lang="en-US" dirty="0" smtClean="0"/>
+              <a:t>Sirius editor</a:t>
+            </a:r>
+            <a:endParaRPr lang="en-US" dirty="0"/>
+          </a:p>
+        </p:txBody>
+      </p:sp>
+      <p:pic>
+        <p:nvPicPr>
+          <p:cNvPr id="7" name="Tartalom helye 6"/>
+          <p:cNvPicPr>
+            <a:picLocks noGrp="1" noChangeAspect="1"/>
+          </p:cNvPicPr>
+          <p:nvPr>
+            <p:ph idx="1"/>
+          </p:nvPr>
+        </p:nvPicPr>
+        <p:blipFill>
+          <a:blip r:embed="rId2">
+            <a:extLst>
+              <a:ext uri="{28A0092B-C50C-407E-A947-70E740481C1C}">
+                <a14:useLocalDpi xmlns:a14="http://schemas.microsoft.com/office/drawing/2010/main" val="0"/>
+              </a:ext>
+            </a:extLst>
+          </a:blip>
+          <a:stretch>
+            <a:fillRect/>
+          </a:stretch>
+        </p:blipFill>
+        <p:spPr>
+          <a:xfrm>
+            <a:off x="142875" y="1232802"/>
+            <a:ext cx="8858250" cy="4778159"/>
+          </a:xfrm>
+        </p:spPr>
+      </p:pic>
+      <p:sp>
+        <p:nvSpPr>
+          <p:cNvPr id="4" name="Dia számának helye 3"/>
+          <p:cNvSpPr>
+            <a:spLocks noGrp="1"/>
+          </p:cNvSpPr>
+          <p:nvPr>
+            <p:ph type="sldNum" sz="quarter" idx="10"/>
+          </p:nvPr>
+        </p:nvSpPr>
+        <p:spPr/>
+        <p:txBody>
+          <a:bodyPr/>
+          <a:lstStyle/>
+          <a:p>
+            <a:fld id="{A7C85712-A09B-4560-9D1E-08050AA835BB}" type="slidenum">
+              <a:rPr lang="hu-HU" smtClean="0"/>
+              <a:pPr/>
+              <a:t>12</a:t>
+            </a:fld>
+            <a:endParaRPr lang="hu-HU" dirty="0"/>
+          </a:p>
+        </p:txBody>
+      </p:sp>
+    </p:spTree>
+    <p:extLst>
+      <p:ext uri="{BB962C8B-B14F-4D97-AF65-F5344CB8AC3E}">
+        <p14:creationId xmlns:p14="http://schemas.microsoft.com/office/powerpoint/2010/main" val="873267543"/>
+      </p:ext>
+    </p:extLst>
+  </p:cSld>
+  <p:clrMapOvr>
+    <a:masterClrMapping/>
+  </p:clrMapOvr>
+  <mc:AlternateContent xmlns:mc="http://schemas.openxmlformats.org/markup-compatibility/2006">
+    <mc:Choice xmlns:p14="http://schemas.microsoft.com/office/powerpoint/2010/main" Requires="p14">
+      <p:transition p14:dur="10" advClick="0"/>
+    </mc:Choice>
+    <mc:Fallback>
+      <p:transition advClick="0"/>
+    </mc:Fallback>
+  </mc:AlternateContent>
+  <p:timing>
+    <p:tnLst>
+      <p:par>
+        <p:cTn id="1" dur="indefinite" restart="never" nodeType="tmRoot"/>
+      </p:par>
+    </p:tnLst>
+  </p:timing>
+</p:sld>
+</file>
+
+<file path=ppt/slides/slide13.xml><?xml version="1.0" encoding="utf-8"?>
+<p:sld xmlns:a="http://schemas.openxmlformats.org/drawingml/2006/main" xmlns:r="http://schemas.openxmlformats.org/officeDocument/2006/relationships" xmlns:p="http://schemas.openxmlformats.org/presentationml/2006/main">
+  <p:cSld>
+    <p:spTree>
+      <p:nvGrpSpPr>
+        <p:cNvPr id="1" name=""/>
+        <p:cNvGrpSpPr/>
+        <p:nvPr/>
+      </p:nvGrpSpPr>
+      <p:grpSpPr>
+        <a:xfrm>
+          <a:off x="0" y="0"/>
+          <a:ext cx="0" cy="0"/>
+          <a:chOff x="0" y="0"/>
+          <a:chExt cx="0" cy="0"/>
+        </a:xfrm>
+      </p:grpSpPr>
+      <p:sp>
+        <p:nvSpPr>
+          <p:cNvPr id="2" name="Cím 1"/>
+          <p:cNvSpPr>
+            <a:spLocks noGrp="1"/>
+          </p:cNvSpPr>
+          <p:nvPr>
+            <p:ph type="title"/>
+          </p:nvPr>
+        </p:nvSpPr>
+        <p:spPr/>
+        <p:txBody>
+          <a:bodyPr/>
+          <a:lstStyle/>
+          <a:p>
+            <a:r>
+              <a:rPr lang="en-US" dirty="0" smtClean="0"/>
+              <a:t>Sirius editor</a:t>
+            </a:r>
+            <a:endParaRPr lang="en-US" dirty="0"/>
+          </a:p>
+        </p:txBody>
+      </p:sp>
+      <p:pic>
+        <p:nvPicPr>
+          <p:cNvPr id="7" name="Tartalom helye 6"/>
+          <p:cNvPicPr>
+            <a:picLocks noGrp="1" noChangeAspect="1"/>
+          </p:cNvPicPr>
+          <p:nvPr>
+            <p:ph idx="1"/>
+          </p:nvPr>
+        </p:nvPicPr>
+        <p:blipFill>
+          <a:blip r:embed="rId2">
+            <a:extLst>
+              <a:ext uri="{28A0092B-C50C-407E-A947-70E740481C1C}">
+                <a14:useLocalDpi xmlns:a14="http://schemas.microsoft.com/office/drawing/2010/main" val="0"/>
+              </a:ext>
+            </a:extLst>
+          </a:blip>
+          <a:stretch>
+            <a:fillRect/>
+          </a:stretch>
+        </p:blipFill>
+        <p:spPr>
+          <a:xfrm>
+            <a:off x="142875" y="1433496"/>
+            <a:ext cx="8858250" cy="4376771"/>
+          </a:xfrm>
+        </p:spPr>
+      </p:pic>
+      <p:sp>
+        <p:nvSpPr>
+          <p:cNvPr id="4" name="Dia számának helye 3"/>
+          <p:cNvSpPr>
+            <a:spLocks noGrp="1"/>
+          </p:cNvSpPr>
+          <p:nvPr>
+            <p:ph type="sldNum" sz="quarter" idx="10"/>
+          </p:nvPr>
+        </p:nvSpPr>
+        <p:spPr/>
+        <p:txBody>
+          <a:bodyPr/>
+          <a:lstStyle/>
+          <a:p>
+            <a:fld id="{A7C85712-A09B-4560-9D1E-08050AA835BB}" type="slidenum">
+              <a:rPr lang="hu-HU" smtClean="0"/>
+              <a:pPr/>
+              <a:t>13</a:t>
+            </a:fld>
+            <a:endParaRPr lang="hu-HU" dirty="0"/>
+          </a:p>
+        </p:txBody>
+      </p:sp>
+    </p:spTree>
+    <p:extLst>
+      <p:ext uri="{BB962C8B-B14F-4D97-AF65-F5344CB8AC3E}">
+        <p14:creationId xmlns:p14="http://schemas.microsoft.com/office/powerpoint/2010/main" val="4223566891"/>
+      </p:ext>
+    </p:extLst>
+  </p:cSld>
+  <p:clrMapOvr>
+    <a:masterClrMapping/>
+  </p:clrMapOvr>
+  <mc:AlternateContent xmlns:mc="http://schemas.openxmlformats.org/markup-compatibility/2006">
+    <mc:Choice xmlns:p14="http://schemas.microsoft.com/office/powerpoint/2010/main" Requires="p14">
+      <p:transition p14:dur="10" advClick="0"/>
+    </mc:Choice>
+    <mc:Fallback>
+      <p:transition advClick="0"/>
+    </mc:Fallback>
+  </mc:AlternateContent>
+  <p:timing>
+    <p:tnLst>
+      <p:par>
+        <p:cTn id="1" dur="indefinite" restart="never" nodeType="tmRoot"/>
+      </p:par>
+    </p:tnLst>
+  </p:timing>
+</p:sld>
+</file>
+
+<file path=ppt/slides/slide14.xml><?xml version="1.0" encoding="utf-8"?>
+<p:sld xmlns:a="http://schemas.openxmlformats.org/drawingml/2006/main" xmlns:r="http://schemas.openxmlformats.org/officeDocument/2006/relationships" xmlns:p="http://schemas.openxmlformats.org/presentationml/2006/main">
+  <p:cSld>
+    <p:spTree>
+      <p:nvGrpSpPr>
+        <p:cNvPr id="1" name=""/>
+        <p:cNvGrpSpPr/>
+        <p:nvPr/>
+      </p:nvGrpSpPr>
+      <p:grpSpPr>
+        <a:xfrm>
+          <a:off x="0" y="0"/>
+          <a:ext cx="0" cy="0"/>
+          <a:chOff x="0" y="0"/>
+          <a:chExt cx="0" cy="0"/>
+        </a:xfrm>
+      </p:grpSpPr>
+      <p:sp>
+        <p:nvSpPr>
+          <p:cNvPr id="2" name="Cím 1"/>
+          <p:cNvSpPr>
+            <a:spLocks noGrp="1"/>
+          </p:cNvSpPr>
+          <p:nvPr>
+            <p:ph type="title"/>
+          </p:nvPr>
+        </p:nvSpPr>
+        <p:spPr/>
+        <p:txBody>
+          <a:bodyPr/>
+          <a:lstStyle/>
+          <a:p>
+            <a:r>
+              <a:rPr lang="en-US" dirty="0" err="1" smtClean="0"/>
+              <a:t>Munkanapló</a:t>
+            </a:r>
+            <a:endParaRPr lang="en-US" dirty="0"/>
+          </a:p>
+        </p:txBody>
+      </p:sp>
+      <p:sp>
+        <p:nvSpPr>
+          <p:cNvPr id="3" name="Tartalom helye 2"/>
+          <p:cNvSpPr>
+            <a:spLocks noGrp="1"/>
+          </p:cNvSpPr>
+          <p:nvPr>
+            <p:ph idx="1"/>
+          </p:nvPr>
+        </p:nvSpPr>
+        <p:spPr/>
+        <p:txBody>
+          <a:bodyPr/>
+          <a:lstStyle/>
+          <a:p>
+            <a:r>
+              <a:rPr lang="en-US" dirty="0" err="1" smtClean="0"/>
+              <a:t>Eddig</a:t>
+            </a:r>
+            <a:r>
+              <a:rPr lang="en-US" dirty="0" smtClean="0"/>
+              <a:t> a </a:t>
+            </a:r>
+            <a:r>
+              <a:rPr lang="en-US" dirty="0" err="1" smtClean="0"/>
+              <a:t>feladatra</a:t>
+            </a:r>
+            <a:r>
+              <a:rPr lang="en-US" dirty="0" smtClean="0"/>
+              <a:t> </a:t>
+            </a:r>
+            <a:r>
+              <a:rPr lang="en-US" dirty="0" err="1" smtClean="0"/>
+              <a:t>fordított</a:t>
+            </a:r>
+            <a:r>
+              <a:rPr lang="en-US" dirty="0" smtClean="0"/>
+              <a:t> </a:t>
+            </a:r>
+            <a:r>
+              <a:rPr lang="en-US" dirty="0" err="1" smtClean="0"/>
+              <a:t>idő</a:t>
+            </a:r>
+            <a:r>
+              <a:rPr lang="en-US" dirty="0" smtClean="0"/>
+              <a:t>: 105 </a:t>
+            </a:r>
+            <a:r>
+              <a:rPr lang="en-US" dirty="0" err="1" smtClean="0"/>
+              <a:t>óra</a:t>
+            </a:r>
+            <a:endParaRPr lang="hu-HU" dirty="0"/>
+          </a:p>
+        </p:txBody>
+      </p:sp>
+      <p:sp>
+        <p:nvSpPr>
+          <p:cNvPr id="4" name="Dia számának helye 3"/>
+          <p:cNvSpPr>
+            <a:spLocks noGrp="1"/>
+          </p:cNvSpPr>
+          <p:nvPr>
+            <p:ph type="sldNum" sz="quarter" idx="10"/>
+          </p:nvPr>
+        </p:nvSpPr>
+        <p:spPr/>
+        <p:txBody>
+          <a:bodyPr/>
+          <a:lstStyle/>
+          <a:p>
+            <a:fld id="{A7C85712-A09B-4560-9D1E-08050AA835BB}" type="slidenum">
+              <a:rPr lang="hu-HU" smtClean="0"/>
+              <a:pPr/>
+              <a:t>14</a:t>
+            </a:fld>
+            <a:endParaRPr lang="hu-HU" dirty="0"/>
+          </a:p>
+        </p:txBody>
+      </p:sp>
+      <p:pic>
+        <p:nvPicPr>
+          <p:cNvPr id="8" name="Kép 7"/>
+          <p:cNvPicPr>
+            <a:picLocks noChangeAspect="1"/>
+          </p:cNvPicPr>
+          <p:nvPr/>
+        </p:nvPicPr>
+        <p:blipFill>
+          <a:blip r:embed="rId2">
+            <a:extLst>
+              <a:ext uri="{28A0092B-C50C-407E-A947-70E740481C1C}">
+                <a14:useLocalDpi xmlns:a14="http://schemas.microsoft.com/office/drawing/2010/main" val="0"/>
+              </a:ext>
+            </a:extLst>
+          </a:blip>
+          <a:stretch>
+            <a:fillRect/>
+          </a:stretch>
+        </p:blipFill>
+        <p:spPr>
+          <a:xfrm>
+            <a:off x="923271" y="1932416"/>
+            <a:ext cx="7298220" cy="3937043"/>
+          </a:xfrm>
+          <a:prstGeom prst="rect">
+            <a:avLst/>
+          </a:prstGeom>
+        </p:spPr>
+      </p:pic>
+    </p:spTree>
+    <p:extLst>
+      <p:ext uri="{BB962C8B-B14F-4D97-AF65-F5344CB8AC3E}">
+        <p14:creationId xmlns:p14="http://schemas.microsoft.com/office/powerpoint/2010/main" val="1473793819"/>
+      </p:ext>
+    </p:extLst>
+  </p:cSld>
+  <p:clrMapOvr>
+    <a:masterClrMapping/>
+  </p:clrMapOvr>
+  <mc:AlternateContent xmlns:mc="http://schemas.openxmlformats.org/markup-compatibility/2006">
+    <mc:Choice xmlns:p14="http://schemas.microsoft.com/office/powerpoint/2010/main" Requires="p14">
+      <p:transition p14:dur="10" advClick="0"/>
+    </mc:Choice>
+    <mc:Fallback>
+      <p:transition advClick="0"/>
+    </mc:Fallback>
+  </mc:AlternateContent>
+  <p:timing>
+    <p:tnLst>
+      <p:par>
+        <p:cTn id="1" dur="indefinite" restart="never" nodeType="tmRoot"/>
+      </p:par>
+    </p:tnLst>
+  </p:timing>
+</p:sld>
+</file>
+
+<file path=ppt/slides/slide15.xml><?xml version="1.0" encoding="utf-8"?>
+<p:sld xmlns:a="http://schemas.openxmlformats.org/drawingml/2006/main" xmlns:r="http://schemas.openxmlformats.org/officeDocument/2006/relationships" xmlns:p="http://schemas.openxmlformats.org/presentationml/2006/main">
+  <p:cSld>
+    <p:spTree>
+      <p:nvGrpSpPr>
+        <p:cNvPr id="1" name=""/>
+        <p:cNvGrpSpPr/>
+        <p:nvPr/>
+      </p:nvGrpSpPr>
+      <p:grpSpPr>
+        <a:xfrm>
+          <a:off x="0" y="0"/>
+          <a:ext cx="0" cy="0"/>
+          <a:chOff x="0" y="0"/>
+          <a:chExt cx="0" cy="0"/>
+        </a:xfrm>
+      </p:grpSpPr>
+      <p:sp>
+        <p:nvSpPr>
           <p:cNvPr id="5" name="Cím 4"/>
           <p:cNvSpPr>
             <a:spLocks noGrp="1"/>
@@ -8471,7 +9232,7 @@
             <a:fld id="{A7C85712-A09B-4560-9D1E-08050AA835BB}" type="slidenum">
               <a:rPr lang="hu-HU" smtClean="0"/>
               <a:pPr/>
-              <a:t>11</a:t>
+              <a:t>15</a:t>
             </a:fld>
             <a:endParaRPr lang="hu-HU" dirty="0"/>
           </a:p>
@@ -10633,7 +11394,6 @@
               <a:rPr lang="hu-HU" dirty="0"/>
               <a:t>Nyelvtan - deklarálás</a:t>
             </a:r>
-            <a:endParaRPr lang="hu-HU" dirty="0"/>
           </a:p>
         </p:txBody>
       </p:sp>
@@ -11415,15 +12175,7 @@
                   <a:schemeClr val="tx2"/>
                 </a:solidFill>
               </a:rPr>
-              <a:t>Generált </a:t>
-            </a:r>
-            <a:r>
-              <a:rPr lang="hu-HU" sz="2400" dirty="0" smtClean="0">
-                <a:solidFill>
-                  <a:schemeClr val="tx2"/>
-                </a:solidFill>
-              </a:rPr>
-              <a:t>viselkedési példány</a:t>
+              <a:t>Generált viselkedési példány</a:t>
             </a:r>
             <a:endParaRPr lang="hu-HU" sz="2400" dirty="0">
               <a:solidFill>
@@ -11616,21 +12368,8 @@
                   <a:schemeClr val="tx2"/>
                 </a:solidFill>
               </a:rPr>
-              <a:t> utasítás: ismeretség, </a:t>
-            </a:r>
-            <a:r>
-              <a:rPr lang="hu-HU" sz="2400" dirty="0" smtClean="0">
-                <a:solidFill>
-                  <a:schemeClr val="tx2"/>
-                </a:solidFill>
-              </a:rPr>
-              <a:t>kollaboráció</a:t>
-            </a:r>
-            <a:endParaRPr lang="hu-HU" sz="2400" dirty="0" smtClean="0">
-              <a:solidFill>
-                <a:schemeClr val="tx2"/>
-              </a:solidFill>
-            </a:endParaRPr>
+              <a:t> utasítás: ismeretség, kollaboráció</a:t>
+            </a:r>
           </a:p>
         </p:txBody>
       </p:sp>
@@ -11935,23 +12674,7 @@
                   <a:schemeClr val="tx2"/>
                 </a:solidFill>
               </a:rPr>
-              <a:t>-&gt; </a:t>
-            </a:r>
-            <a:r>
-              <a:rPr lang="hu-HU" sz="2400" dirty="0" smtClean="0">
-                <a:solidFill>
-                  <a:schemeClr val="tx2"/>
-                </a:solidFill>
-              </a:rPr>
-              <a:t>jel: utasítás </a:t>
-            </a:r>
-            <a:r>
-              <a:rPr lang="hu-HU" sz="2400" dirty="0" smtClean="0">
-                <a:solidFill>
-                  <a:schemeClr val="tx2"/>
-                </a:solidFill>
-              </a:rPr>
-              <a:t>szekvencia</a:t>
+              <a:t>-&gt; jel: utasítás szekvencia</a:t>
             </a:r>
             <a:endParaRPr lang="hu-HU" sz="2400" dirty="0">
               <a:solidFill>
@@ -12280,7 +13003,6 @@
               <a:rPr lang="hu-HU" dirty="0"/>
               <a:t>Nyelvtan - utasítások</a:t>
             </a:r>
-            <a:endParaRPr lang="hu-HU" dirty="0"/>
           </a:p>
         </p:txBody>
       </p:sp>
@@ -12735,7 +13457,6 @@
               <a:rPr lang="hu-HU" dirty="0"/>
               <a:t>Nyelvtan - utasítások</a:t>
             </a:r>
-            <a:endParaRPr lang="hu-HU" dirty="0"/>
           </a:p>
         </p:txBody>
       </p:sp>
@@ -13105,7 +13826,6 @@
               <a:rPr lang="hu-HU" dirty="0"/>
               <a:t>Nyelvtan - utasítások</a:t>
             </a:r>
-            <a:endParaRPr lang="hu-HU" dirty="0"/>
           </a:p>
         </p:txBody>
       </p:sp>
@@ -13586,21 +14306,8 @@
                   <a:schemeClr val="tx2"/>
                 </a:solidFill>
               </a:rPr>
-              <a:t>Feltételes </a:t>
-            </a:r>
-            <a:r>
-              <a:rPr lang="hu-HU" sz="2400" dirty="0" smtClean="0">
-                <a:solidFill>
-                  <a:schemeClr val="tx2"/>
-                </a:solidFill>
-              </a:rPr>
-              <a:t>elágazások</a:t>
-            </a:r>
-            <a:endParaRPr lang="hu-HU" sz="2400" dirty="0" smtClean="0">
-              <a:solidFill>
-                <a:schemeClr val="tx2"/>
-              </a:solidFill>
-            </a:endParaRPr>
+              <a:t>Feltételes elágazások</a:t>
+            </a:r>
           </a:p>
         </p:txBody>
       </p:sp>
@@ -13663,21 +14370,8 @@
                   <a:schemeClr val="tx2"/>
                 </a:solidFill>
               </a:rPr>
-              <a:t>Tetszőleges </a:t>
-            </a:r>
-            <a:r>
-              <a:rPr lang="hu-HU" sz="2400" dirty="0" smtClean="0">
-                <a:solidFill>
-                  <a:schemeClr val="tx2"/>
-                </a:solidFill>
-              </a:rPr>
-              <a:t>mélységű lehet</a:t>
-            </a:r>
-            <a:endParaRPr lang="hu-HU" sz="2400" dirty="0" smtClean="0">
-              <a:solidFill>
-                <a:schemeClr val="tx2"/>
-              </a:solidFill>
-            </a:endParaRPr>
+              <a:t>Tetszőleges mélységű lehet</a:t>
+            </a:r>
           </a:p>
         </p:txBody>
       </p:sp>
@@ -13748,21 +14442,8 @@
                   <a:schemeClr val="tx2"/>
                 </a:solidFill>
               </a:rPr>
-              <a:t> </a:t>
-            </a:r>
-            <a:r>
-              <a:rPr lang="hu-HU" sz="2400" dirty="0" smtClean="0">
-                <a:solidFill>
-                  <a:schemeClr val="tx2"/>
-                </a:solidFill>
-              </a:rPr>
-              <a:t>ág is definiálható</a:t>
-            </a:r>
-            <a:endParaRPr lang="hu-HU" sz="2400" dirty="0" smtClean="0">
-              <a:solidFill>
-                <a:schemeClr val="tx2"/>
-              </a:solidFill>
-            </a:endParaRPr>
+              <a:t> ág is definiálható</a:t>
+            </a:r>
           </a:p>
         </p:txBody>
       </p:sp>
